--- a/docs/Biblioteca Escolar.pptx
+++ b/docs/Biblioteca Escolar.pptx
@@ -11,8 +11,7 @@
     <p:sldId id="263" r:id="rId5"/>
     <p:sldId id="259" r:id="rId6"/>
     <p:sldId id="270" r:id="rId7"/>
-    <p:sldId id="264" r:id="rId8"/>
-    <p:sldId id="269" r:id="rId9"/>
+    <p:sldId id="269" r:id="rId8"/>
   </p:sldIdLst>
   <p:sldSz cx="12192000" cy="6858000"/>
   <p:notesSz cx="6858000" cy="9144000"/>
@@ -450,7 +449,7 @@
           <a:p>
             <a:fld id="{48A87A34-81AB-432B-8DAE-1953F412C126}" type="datetimeFigureOut">
               <a:rPr lang="en-US" smtClean="0"/>
-              <a:t>2/27/2020</a:t>
+              <a:t>2/28/2020</a:t>
             </a:fld>
             <a:endParaRPr lang="en-US" dirty="0"/>
           </a:p>
@@ -774,7 +773,7 @@
           <a:p>
             <a:fld id="{48A87A34-81AB-432B-8DAE-1953F412C126}" type="datetimeFigureOut">
               <a:rPr lang="en-US" smtClean="0"/>
-              <a:t>2/27/2020</a:t>
+              <a:t>2/28/2020</a:t>
             </a:fld>
             <a:endParaRPr lang="en-US" dirty="0"/>
           </a:p>
@@ -1022,7 +1021,7 @@
           <a:p>
             <a:fld id="{48A87A34-81AB-432B-8DAE-1953F412C126}" type="datetimeFigureOut">
               <a:rPr lang="en-US" smtClean="0"/>
-              <a:t>2/27/2020</a:t>
+              <a:t>2/28/2020</a:t>
             </a:fld>
             <a:endParaRPr lang="en-US" dirty="0"/>
           </a:p>
@@ -1361,7 +1360,7 @@
           <a:p>
             <a:fld id="{48A87A34-81AB-432B-8DAE-1953F412C126}" type="datetimeFigureOut">
               <a:rPr lang="en-US" smtClean="0"/>
-              <a:t>2/27/2020</a:t>
+              <a:t>2/28/2020</a:t>
             </a:fld>
             <a:endParaRPr lang="en-US" dirty="0"/>
           </a:p>
@@ -1708,7 +1707,7 @@
           <a:p>
             <a:fld id="{48A87A34-81AB-432B-8DAE-1953F412C126}" type="datetimeFigureOut">
               <a:rPr lang="en-US" smtClean="0"/>
-              <a:t>2/27/2020</a:t>
+              <a:t>2/28/2020</a:t>
             </a:fld>
             <a:endParaRPr lang="en-US" dirty="0"/>
           </a:p>
@@ -2083,7 +2082,7 @@
             <a:fld id="{48A87A34-81AB-432B-8DAE-1953F412C126}" type="datetimeFigureOut">
               <a:rPr lang="en-US" smtClean="0"/>
               <a:pPr/>
-              <a:t>2/27/2020</a:t>
+              <a:t>2/28/2020</a:t>
             </a:fld>
             <a:endParaRPr lang="en-US" dirty="0"/>
           </a:p>
@@ -2555,7 +2554,7 @@
             <a:fld id="{48A87A34-81AB-432B-8DAE-1953F412C126}" type="datetimeFigureOut">
               <a:rPr lang="en-US" smtClean="0"/>
               <a:pPr/>
-              <a:t>2/27/2020</a:t>
+              <a:t>2/28/2020</a:t>
             </a:fld>
             <a:endParaRPr lang="en-US" dirty="0"/>
           </a:p>
@@ -2761,7 +2760,7 @@
           <a:p>
             <a:fld id="{48A87A34-81AB-432B-8DAE-1953F412C126}" type="datetimeFigureOut">
               <a:rPr lang="en-US" smtClean="0"/>
-              <a:t>2/27/2020</a:t>
+              <a:t>2/28/2020</a:t>
             </a:fld>
             <a:endParaRPr lang="en-US" dirty="0"/>
           </a:p>
@@ -2972,7 +2971,7 @@
           <a:p>
             <a:fld id="{48A87A34-81AB-432B-8DAE-1953F412C126}" type="datetimeFigureOut">
               <a:rPr lang="en-US" smtClean="0"/>
-              <a:t>2/27/2020</a:t>
+              <a:t>2/28/2020</a:t>
             </a:fld>
             <a:endParaRPr lang="en-US" dirty="0"/>
           </a:p>
@@ -3204,7 +3203,7 @@
           <a:p>
             <a:fld id="{48A87A34-81AB-432B-8DAE-1953F412C126}" type="datetimeFigureOut">
               <a:rPr lang="en-US" smtClean="0"/>
-              <a:t>2/27/2020</a:t>
+              <a:t>2/28/2020</a:t>
             </a:fld>
             <a:endParaRPr lang="en-US" dirty="0"/>
           </a:p>
@@ -3452,7 +3451,7 @@
           <a:p>
             <a:fld id="{48A87A34-81AB-432B-8DAE-1953F412C126}" type="datetimeFigureOut">
               <a:rPr lang="en-US" smtClean="0"/>
-              <a:t>2/27/2020</a:t>
+              <a:t>2/28/2020</a:t>
             </a:fld>
             <a:endParaRPr lang="en-US" dirty="0"/>
           </a:p>
@@ -3750,7 +3749,7 @@
           <a:p>
             <a:fld id="{48A87A34-81AB-432B-8DAE-1953F412C126}" type="datetimeFigureOut">
               <a:rPr lang="en-US" smtClean="0"/>
-              <a:t>2/27/2020</a:t>
+              <a:t>2/28/2020</a:t>
             </a:fld>
             <a:endParaRPr lang="en-US" dirty="0"/>
           </a:p>
@@ -4144,7 +4143,7 @@
           <a:p>
             <a:fld id="{48A87A34-81AB-432B-8DAE-1953F412C126}" type="datetimeFigureOut">
               <a:rPr lang="en-US" smtClean="0"/>
-              <a:t>2/27/2020</a:t>
+              <a:t>2/28/2020</a:t>
             </a:fld>
             <a:endParaRPr lang="en-US" dirty="0"/>
           </a:p>
@@ -4293,7 +4292,7 @@
           <a:p>
             <a:fld id="{48A87A34-81AB-432B-8DAE-1953F412C126}" type="datetimeFigureOut">
               <a:rPr lang="en-US" smtClean="0"/>
-              <a:t>2/27/2020</a:t>
+              <a:t>2/28/2020</a:t>
             </a:fld>
             <a:endParaRPr lang="en-US" dirty="0"/>
           </a:p>
@@ -4419,7 +4418,7 @@
           <a:p>
             <a:fld id="{48A87A34-81AB-432B-8DAE-1953F412C126}" type="datetimeFigureOut">
               <a:rPr lang="en-US" smtClean="0"/>
-              <a:t>2/27/2020</a:t>
+              <a:t>2/28/2020</a:t>
             </a:fld>
             <a:endParaRPr lang="en-US" dirty="0"/>
           </a:p>
@@ -4674,7 +4673,7 @@
           <a:p>
             <a:fld id="{48A87A34-81AB-432B-8DAE-1953F412C126}" type="datetimeFigureOut">
               <a:rPr lang="en-US" smtClean="0"/>
-              <a:t>2/27/2020</a:t>
+              <a:t>2/28/2020</a:t>
             </a:fld>
             <a:endParaRPr lang="en-US" dirty="0"/>
           </a:p>
@@ -4989,7 +4988,7 @@
           <a:p>
             <a:fld id="{48A87A34-81AB-432B-8DAE-1953F412C126}" type="datetimeFigureOut">
               <a:rPr lang="en-US" smtClean="0"/>
-              <a:t>2/27/2020</a:t>
+              <a:t>2/28/2020</a:t>
             </a:fld>
             <a:endParaRPr lang="en-US" dirty="0"/>
           </a:p>
@@ -5341,7 +5340,7 @@
             <a:fld id="{48A87A34-81AB-432B-8DAE-1953F412C126}" type="datetimeFigureOut">
               <a:rPr lang="en-US" smtClean="0"/>
               <a:pPr/>
-              <a:t>2/27/2020</a:t>
+              <a:t>2/28/2020</a:t>
             </a:fld>
             <a:endParaRPr lang="en-US" dirty="0"/>
           </a:p>
@@ -5897,8 +5896,8 @@
         </p:nvSpPr>
         <p:spPr>
           <a:xfrm>
-            <a:off x="2601532" y="1600333"/>
-            <a:ext cx="7058138" cy="1179347"/>
+            <a:off x="2099256" y="1626091"/>
+            <a:ext cx="8049811" cy="1179347"/>
           </a:xfrm>
         </p:spPr>
         <p:txBody>
@@ -5915,7 +5914,7 @@
                 <a:latin typeface="Century Schoolbook" panose="02040604050505020304" pitchFamily="18" charset="0"/>
                 <a:cs typeface="Bangla Sangam MN" panose="02000000000000000000" pitchFamily="2" charset="0"/>
               </a:rPr>
-              <a:t>Biblioteca escolar</a:t>
+              <a:t>Sistema Bibliotecario</a:t>
             </a:r>
             <a:endParaRPr lang="es-EC" sz="6000" b="1" dirty="0">
               <a:solidFill>
@@ -6228,15 +6227,23 @@
             </a:pPr>
             <a:r>
               <a:rPr lang="es-EC" dirty="0"/>
-              <a:t>Diseñar y programar un Sistema de Biblioteca Escolar mediante el desarrollo de una página web administrativa para el bibliotecario y los estudiantes una app </a:t>
-            </a:r>
-            <a:r>
-              <a:rPr lang="es-EC" dirty="0" err="1"/>
-              <a:t>android</a:t>
+              <a:t>Diseñar y programar un Sistema de Biblioteca Escolar mediante el desarrollo de una página web administrativa para </a:t>
+            </a:r>
+            <a:r>
+              <a:rPr lang="es-EC" dirty="0" smtClean="0"/>
+              <a:t>el/los bibliotecario/s </a:t>
             </a:r>
             <a:r>
               <a:rPr lang="es-EC" dirty="0"/>
-              <a:t> para la reserva de libros.</a:t>
+              <a:t>y los estudiantes una app </a:t>
+            </a:r>
+            <a:r>
+              <a:rPr lang="es-EC" dirty="0" smtClean="0"/>
+              <a:t>móvil Android </a:t>
+            </a:r>
+            <a:r>
+              <a:rPr lang="es-EC" dirty="0"/>
+              <a:t>para la reserva de libros.</a:t>
             </a:r>
             <a:endParaRPr lang="es-EC" sz="2400" dirty="0"/>
           </a:p>
@@ -6333,7 +6340,15 @@
             <a:pPr lvl="0"/>
             <a:r>
               <a:rPr lang="es-ES_tradnl" dirty="0"/>
-              <a:t>Desarrollar la aplicación con el establecimiento de diversos procesos para lograr la culminación del proyecto.</a:t>
+              <a:t>Desarrollar la aplicación con el establecimiento de </a:t>
+            </a:r>
+            <a:r>
+              <a:rPr lang="es-ES_tradnl" dirty="0" smtClean="0"/>
+              <a:t>diversas herramientas y procesos adquiridas en el semestre para </a:t>
+            </a:r>
+            <a:r>
+              <a:rPr lang="es-ES_tradnl" dirty="0"/>
+              <a:t>lograr la culminación del proyecto.</a:t>
             </a:r>
             <a:endParaRPr lang="es-EC" dirty="0"/>
           </a:p>
@@ -6341,7 +6356,11 @@
             <a:pPr lvl="0"/>
             <a:r>
               <a:rPr lang="es-ES_tradnl" dirty="0"/>
-              <a:t>Determinar tareas específicas en el equipo de trabajo para facilitar el desarrollo de la app. </a:t>
+              <a:t>Determinar tareas específicas en el equipo de trabajo para facilitar el desarrollo </a:t>
+            </a:r>
+            <a:r>
+              <a:rPr lang="es-ES_tradnl" dirty="0" smtClean="0"/>
+              <a:t>del sistema. </a:t>
             </a:r>
             <a:endParaRPr lang="es-EC" dirty="0"/>
           </a:p>
@@ -6463,7 +6482,6 @@
               <a:rPr lang="es-EC" dirty="0"/>
               <a:t>Bibliotecario aprobará o rechazará la petición de reserva realizada por los estudiantes, también tendrá la posibilidad de agregar nuevos libros de ser necesario.</a:t>
             </a:r>
-            <a:endParaRPr lang="es-EC" dirty="0"/>
           </a:p>
           <a:p>
             <a:pPr marL="0" indent="0" algn="just">
@@ -6768,175 +6786,6 @@
 </file>
 
 <file path=ppt/slides/slide7.xml><?xml version="1.0" encoding="utf-8"?>
-<p:sld xmlns:a="http://schemas.openxmlformats.org/drawingml/2006/main" xmlns:r="http://schemas.openxmlformats.org/officeDocument/2006/relationships" xmlns:p="http://schemas.openxmlformats.org/presentationml/2006/main">
-  <p:cSld>
-    <p:spTree>
-      <p:nvGrpSpPr>
-        <p:cNvPr id="1" name=""/>
-        <p:cNvGrpSpPr/>
-        <p:nvPr/>
-      </p:nvGrpSpPr>
-      <p:grpSpPr>
-        <a:xfrm>
-          <a:off x="0" y="0"/>
-          <a:ext cx="0" cy="0"/>
-          <a:chOff x="0" y="0"/>
-          <a:chExt cx="0" cy="0"/>
-        </a:xfrm>
-      </p:grpSpPr>
-      <p:sp>
-        <p:nvSpPr>
-          <p:cNvPr id="2" name="Título 1"/>
-          <p:cNvSpPr>
-            <a:spLocks noGrp="1"/>
-          </p:cNvSpPr>
-          <p:nvPr>
-            <p:ph type="title"/>
-          </p:nvPr>
-        </p:nvSpPr>
-        <p:spPr>
-          <a:xfrm>
-            <a:off x="913149" y="502430"/>
-            <a:ext cx="10364451" cy="1596177"/>
-          </a:xfrm>
-        </p:spPr>
-        <p:txBody>
-          <a:bodyPr>
-            <a:normAutofit/>
-          </a:bodyPr>
-          <a:lstStyle/>
-          <a:p>
-            <a:r>
-              <a:rPr lang="es-ES" sz="4800" dirty="0"/>
-              <a:t>CARACTERÍSTICAS</a:t>
-            </a:r>
-            <a:endParaRPr lang="es-EC" sz="4800" dirty="0"/>
-          </a:p>
-        </p:txBody>
-      </p:sp>
-      <p:sp>
-        <p:nvSpPr>
-          <p:cNvPr id="3" name="Marcador de contenido 2"/>
-          <p:cNvSpPr>
-            <a:spLocks noGrp="1"/>
-          </p:cNvSpPr>
-          <p:nvPr>
-            <p:ph idx="1"/>
-          </p:nvPr>
-        </p:nvSpPr>
-        <p:spPr>
-          <a:xfrm>
-            <a:off x="913774" y="1982699"/>
-            <a:ext cx="10363826" cy="3851432"/>
-          </a:xfrm>
-        </p:spPr>
-        <p:txBody>
-          <a:bodyPr>
-            <a:normAutofit/>
-          </a:bodyPr>
-          <a:lstStyle/>
-          <a:p>
-            <a:pPr marL="0" lvl="0" indent="0">
-              <a:buNone/>
-            </a:pPr>
-            <a:r>
-              <a:rPr lang="es-ES_tradnl" b="1" dirty="0"/>
-              <a:t>Dentro del administrador: </a:t>
-            </a:r>
-            <a:endParaRPr lang="es-EC" b="1" dirty="0"/>
-          </a:p>
-          <a:p>
-            <a:pPr lvl="0"/>
-            <a:r>
-              <a:rPr lang="es-EC" dirty="0"/>
-              <a:t>Módulo de bibliotecarios: crear, editar, eliminar y consultar.</a:t>
-            </a:r>
-          </a:p>
-          <a:p>
-            <a:pPr lvl="0"/>
-            <a:r>
-              <a:rPr lang="es-EC" dirty="0" smtClean="0"/>
-              <a:t>Módulo </a:t>
-            </a:r>
-            <a:r>
-              <a:rPr lang="es-EC" dirty="0"/>
-              <a:t>de biblioteca virtual: editar, eliminar, consultar.</a:t>
-            </a:r>
-          </a:p>
-          <a:p>
-            <a:pPr lvl="0"/>
-            <a:r>
-              <a:rPr lang="es-EC" dirty="0"/>
-              <a:t>Módulo de añadir libro: crear, editar, eliminar</a:t>
-            </a:r>
-            <a:r>
-              <a:rPr lang="es-EC" dirty="0" smtClean="0"/>
-              <a:t>.</a:t>
-            </a:r>
-            <a:endParaRPr lang="es-EC" dirty="0"/>
-          </a:p>
-          <a:p>
-            <a:pPr marL="0" lvl="0" indent="0">
-              <a:buNone/>
-            </a:pPr>
-            <a:r>
-              <a:rPr lang="es-ES_tradnl" b="1" dirty="0"/>
-              <a:t>Dentro del usuario</a:t>
-            </a:r>
-            <a:r>
-              <a:rPr lang="es-ES_tradnl" dirty="0"/>
-              <a:t>:</a:t>
-            </a:r>
-            <a:endParaRPr lang="es-EC" dirty="0"/>
-          </a:p>
-          <a:p>
-            <a:pPr lvl="0"/>
-            <a:r>
-              <a:rPr lang="es-EC" dirty="0"/>
-              <a:t>Módulo de ingreso al sistema: consultar.</a:t>
-            </a:r>
-          </a:p>
-          <a:p>
-            <a:pPr lvl="0"/>
-            <a:r>
-              <a:rPr lang="es-EC" dirty="0" smtClean="0"/>
-              <a:t>Módulo </a:t>
-            </a:r>
-            <a:r>
-              <a:rPr lang="es-EC" dirty="0"/>
-              <a:t>de reserva: </a:t>
-            </a:r>
-            <a:r>
-              <a:rPr lang="es-EC" dirty="0" smtClean="0"/>
-              <a:t>generar y </a:t>
-            </a:r>
-            <a:r>
-              <a:rPr lang="es-EC" dirty="0"/>
-              <a:t>consultar.</a:t>
-            </a:r>
-          </a:p>
-          <a:p>
-            <a:pPr marL="0" indent="0">
-              <a:buNone/>
-            </a:pPr>
-            <a:endParaRPr lang="es-EC" dirty="0"/>
-          </a:p>
-        </p:txBody>
-      </p:sp>
-    </p:spTree>
-    <p:extLst>
-      <p:ext uri="{BB962C8B-B14F-4D97-AF65-F5344CB8AC3E}">
-        <p14:creationId xmlns:p14="http://schemas.microsoft.com/office/powerpoint/2010/main" val="847566114"/>
-      </p:ext>
-    </p:extLst>
-  </p:cSld>
-  <p:clrMapOvr>
-    <a:masterClrMapping/>
-  </p:clrMapOvr>
-</p:sld>
-</file>
-
-<file path=ppt/slides/slide8.xml><?xml version="1.0" encoding="utf-8"?>
 <p:sld xmlns:a="http://schemas.openxmlformats.org/drawingml/2006/main" xmlns:r="http://schemas.openxmlformats.org/officeDocument/2006/relationships" xmlns:p="http://schemas.openxmlformats.org/presentationml/2006/main">
   <p:cSld>
     <p:spTree>

--- a/docs/Biblioteca Escolar.pptx
+++ b/docs/Biblioteca Escolar.pptx
@@ -1,26 +1,27 @@
 
 <file path=ppt/presentation.xml><?xml version="1.0" encoding="utf-8"?>
-<p:presentation xmlns:a="http://schemas.openxmlformats.org/drawingml/2006/main" xmlns:r="http://schemas.openxmlformats.org/officeDocument/2006/relationships" xmlns:p="http://schemas.openxmlformats.org/presentationml/2006/main" autoCompressPictures="0">
+<p:presentation xmlns:a="http://schemas.openxmlformats.org/drawingml/2006/main" xmlns:r="http://schemas.openxmlformats.org/officeDocument/2006/relationships" xmlns:p="http://schemas.openxmlformats.org/presentationml/2006/main" xmlns:m="http://schemas.openxmlformats.org/officeDocument/2006/math" xmlns:w="http://schemas.openxmlformats.org/wordprocessingml/2006/main" autoCompressPictures="0">
   <p:sldMasterIdLst>
-    <p:sldMasterId id="2147483669" r:id="rId1"/>
+    <p:sldMasterId id="2147483648" r:id="rId1"/>
   </p:sldMasterIdLst>
   <p:sldIdLst>
-    <p:sldId id="256" r:id="rId2"/>
-    <p:sldId id="257" r:id="rId3"/>
-    <p:sldId id="262" r:id="rId4"/>
-    <p:sldId id="263" r:id="rId5"/>
+    <p:sldId id="256" r:id="rId3"/>
+    <p:sldId id="257" r:id="rId4"/>
+    <p:sldId id="258" r:id="rId5"/>
     <p:sldId id="259" r:id="rId6"/>
-    <p:sldId id="270" r:id="rId7"/>
-    <p:sldId id="269" r:id="rId8"/>
+    <p:sldId id="260" r:id="rId7"/>
+    <p:sldId id="261" r:id="rId8"/>
+    <p:sldId id="262" r:id="rId9"/>
+    <p:sldId id="263" r:id="rId10"/>
   </p:sldIdLst>
   <p:sldSz cx="12192000" cy="6858000"/>
-  <p:notesSz cx="6858000" cy="9144000"/>
+  <p:notesSz cx="6858000" cy="12192000"/>
   <p:defaultTextStyle>
     <a:defPPr>
       <a:defRPr lang="en-US"/>
     </a:defPPr>
-    <a:lvl1pPr marL="0" algn="l" defTabSz="457200" rtl="0" eaLnBrk="1" latinLnBrk="0" hangingPunct="1">
-      <a:defRPr sz="1800" kern="1200">
+    <a:lvl1pPr marL="0" algn="l" defTabSz="457200">
+      <a:defRPr sz="1800">
         <a:solidFill>
           <a:schemeClr val="tx1"/>
         </a:solidFill>
@@ -29,8 +30,8 @@
         <a:cs typeface="+mn-cs"/>
       </a:defRPr>
     </a:lvl1pPr>
-    <a:lvl2pPr marL="457200" algn="l" defTabSz="457200" rtl="0" eaLnBrk="1" latinLnBrk="0" hangingPunct="1">
-      <a:defRPr sz="1800" kern="1200">
+    <a:lvl2pPr marL="457200" algn="l" defTabSz="457200">
+      <a:defRPr sz="1800">
         <a:solidFill>
           <a:schemeClr val="tx1"/>
         </a:solidFill>
@@ -39,8 +40,8 @@
         <a:cs typeface="+mn-cs"/>
       </a:defRPr>
     </a:lvl2pPr>
-    <a:lvl3pPr marL="914400" algn="l" defTabSz="457200" rtl="0" eaLnBrk="1" latinLnBrk="0" hangingPunct="1">
-      <a:defRPr sz="1800" kern="1200">
+    <a:lvl3pPr marL="914400" algn="l" defTabSz="457200">
+      <a:defRPr sz="1800">
         <a:solidFill>
           <a:schemeClr val="tx1"/>
         </a:solidFill>
@@ -49,8 +50,8 @@
         <a:cs typeface="+mn-cs"/>
       </a:defRPr>
     </a:lvl3pPr>
-    <a:lvl4pPr marL="1371600" algn="l" defTabSz="457200" rtl="0" eaLnBrk="1" latinLnBrk="0" hangingPunct="1">
-      <a:defRPr sz="1800" kern="1200">
+    <a:lvl4pPr marL="1371600" algn="l" defTabSz="457200">
+      <a:defRPr sz="1800">
         <a:solidFill>
           <a:schemeClr val="tx1"/>
         </a:solidFill>
@@ -59,8 +60,8 @@
         <a:cs typeface="+mn-cs"/>
       </a:defRPr>
     </a:lvl4pPr>
-    <a:lvl5pPr marL="1828800" algn="l" defTabSz="457200" rtl="0" eaLnBrk="1" latinLnBrk="0" hangingPunct="1">
-      <a:defRPr sz="1800" kern="1200">
+    <a:lvl5pPr marL="1828800" algn="l" defTabSz="457200">
+      <a:defRPr sz="1800">
         <a:solidFill>
           <a:schemeClr val="tx1"/>
         </a:solidFill>
@@ -69,8 +70,8 @@
         <a:cs typeface="+mn-cs"/>
       </a:defRPr>
     </a:lvl5pPr>
-    <a:lvl6pPr marL="2286000" algn="l" defTabSz="457200" rtl="0" eaLnBrk="1" latinLnBrk="0" hangingPunct="1">
-      <a:defRPr sz="1800" kern="1200">
+    <a:lvl6pPr marL="2286000" algn="l" defTabSz="457200">
+      <a:defRPr sz="1800">
         <a:solidFill>
           <a:schemeClr val="tx1"/>
         </a:solidFill>
@@ -79,8 +80,8 @@
         <a:cs typeface="+mn-cs"/>
       </a:defRPr>
     </a:lvl6pPr>
-    <a:lvl7pPr marL="2743200" algn="l" defTabSz="457200" rtl="0" eaLnBrk="1" latinLnBrk="0" hangingPunct="1">
-      <a:defRPr sz="1800" kern="1200">
+    <a:lvl7pPr marL="2743200" algn="l" defTabSz="457200">
+      <a:defRPr sz="1800">
         <a:solidFill>
           <a:schemeClr val="tx1"/>
         </a:solidFill>
@@ -89,8 +90,8 @@
         <a:cs typeface="+mn-cs"/>
       </a:defRPr>
     </a:lvl7pPr>
-    <a:lvl8pPr marL="3200400" algn="l" defTabSz="457200" rtl="0" eaLnBrk="1" latinLnBrk="0" hangingPunct="1">
-      <a:defRPr sz="1800" kern="1200">
+    <a:lvl8pPr marL="3200400" algn="l" defTabSz="457200">
+      <a:defRPr sz="1800">
         <a:solidFill>
           <a:schemeClr val="tx1"/>
         </a:solidFill>
@@ -99,8 +100,8 @@
         <a:cs typeface="+mn-cs"/>
       </a:defRPr>
     </a:lvl8pPr>
-    <a:lvl9pPr marL="3657600" algn="l" defTabSz="457200" rtl="0" eaLnBrk="1" latinLnBrk="0" hangingPunct="1">
-      <a:defRPr sz="1800" kern="1200">
+    <a:lvl9pPr marL="3657600" algn="l" defTabSz="457200">
+      <a:defRPr sz="1800">
         <a:solidFill>
           <a:schemeClr val="tx1"/>
         </a:solidFill>
@@ -110,24 +111,19 @@
       </a:defRPr>
     </a:lvl9pPr>
   </p:defaultTextStyle>
-  <p:extLst>
-    <p:ext uri="{EFAFB233-063F-42B5-8137-9DF3F51BA10A}">
-      <p15:sldGuideLst xmlns:p15="http://schemas.microsoft.com/office/powerpoint/2012/main"/>
-    </p:ext>
-  </p:extLst>
 </p:presentation>
 </file>
 
 <file path=ppt/slideLayouts/slideLayout1.xml><?xml version="1.0" encoding="utf-8"?>
-<p:sldLayout xmlns:a="http://schemas.openxmlformats.org/drawingml/2006/main" xmlns:r="http://schemas.openxmlformats.org/officeDocument/2006/relationships" xmlns:p="http://schemas.openxmlformats.org/presentationml/2006/main" showMasterSp="0" type="title" preserve="1">
+<p:sldLayout xmlns:a="http://schemas.openxmlformats.org/drawingml/2006/main" xmlns:r="http://schemas.openxmlformats.org/officeDocument/2006/relationships" xmlns:p="http://schemas.openxmlformats.org/presentationml/2006/main" xmlns:m="http://schemas.openxmlformats.org/officeDocument/2006/math" xmlns:w="http://schemas.openxmlformats.org/wordprocessingml/2006/main" matchingName="" preserve="1" showMasterPhAnim="0" showMasterSp="0" type="title" userDrawn="1">
   <p:cSld name="Diapositiva de título">
     <p:spTree>
       <p:nvGrpSpPr>
-        <p:cNvPr id="1" name=""/>
+        <p:cNvPr id="1" name="" hidden="0"/>
         <p:cNvGrpSpPr/>
-        <p:nvPr/>
+        <p:nvPr isPhoto="0" userDrawn="0"/>
       </p:nvGrpSpPr>
-      <p:grpSpPr>
+      <p:grpSpPr bwMode="auto">
         <a:xfrm>
           <a:off x="0" y="0"/>
           <a:ext cx="0" cy="0"/>
@@ -137,11 +133,11 @@
       </p:grpSpPr>
       <p:grpSp>
         <p:nvGrpSpPr>
-          <p:cNvPr id="7" name="Group 6"/>
+          <p:cNvPr id="4" name="Group 6" hidden="0"/>
           <p:cNvGrpSpPr/>
-          <p:nvPr/>
+          <p:nvPr isPhoto="0" userDrawn="0"/>
         </p:nvGrpSpPr>
-        <p:grpSpPr>
+        <p:grpSpPr bwMode="auto">
           <a:xfrm>
             <a:off x="-16934" y="0"/>
             <a:ext cx="12231160" cy="6856214"/>
@@ -151,25 +147,17 @@
         </p:grpSpPr>
         <p:pic>
           <p:nvPicPr>
-            <p:cNvPr id="16" name="Picture 15" descr="HD-PanelTitleR1.png"/>
+            <p:cNvPr id="5" name="Picture 15" descr="HD-PanelTitleR1.png" hidden="0"/>
             <p:cNvPicPr>
               <a:picLocks noChangeAspect="1"/>
             </p:cNvPicPr>
-            <p:nvPr/>
+            <p:nvPr isPhoto="0" userDrawn="0"/>
           </p:nvPicPr>
           <p:blipFill>
-            <a:blip r:embed="rId2">
-              <a:extLst>
-                <a:ext uri="{28A0092B-C50C-407E-A947-70E740481C1C}">
-                  <a14:useLocalDpi xmlns:a14="http://schemas.microsoft.com/office/drawing/2010/main" val="0"/>
-                </a:ext>
-              </a:extLst>
-            </a:blip>
-            <a:stretch>
-              <a:fillRect/>
-            </a:stretch>
+            <a:blip r:embed="rId2"/>
+            <a:stretch/>
           </p:blipFill>
-          <p:spPr>
+          <p:spPr bwMode="auto">
             <a:xfrm>
               <a:off x="0" y="0"/>
               <a:ext cx="12188825" cy="6856214"/>
@@ -181,11 +169,11 @@
         </p:pic>
         <p:sp>
           <p:nvSpPr>
-            <p:cNvPr id="26" name="Rectangle 25"/>
+            <p:cNvPr id="6" name="Rectangle 25" hidden="0"/>
             <p:cNvSpPr/>
-            <p:nvPr/>
+            <p:nvPr isPhoto="0" userDrawn="0"/>
           </p:nvSpPr>
-          <p:spPr>
+          <p:spPr bwMode="auto">
             <a:xfrm>
               <a:off x="2328332" y="1540931"/>
               <a:ext cx="7543802" cy="3835401"/>
@@ -215,24 +203,17 @@
         </p:sp>
         <p:pic>
           <p:nvPicPr>
-            <p:cNvPr id="17" name="Picture 16" descr="HDRibbonTitle-UniformTrim.png"/>
+            <p:cNvPr id="7" name="Picture 16" descr="HDRibbonTitle-UniformTrim.png" hidden="0"/>
             <p:cNvPicPr>
               <a:picLocks noChangeAspect="1"/>
             </p:cNvPicPr>
-            <p:nvPr/>
+            <p:nvPr isPhoto="0" userDrawn="0"/>
           </p:nvPicPr>
-          <p:blipFill rotWithShape="1">
-            <a:blip r:embed="rId3">
-              <a:extLst>
-                <a:ext uri="{28A0092B-C50C-407E-A947-70E740481C1C}">
-                  <a14:useLocalDpi xmlns:a14="http://schemas.microsoft.com/office/drawing/2010/main" val="0"/>
-                </a:ext>
-              </a:extLst>
-            </a:blip>
-            <a:srcRect/>
+          <p:blipFill>
+            <a:blip r:embed="rId3"/>
             <a:stretch/>
           </p:blipFill>
-          <p:spPr>
+          <p:spPr bwMode="auto">
             <a:xfrm>
               <a:off x="-16934" y="3147609"/>
               <a:ext cx="2478024" cy="612648"/>
@@ -244,24 +225,17 @@
         </p:pic>
         <p:pic>
           <p:nvPicPr>
-            <p:cNvPr id="20" name="Picture 19" descr="HDRibbonTitle-UniformTrim.png"/>
+            <p:cNvPr id="8" name="Picture 19" descr="HDRibbonTitle-UniformTrim.png" hidden="0"/>
             <p:cNvPicPr>
               <a:picLocks noChangeAspect="1"/>
             </p:cNvPicPr>
-            <p:nvPr/>
+            <p:nvPr isPhoto="0" userDrawn="0"/>
           </p:nvPicPr>
-          <p:blipFill rotWithShape="1">
-            <a:blip r:embed="rId3">
-              <a:extLst>
-                <a:ext uri="{28A0092B-C50C-407E-A947-70E740481C1C}">
-                  <a14:useLocalDpi xmlns:a14="http://schemas.microsoft.com/office/drawing/2010/main" val="0"/>
-                </a:ext>
-              </a:extLst>
-            </a:blip>
-            <a:srcRect/>
+          <p:blipFill>
+            <a:blip r:embed="rId3"/>
             <a:stretch/>
           </p:blipFill>
-          <p:spPr>
+          <p:spPr bwMode="auto">
             <a:xfrm>
               <a:off x="9736202" y="3147609"/>
               <a:ext cx="2478024" cy="612648"/>
@@ -274,15 +248,15 @@
       </p:grpSp>
       <p:sp>
         <p:nvSpPr>
-          <p:cNvPr id="2" name="Title 1"/>
-          <p:cNvSpPr>
-            <a:spLocks noGrp="1"/>
-          </p:cNvSpPr>
-          <p:nvPr>
-            <p:ph type="ctrTitle"/>
-          </p:nvPr>
-        </p:nvSpPr>
-        <p:spPr>
+          <p:cNvPr id="9" name="Title 1" hidden="0"/>
+          <p:cNvSpPr>
+            <a:spLocks noGrp="1"/>
+          </p:cNvSpPr>
+          <p:nvPr isPhoto="0" userDrawn="0">
+            <p:ph type="ctrTitle" hasCustomPrompt="0"/>
+          </p:nvPr>
+        </p:nvSpPr>
+        <p:spPr bwMode="auto">
           <a:xfrm>
             <a:off x="2692398" y="1871131"/>
             <a:ext cx="6815669" cy="1515533"/>
@@ -294,31 +268,32 @@
           </a:bodyPr>
           <a:lstStyle>
             <a:lvl1pPr algn="ctr">
-              <a:defRPr sz="5400">
-                <a:effectLst/>
-              </a:defRPr>
+              <a:defRPr sz="5400"/>
             </a:lvl1pPr>
           </a:lstStyle>
           <a:p>
-            <a:r>
-              <a:rPr lang="es-ES" smtClean="0"/>
+            <a:pPr>
+              <a:defRPr/>
+            </a:pPr>
+            <a:r>
+              <a:rPr lang="es-ES"/>
               <a:t>Haga clic para modificar el estilo de título del patrón</a:t>
             </a:r>
-            <a:endParaRPr lang="en-US" dirty="0"/>
-          </a:p>
-        </p:txBody>
-      </p:sp>
-      <p:sp>
-        <p:nvSpPr>
-          <p:cNvPr id="3" name="Subtitle 2"/>
-          <p:cNvSpPr>
-            <a:spLocks noGrp="1"/>
-          </p:cNvSpPr>
-          <p:nvPr>
-            <p:ph type="subTitle" idx="1"/>
-          </p:nvPr>
-        </p:nvSpPr>
-        <p:spPr>
+            <a:endParaRPr lang="en-US"/>
+          </a:p>
+        </p:txBody>
+      </p:sp>
+      <p:sp>
+        <p:nvSpPr>
+          <p:cNvPr id="10" name="Subtitle 2" hidden="0"/>
+          <p:cNvSpPr>
+            <a:spLocks noGrp="1"/>
+          </p:cNvSpPr>
+          <p:nvPr isPhoto="0" userDrawn="0">
+            <p:ph type="subTitle" idx="1" hasCustomPrompt="0"/>
+          </p:nvPr>
+        </p:nvSpPr>
+        <p:spPr bwMode="auto">
           <a:xfrm>
             <a:off x="2692398" y="3657597"/>
             <a:ext cx="6815669" cy="1320802"/>
@@ -419,25 +394,28 @@
             </a:lvl9pPr>
           </a:lstStyle>
           <a:p>
-            <a:r>
-              <a:rPr lang="es-ES" smtClean="0"/>
+            <a:pPr>
+              <a:defRPr/>
+            </a:pPr>
+            <a:r>
+              <a:rPr lang="es-ES"/>
               <a:t>Haga clic para editar el estilo de subtítulo del patrón</a:t>
             </a:r>
-            <a:endParaRPr lang="en-US" dirty="0"/>
-          </a:p>
-        </p:txBody>
-      </p:sp>
-      <p:sp>
-        <p:nvSpPr>
-          <p:cNvPr id="4" name="Date Placeholder 3"/>
-          <p:cNvSpPr>
-            <a:spLocks noGrp="1"/>
-          </p:cNvSpPr>
-          <p:nvPr>
-            <p:ph type="dt" sz="half" idx="10"/>
-          </p:nvPr>
-        </p:nvSpPr>
-        <p:spPr>
+            <a:endParaRPr lang="en-US"/>
+          </a:p>
+        </p:txBody>
+      </p:sp>
+      <p:sp>
+        <p:nvSpPr>
+          <p:cNvPr id="11" name="Date Placeholder 3" hidden="0"/>
+          <p:cNvSpPr>
+            <a:spLocks noGrp="1"/>
+          </p:cNvSpPr>
+          <p:nvPr isPhoto="0" userDrawn="0">
+            <p:ph type="dt" sz="half" idx="10" hasCustomPrompt="0"/>
+          </p:nvPr>
+        </p:nvSpPr>
+        <p:spPr bwMode="auto">
           <a:xfrm>
             <a:off x="7983232" y="5037663"/>
             <a:ext cx="897467" cy="279400"/>
@@ -447,25 +425,28 @@
           <a:bodyPr/>
           <a:lstStyle/>
           <a:p>
+            <a:pPr>
+              <a:defRPr/>
+            </a:pPr>
             <a:fld id="{48A87A34-81AB-432B-8DAE-1953F412C126}" type="datetimeFigureOut">
-              <a:rPr lang="en-US" smtClean="0"/>
-              <a:t>2/28/2020</a:t>
+              <a:rPr lang="en-US"/>
+              <a:t/>
             </a:fld>
-            <a:endParaRPr lang="en-US" dirty="0"/>
-          </a:p>
-        </p:txBody>
-      </p:sp>
-      <p:sp>
-        <p:nvSpPr>
-          <p:cNvPr id="5" name="Footer Placeholder 4"/>
-          <p:cNvSpPr>
-            <a:spLocks noGrp="1"/>
-          </p:cNvSpPr>
-          <p:nvPr>
-            <p:ph type="ftr" sz="quarter" idx="11"/>
-          </p:nvPr>
-        </p:nvSpPr>
-        <p:spPr>
+            <a:endParaRPr lang="en-US"/>
+          </a:p>
+        </p:txBody>
+      </p:sp>
+      <p:sp>
+        <p:nvSpPr>
+          <p:cNvPr id="12" name="Footer Placeholder 4" hidden="0"/>
+          <p:cNvSpPr>
+            <a:spLocks noGrp="1"/>
+          </p:cNvSpPr>
+          <p:nvPr isPhoto="0" userDrawn="0">
+            <p:ph type="ftr" sz="quarter" idx="11" hasCustomPrompt="0"/>
+          </p:nvPr>
+        </p:nvSpPr>
+        <p:spPr bwMode="auto">
           <a:xfrm>
             <a:off x="2692397" y="5037663"/>
             <a:ext cx="5214635" cy="279400"/>
@@ -475,21 +456,24 @@
           <a:bodyPr/>
           <a:lstStyle/>
           <a:p>
-            <a:endParaRPr lang="en-US" dirty="0"/>
-          </a:p>
-        </p:txBody>
-      </p:sp>
-      <p:sp>
-        <p:nvSpPr>
-          <p:cNvPr id="6" name="Slide Number Placeholder 5"/>
-          <p:cNvSpPr>
-            <a:spLocks noGrp="1"/>
-          </p:cNvSpPr>
-          <p:nvPr>
-            <p:ph type="sldNum" sz="quarter" idx="12"/>
-          </p:nvPr>
-        </p:nvSpPr>
-        <p:spPr>
+            <a:pPr>
+              <a:defRPr/>
+            </a:pPr>
+            <a:endParaRPr lang="en-US"/>
+          </a:p>
+        </p:txBody>
+      </p:sp>
+      <p:sp>
+        <p:nvSpPr>
+          <p:cNvPr id="13" name="Slide Number Placeholder 5" hidden="0"/>
+          <p:cNvSpPr>
+            <a:spLocks noGrp="1"/>
+          </p:cNvSpPr>
+          <p:nvPr isPhoto="0" userDrawn="0">
+            <p:ph type="sldNum" sz="quarter" idx="12" hasCustomPrompt="0"/>
+          </p:nvPr>
+        </p:nvSpPr>
+        <p:spPr bwMode="auto">
           <a:xfrm>
             <a:off x="8956900" y="5037663"/>
             <a:ext cx="551167" cy="279400"/>
@@ -499,23 +483,28 @@
           <a:bodyPr/>
           <a:lstStyle/>
           <a:p>
+            <a:pPr>
+              <a:defRPr/>
+            </a:pPr>
             <a:fld id="{6D22F896-40B5-4ADD-8801-0D06FADFA095}" type="slidenum">
-              <a:rPr lang="en-US" smtClean="0"/>
-              <a:t>‹Nº›</a:t>
+              <a:rPr lang="en-US"/>
+              <a:t/>
             </a:fld>
-            <a:endParaRPr lang="en-US" dirty="0"/>
+            <a:endParaRPr lang="en-US"/>
           </a:p>
         </p:txBody>
       </p:sp>
       <p:cxnSp>
         <p:nvCxnSpPr>
-          <p:cNvPr id="15" name="Straight Connector 14"/>
-          <p:cNvCxnSpPr/>
-          <p:nvPr/>
+          <p:cNvPr id="14" name="Straight Connector 14" hidden="0"/>
+          <p:cNvCxnSpPr>
+            <a:cxnSpLocks/>
+          </p:cNvCxnSpPr>
+          <p:nvPr isPhoto="0" userDrawn="0"/>
         </p:nvCxnSpPr>
-        <p:spPr>
-          <a:xfrm>
-            <a:off x="2692399" y="3522131"/>
+        <p:spPr bwMode="auto">
+          <a:xfrm>
+            <a:off x="2692399" y="3522130"/>
             <a:ext cx="6815668" cy="0"/>
           </a:xfrm>
           <a:prstGeom prst="line">
@@ -538,11 +527,6 @@
         </p:style>
       </p:cxnSp>
     </p:spTree>
-    <p:extLst>
-      <p:ext uri="{BB962C8B-B14F-4D97-AF65-F5344CB8AC3E}">
-        <p14:creationId xmlns:p14="http://schemas.microsoft.com/office/powerpoint/2010/main" val="2662389975"/>
-      </p:ext>
-    </p:extLst>
   </p:cSld>
   <p:clrMapOvr>
     <a:masterClrMapping/>
@@ -551,15 +535,15 @@
 </file>
 
 <file path=ppt/slideLayouts/slideLayout10.xml><?xml version="1.0" encoding="utf-8"?>
-<p:sldLayout xmlns:a="http://schemas.openxmlformats.org/drawingml/2006/main" xmlns:r="http://schemas.openxmlformats.org/officeDocument/2006/relationships" xmlns:p="http://schemas.openxmlformats.org/presentationml/2006/main" preserve="1">
+<p:sldLayout xmlns:a="http://schemas.openxmlformats.org/drawingml/2006/main" xmlns:r="http://schemas.openxmlformats.org/officeDocument/2006/relationships" xmlns:p="http://schemas.openxmlformats.org/presentationml/2006/main" xmlns:m="http://schemas.openxmlformats.org/officeDocument/2006/math" xmlns:w="http://schemas.openxmlformats.org/wordprocessingml/2006/main" matchingName="" preserve="1" showMasterPhAnim="0" userDrawn="1">
   <p:cSld name="Imagen panorámica con descripción">
     <p:spTree>
       <p:nvGrpSpPr>
-        <p:cNvPr id="1" name=""/>
+        <p:cNvPr id="1" name="" hidden="0"/>
         <p:cNvGrpSpPr/>
-        <p:nvPr/>
+        <p:nvPr isPhoto="0" userDrawn="0"/>
       </p:nvGrpSpPr>
-      <p:grpSpPr>
+      <p:grpSpPr bwMode="auto">
         <a:xfrm>
           <a:off x="0" y="0"/>
           <a:ext cx="0" cy="0"/>
@@ -569,15 +553,15 @@
       </p:grpSpPr>
       <p:sp>
         <p:nvSpPr>
-          <p:cNvPr id="2" name="Title 1"/>
-          <p:cNvSpPr>
-            <a:spLocks noGrp="1"/>
-          </p:cNvSpPr>
-          <p:nvPr>
-            <p:ph type="title"/>
-          </p:nvPr>
-        </p:nvSpPr>
-        <p:spPr>
+          <p:cNvPr id="4" name="Title 1" hidden="0"/>
+          <p:cNvSpPr>
+            <a:spLocks noGrp="1"/>
+          </p:cNvSpPr>
+          <p:nvPr isPhoto="0" userDrawn="0">
+            <p:ph type="title" hasCustomPrompt="0"/>
+          </p:nvPr>
+        </p:nvSpPr>
+        <p:spPr bwMode="auto">
           <a:xfrm>
             <a:off x="1295401" y="4815415"/>
             <a:ext cx="9609666" cy="566738"/>
@@ -593,25 +577,28 @@
             </a:lvl1pPr>
           </a:lstStyle>
           <a:p>
-            <a:r>
-              <a:rPr lang="es-ES" smtClean="0"/>
+            <a:pPr>
+              <a:defRPr/>
+            </a:pPr>
+            <a:r>
+              <a:rPr lang="es-ES"/>
               <a:t>Haga clic para modificar el estilo de título del patrón</a:t>
             </a:r>
-            <a:endParaRPr lang="en-US" dirty="0"/>
-          </a:p>
-        </p:txBody>
-      </p:sp>
-      <p:sp>
-        <p:nvSpPr>
-          <p:cNvPr id="3" name="Picture Placeholder 2"/>
-          <p:cNvSpPr>
-            <a:spLocks noGrp="1" noChangeAspect="1"/>
-          </p:cNvSpPr>
-          <p:nvPr>
-            <p:ph type="pic" idx="1"/>
-          </p:nvPr>
-        </p:nvSpPr>
-        <p:spPr>
+            <a:endParaRPr lang="en-US"/>
+          </a:p>
+        </p:txBody>
+      </p:sp>
+      <p:sp>
+        <p:nvSpPr>
+          <p:cNvPr id="5" name="Picture Placeholder 2" hidden="0"/>
+          <p:cNvSpPr>
+            <a:spLocks noChangeAspect="1" noGrp="1"/>
+          </p:cNvSpPr>
+          <p:nvPr isPhoto="0" userDrawn="0">
+            <p:ph type="pic" idx="1" hasCustomPrompt="0"/>
+          </p:nvPr>
+        </p:nvSpPr>
+        <p:spPr bwMode="auto">
           <a:xfrm>
             <a:off x="1041427" y="1041399"/>
             <a:ext cx="10105972" cy="3335869"/>
@@ -681,25 +668,28 @@
             </a:lvl9pPr>
           </a:lstStyle>
           <a:p>
-            <a:r>
-              <a:rPr lang="es-ES" smtClean="0"/>
+            <a:pPr>
+              <a:defRPr/>
+            </a:pPr>
+            <a:r>
+              <a:rPr lang="es-ES"/>
               <a:t>Haga clic en el icono para agregar una imagen</a:t>
             </a:r>
-            <a:endParaRPr lang="en-US" dirty="0"/>
-          </a:p>
-        </p:txBody>
-      </p:sp>
-      <p:sp>
-        <p:nvSpPr>
-          <p:cNvPr id="4" name="Text Placeholder 3"/>
-          <p:cNvSpPr>
-            <a:spLocks noGrp="1"/>
-          </p:cNvSpPr>
-          <p:nvPr>
-            <p:ph type="body" sz="half" idx="2"/>
-          </p:nvPr>
-        </p:nvSpPr>
-        <p:spPr>
+            <a:endParaRPr lang="en-US"/>
+          </a:p>
+        </p:txBody>
+      </p:sp>
+      <p:sp>
+        <p:nvSpPr>
+          <p:cNvPr id="6" name="Text Placeholder 3" hidden="0"/>
+          <p:cNvSpPr>
+            <a:spLocks noGrp="1"/>
+          </p:cNvSpPr>
+          <p:nvPr isPhoto="0" userDrawn="0">
+            <p:ph type="body" sz="half" idx="2" hasCustomPrompt="0"/>
+          </p:nvPr>
+        </p:nvSpPr>
+        <p:spPr bwMode="auto">
           <a:xfrm>
             <a:off x="1295401" y="5382153"/>
             <a:ext cx="9609666" cy="493712"/>
@@ -748,85 +738,92 @@
             </a:lvl9pPr>
           </a:lstStyle>
           <a:p>
-            <a:pPr lvl="0"/>
-            <a:r>
-              <a:rPr lang="es-ES" smtClean="0"/>
+            <a:pPr lvl="0">
+              <a:defRPr/>
+            </a:pPr>
+            <a:r>
+              <a:rPr lang="es-ES"/>
               <a:t>Editar el estilo de texto del patrón</a:t>
             </a:r>
-          </a:p>
-        </p:txBody>
-      </p:sp>
-      <p:sp>
-        <p:nvSpPr>
-          <p:cNvPr id="5" name="Date Placeholder 4"/>
-          <p:cNvSpPr>
-            <a:spLocks noGrp="1"/>
-          </p:cNvSpPr>
-          <p:nvPr>
-            <p:ph type="dt" sz="half" idx="10"/>
-          </p:nvPr>
-        </p:nvSpPr>
-        <p:spPr/>
+            <a:endParaRPr/>
+          </a:p>
+        </p:txBody>
+      </p:sp>
+      <p:sp>
+        <p:nvSpPr>
+          <p:cNvPr id="7" name="Date Placeholder 4" hidden="0"/>
+          <p:cNvSpPr>
+            <a:spLocks noGrp="1"/>
+          </p:cNvSpPr>
+          <p:nvPr isPhoto="0" userDrawn="0">
+            <p:ph type="dt" sz="half" idx="10" hasCustomPrompt="0"/>
+          </p:nvPr>
+        </p:nvSpPr>
+        <p:spPr bwMode="auto"/>
         <p:txBody>
           <a:bodyPr/>
           <a:lstStyle/>
           <a:p>
+            <a:pPr>
+              <a:defRPr/>
+            </a:pPr>
             <a:fld id="{48A87A34-81AB-432B-8DAE-1953F412C126}" type="datetimeFigureOut">
-              <a:rPr lang="en-US" smtClean="0"/>
-              <a:t>2/28/2020</a:t>
+              <a:rPr lang="en-US"/>
+              <a:t/>
             </a:fld>
-            <a:endParaRPr lang="en-US" dirty="0"/>
-          </a:p>
-        </p:txBody>
-      </p:sp>
-      <p:sp>
-        <p:nvSpPr>
-          <p:cNvPr id="6" name="Footer Placeholder 5"/>
-          <p:cNvSpPr>
-            <a:spLocks noGrp="1"/>
-          </p:cNvSpPr>
-          <p:nvPr>
-            <p:ph type="ftr" sz="quarter" idx="11"/>
-          </p:nvPr>
-        </p:nvSpPr>
-        <p:spPr/>
+            <a:endParaRPr lang="en-US"/>
+          </a:p>
+        </p:txBody>
+      </p:sp>
+      <p:sp>
+        <p:nvSpPr>
+          <p:cNvPr id="8" name="Footer Placeholder 5" hidden="0"/>
+          <p:cNvSpPr>
+            <a:spLocks noGrp="1"/>
+          </p:cNvSpPr>
+          <p:nvPr isPhoto="0" userDrawn="0">
+            <p:ph type="ftr" sz="quarter" idx="11" hasCustomPrompt="0"/>
+          </p:nvPr>
+        </p:nvSpPr>
+        <p:spPr bwMode="auto"/>
         <p:txBody>
           <a:bodyPr/>
           <a:lstStyle/>
           <a:p>
-            <a:endParaRPr lang="en-US" dirty="0"/>
-          </a:p>
-        </p:txBody>
-      </p:sp>
-      <p:sp>
-        <p:nvSpPr>
-          <p:cNvPr id="7" name="Slide Number Placeholder 6"/>
-          <p:cNvSpPr>
-            <a:spLocks noGrp="1"/>
-          </p:cNvSpPr>
-          <p:nvPr>
-            <p:ph type="sldNum" sz="quarter" idx="12"/>
-          </p:nvPr>
-        </p:nvSpPr>
-        <p:spPr/>
+            <a:pPr>
+              <a:defRPr/>
+            </a:pPr>
+            <a:endParaRPr lang="en-US"/>
+          </a:p>
+        </p:txBody>
+      </p:sp>
+      <p:sp>
+        <p:nvSpPr>
+          <p:cNvPr id="9" name="Slide Number Placeholder 6" hidden="0"/>
+          <p:cNvSpPr>
+            <a:spLocks noGrp="1"/>
+          </p:cNvSpPr>
+          <p:nvPr isPhoto="0" userDrawn="0">
+            <p:ph type="sldNum" sz="quarter" idx="12" hasCustomPrompt="0"/>
+          </p:nvPr>
+        </p:nvSpPr>
+        <p:spPr bwMode="auto"/>
         <p:txBody>
           <a:bodyPr/>
           <a:lstStyle/>
           <a:p>
+            <a:pPr>
+              <a:defRPr/>
+            </a:pPr>
             <a:fld id="{6D22F896-40B5-4ADD-8801-0D06FADFA095}" type="slidenum">
-              <a:rPr lang="en-US" smtClean="0"/>
-              <a:t>‹Nº›</a:t>
+              <a:rPr lang="en-US"/>
+              <a:t/>
             </a:fld>
-            <a:endParaRPr lang="en-US" dirty="0"/>
+            <a:endParaRPr lang="en-US"/>
           </a:p>
         </p:txBody>
       </p:sp>
     </p:spTree>
-    <p:extLst>
-      <p:ext uri="{BB962C8B-B14F-4D97-AF65-F5344CB8AC3E}">
-        <p14:creationId xmlns:p14="http://schemas.microsoft.com/office/powerpoint/2010/main" val="1217226543"/>
-      </p:ext>
-    </p:extLst>
   </p:cSld>
   <p:clrMapOvr>
     <a:masterClrMapping/>
@@ -835,15 +832,15 @@
 </file>
 
 <file path=ppt/slideLayouts/slideLayout11.xml><?xml version="1.0" encoding="utf-8"?>
-<p:sldLayout xmlns:a="http://schemas.openxmlformats.org/drawingml/2006/main" xmlns:r="http://schemas.openxmlformats.org/officeDocument/2006/relationships" xmlns:p="http://schemas.openxmlformats.org/presentationml/2006/main" preserve="1">
+<p:sldLayout xmlns:a="http://schemas.openxmlformats.org/drawingml/2006/main" xmlns:r="http://schemas.openxmlformats.org/officeDocument/2006/relationships" xmlns:p="http://schemas.openxmlformats.org/presentationml/2006/main" xmlns:m="http://schemas.openxmlformats.org/officeDocument/2006/math" xmlns:w="http://schemas.openxmlformats.org/wordprocessingml/2006/main" matchingName="" preserve="1" showMasterPhAnim="0" userDrawn="1">
   <p:cSld name="Título y descripción">
     <p:spTree>
       <p:nvGrpSpPr>
-        <p:cNvPr id="1" name=""/>
+        <p:cNvPr id="1" name="" hidden="0"/>
         <p:cNvGrpSpPr/>
-        <p:nvPr/>
+        <p:nvPr isPhoto="0" userDrawn="0"/>
       </p:nvGrpSpPr>
-      <p:grpSpPr>
+      <p:grpSpPr bwMode="auto">
         <a:xfrm>
           <a:off x="0" y="0"/>
           <a:ext cx="0" cy="0"/>
@@ -853,15 +850,15 @@
       </p:grpSpPr>
       <p:sp>
         <p:nvSpPr>
-          <p:cNvPr id="2" name="Title 1"/>
-          <p:cNvSpPr>
-            <a:spLocks noGrp="1"/>
-          </p:cNvSpPr>
-          <p:nvPr>
-            <p:ph type="title"/>
-          </p:nvPr>
-        </p:nvSpPr>
-        <p:spPr>
+          <p:cNvPr id="4" name="Title 1" hidden="0"/>
+          <p:cNvSpPr>
+            <a:spLocks noGrp="1"/>
+          </p:cNvSpPr>
+          <p:nvPr isPhoto="0" userDrawn="0">
+            <p:ph type="title" hasCustomPrompt="0"/>
+          </p:nvPr>
+        </p:nvSpPr>
+        <p:spPr bwMode="auto">
           <a:xfrm>
             <a:off x="1303868" y="982132"/>
             <a:ext cx="9592732" cy="2954868"/>
@@ -877,25 +874,28 @@
             </a:lvl1pPr>
           </a:lstStyle>
           <a:p>
-            <a:r>
-              <a:rPr lang="es-ES" smtClean="0"/>
+            <a:pPr>
+              <a:defRPr/>
+            </a:pPr>
+            <a:r>
+              <a:rPr lang="es-ES"/>
               <a:t>Haga clic para modificar el estilo de título del patrón</a:t>
             </a:r>
-            <a:endParaRPr lang="en-US" dirty="0"/>
-          </a:p>
-        </p:txBody>
-      </p:sp>
-      <p:sp>
-        <p:nvSpPr>
-          <p:cNvPr id="3" name="Text Placeholder 2"/>
-          <p:cNvSpPr>
-            <a:spLocks noGrp="1"/>
-          </p:cNvSpPr>
-          <p:nvPr>
-            <p:ph type="body" idx="1"/>
-          </p:nvPr>
-        </p:nvSpPr>
-        <p:spPr>
+            <a:endParaRPr lang="en-US"/>
+          </a:p>
+        </p:txBody>
+      </p:sp>
+      <p:sp>
+        <p:nvSpPr>
+          <p:cNvPr id="5" name="Text Placeholder 2" hidden="0"/>
+          <p:cNvSpPr>
+            <a:spLocks noGrp="1"/>
+          </p:cNvSpPr>
+          <p:nvPr isPhoto="0" userDrawn="0">
+            <p:ph type="body" idx="1" hasCustomPrompt="0"/>
+          </p:nvPr>
+        </p:nvSpPr>
+        <p:spPr bwMode="auto">
           <a:xfrm>
             <a:off x="1303868" y="4343399"/>
             <a:ext cx="9592732" cy="1532467"/>
@@ -996,86 +996,100 @@
             </a:lvl9pPr>
           </a:lstStyle>
           <a:p>
-            <a:pPr lvl="0"/>
-            <a:r>
-              <a:rPr lang="es-ES" smtClean="0"/>
+            <a:pPr lvl="0">
+              <a:defRPr/>
+            </a:pPr>
+            <a:r>
+              <a:rPr lang="es-ES"/>
               <a:t>Editar el estilo de texto del patrón</a:t>
             </a:r>
-          </a:p>
-        </p:txBody>
-      </p:sp>
-      <p:sp>
-        <p:nvSpPr>
-          <p:cNvPr id="4" name="Date Placeholder 3"/>
-          <p:cNvSpPr>
-            <a:spLocks noGrp="1"/>
-          </p:cNvSpPr>
-          <p:nvPr>
-            <p:ph type="dt" sz="half" idx="10"/>
-          </p:nvPr>
-        </p:nvSpPr>
-        <p:spPr/>
+            <a:endParaRPr/>
+          </a:p>
+        </p:txBody>
+      </p:sp>
+      <p:sp>
+        <p:nvSpPr>
+          <p:cNvPr id="6" name="Date Placeholder 3" hidden="0"/>
+          <p:cNvSpPr>
+            <a:spLocks noGrp="1"/>
+          </p:cNvSpPr>
+          <p:nvPr isPhoto="0" userDrawn="0">
+            <p:ph type="dt" sz="half" idx="10" hasCustomPrompt="0"/>
+          </p:nvPr>
+        </p:nvSpPr>
+        <p:spPr bwMode="auto"/>
         <p:txBody>
           <a:bodyPr/>
           <a:lstStyle/>
           <a:p>
+            <a:pPr>
+              <a:defRPr/>
+            </a:pPr>
             <a:fld id="{48A87A34-81AB-432B-8DAE-1953F412C126}" type="datetimeFigureOut">
-              <a:rPr lang="en-US" smtClean="0"/>
-              <a:t>2/28/2020</a:t>
+              <a:rPr lang="en-US"/>
+              <a:t/>
             </a:fld>
-            <a:endParaRPr lang="en-US" dirty="0"/>
-          </a:p>
-        </p:txBody>
-      </p:sp>
-      <p:sp>
-        <p:nvSpPr>
-          <p:cNvPr id="5" name="Footer Placeholder 4"/>
-          <p:cNvSpPr>
-            <a:spLocks noGrp="1"/>
-          </p:cNvSpPr>
-          <p:nvPr>
-            <p:ph type="ftr" sz="quarter" idx="11"/>
-          </p:nvPr>
-        </p:nvSpPr>
-        <p:spPr/>
+            <a:endParaRPr lang="en-US"/>
+          </a:p>
+        </p:txBody>
+      </p:sp>
+      <p:sp>
+        <p:nvSpPr>
+          <p:cNvPr id="7" name="Footer Placeholder 4" hidden="0"/>
+          <p:cNvSpPr>
+            <a:spLocks noGrp="1"/>
+          </p:cNvSpPr>
+          <p:nvPr isPhoto="0" userDrawn="0">
+            <p:ph type="ftr" sz="quarter" idx="11" hasCustomPrompt="0"/>
+          </p:nvPr>
+        </p:nvSpPr>
+        <p:spPr bwMode="auto"/>
         <p:txBody>
           <a:bodyPr/>
           <a:lstStyle/>
           <a:p>
-            <a:endParaRPr lang="en-US" dirty="0"/>
-          </a:p>
-        </p:txBody>
-      </p:sp>
-      <p:sp>
-        <p:nvSpPr>
-          <p:cNvPr id="6" name="Slide Number Placeholder 5"/>
-          <p:cNvSpPr>
-            <a:spLocks noGrp="1"/>
-          </p:cNvSpPr>
-          <p:nvPr>
-            <p:ph type="sldNum" sz="quarter" idx="12"/>
-          </p:nvPr>
-        </p:nvSpPr>
-        <p:spPr/>
+            <a:pPr>
+              <a:defRPr/>
+            </a:pPr>
+            <a:endParaRPr lang="en-US"/>
+          </a:p>
+        </p:txBody>
+      </p:sp>
+      <p:sp>
+        <p:nvSpPr>
+          <p:cNvPr id="8" name="Slide Number Placeholder 5" hidden="0"/>
+          <p:cNvSpPr>
+            <a:spLocks noGrp="1"/>
+          </p:cNvSpPr>
+          <p:nvPr isPhoto="0" userDrawn="0">
+            <p:ph type="sldNum" sz="quarter" idx="12" hasCustomPrompt="0"/>
+          </p:nvPr>
+        </p:nvSpPr>
+        <p:spPr bwMode="auto"/>
         <p:txBody>
           <a:bodyPr/>
           <a:lstStyle/>
           <a:p>
+            <a:pPr>
+              <a:defRPr/>
+            </a:pPr>
             <a:fld id="{6D22F896-40B5-4ADD-8801-0D06FADFA095}" type="slidenum">
-              <a:rPr lang="en-US" smtClean="0"/>
-              <a:t>‹Nº›</a:t>
+              <a:rPr lang="en-US"/>
+              <a:t/>
             </a:fld>
-            <a:endParaRPr lang="en-US" dirty="0"/>
+            <a:endParaRPr lang="en-US"/>
           </a:p>
         </p:txBody>
       </p:sp>
       <p:cxnSp>
         <p:nvCxnSpPr>
-          <p:cNvPr id="15" name="Straight Connector 14"/>
-          <p:cNvCxnSpPr/>
-          <p:nvPr/>
+          <p:cNvPr id="9" name="Straight Connector 14" hidden="0"/>
+          <p:cNvCxnSpPr>
+            <a:cxnSpLocks/>
+          </p:cNvCxnSpPr>
+          <p:nvPr isPhoto="0" userDrawn="0"/>
         </p:nvCxnSpPr>
-        <p:spPr>
+        <p:spPr bwMode="auto">
           <a:xfrm>
             <a:off x="1396169" y="4140199"/>
             <a:ext cx="9407298" cy="0"/>
@@ -1101,11 +1115,6 @@
         </p:style>
       </p:cxnSp>
     </p:spTree>
-    <p:extLst>
-      <p:ext uri="{BB962C8B-B14F-4D97-AF65-F5344CB8AC3E}">
-        <p14:creationId xmlns:p14="http://schemas.microsoft.com/office/powerpoint/2010/main" val="1660611118"/>
-      </p:ext>
-    </p:extLst>
   </p:cSld>
   <p:clrMapOvr>
     <a:masterClrMapping/>
@@ -1114,15 +1123,15 @@
 </file>
 
 <file path=ppt/slideLayouts/slideLayout12.xml><?xml version="1.0" encoding="utf-8"?>
-<p:sldLayout xmlns:a="http://schemas.openxmlformats.org/drawingml/2006/main" xmlns:r="http://schemas.openxmlformats.org/officeDocument/2006/relationships" xmlns:p="http://schemas.openxmlformats.org/presentationml/2006/main" preserve="1">
+<p:sldLayout xmlns:a="http://schemas.openxmlformats.org/drawingml/2006/main" xmlns:r="http://schemas.openxmlformats.org/officeDocument/2006/relationships" xmlns:p="http://schemas.openxmlformats.org/presentationml/2006/main" xmlns:m="http://schemas.openxmlformats.org/officeDocument/2006/math" xmlns:w="http://schemas.openxmlformats.org/wordprocessingml/2006/main" matchingName="" preserve="1" showMasterPhAnim="0" userDrawn="1">
   <p:cSld name="Cita con descripción">
     <p:spTree>
       <p:nvGrpSpPr>
-        <p:cNvPr id="1" name=""/>
+        <p:cNvPr id="1" name="" hidden="0"/>
         <p:cNvGrpSpPr/>
-        <p:nvPr/>
+        <p:nvPr isPhoto="0" userDrawn="0"/>
       </p:nvGrpSpPr>
-      <p:grpSpPr>
+      <p:grpSpPr bwMode="auto">
         <a:xfrm>
           <a:off x="0" y="0"/>
           <a:ext cx="0" cy="0"/>
@@ -1132,15 +1141,15 @@
       </p:grpSpPr>
       <p:sp>
         <p:nvSpPr>
-          <p:cNvPr id="2" name="Title 1"/>
-          <p:cNvSpPr>
-            <a:spLocks noGrp="1"/>
-          </p:cNvSpPr>
-          <p:nvPr>
-            <p:ph type="title"/>
-          </p:nvPr>
-        </p:nvSpPr>
-        <p:spPr>
+          <p:cNvPr id="4" name="Title 1" hidden="0"/>
+          <p:cNvSpPr>
+            <a:spLocks noGrp="1"/>
+          </p:cNvSpPr>
+          <p:nvPr isPhoto="0" userDrawn="0">
+            <p:ph type="title" hasCustomPrompt="0"/>
+          </p:nvPr>
+        </p:nvSpPr>
+        <p:spPr bwMode="auto">
           <a:xfrm>
             <a:off x="1446213" y="982132"/>
             <a:ext cx="9296398" cy="2370668"/>
@@ -1160,25 +1169,28 @@
             </a:lvl1pPr>
           </a:lstStyle>
           <a:p>
-            <a:r>
-              <a:rPr lang="es-ES" smtClean="0"/>
+            <a:pPr>
+              <a:defRPr/>
+            </a:pPr>
+            <a:r>
+              <a:rPr lang="es-ES"/>
               <a:t>Haga clic para modificar el estilo de título del patrón</a:t>
             </a:r>
-            <a:endParaRPr lang="en-US" dirty="0"/>
-          </a:p>
-        </p:txBody>
-      </p:sp>
-      <p:sp>
-        <p:nvSpPr>
-          <p:cNvPr id="10" name="Text Placeholder 9"/>
-          <p:cNvSpPr>
-            <a:spLocks noGrp="1"/>
-          </p:cNvSpPr>
-          <p:nvPr>
-            <p:ph type="body" sz="quarter" idx="13"/>
-          </p:nvPr>
-        </p:nvSpPr>
-        <p:spPr>
+            <a:endParaRPr lang="en-US"/>
+          </a:p>
+        </p:txBody>
+      </p:sp>
+      <p:sp>
+        <p:nvSpPr>
+          <p:cNvPr id="5" name="Text Placeholder 9" hidden="0"/>
+          <p:cNvSpPr>
+            <a:spLocks noGrp="1"/>
+          </p:cNvSpPr>
+          <p:nvPr isPhoto="0" userDrawn="0">
+            <p:ph type="body" sz="quarter" idx="13" hasCustomPrompt="0"/>
+          </p:nvPr>
+        </p:nvSpPr>
+        <p:spPr bwMode="auto">
           <a:xfrm>
             <a:off x="1674812" y="3352800"/>
             <a:ext cx="8839202" cy="584200"/>
@@ -1216,25 +1228,28 @@
             </a:lvl5pPr>
           </a:lstStyle>
           <a:p>
-            <a:pPr lvl="0"/>
-            <a:r>
-              <a:rPr lang="es-ES" smtClean="0"/>
+            <a:pPr lvl="0">
+              <a:defRPr/>
+            </a:pPr>
+            <a:r>
+              <a:rPr lang="es-ES"/>
               <a:t>Editar el estilo de texto del patrón</a:t>
             </a:r>
-          </a:p>
-        </p:txBody>
-      </p:sp>
-      <p:sp>
-        <p:nvSpPr>
-          <p:cNvPr id="3" name="Text Placeholder 2"/>
-          <p:cNvSpPr>
-            <a:spLocks noGrp="1"/>
-          </p:cNvSpPr>
-          <p:nvPr>
-            <p:ph type="body" idx="1"/>
-          </p:nvPr>
-        </p:nvSpPr>
-        <p:spPr>
+            <a:endParaRPr/>
+          </a:p>
+        </p:txBody>
+      </p:sp>
+      <p:sp>
+        <p:nvSpPr>
+          <p:cNvPr id="6" name="Text Placeholder 2" hidden="0"/>
+          <p:cNvSpPr>
+            <a:spLocks noGrp="1"/>
+          </p:cNvSpPr>
+          <p:nvPr isPhoto="0" userDrawn="0">
+            <p:ph type="body" idx="1" hasCustomPrompt="0"/>
+          </p:nvPr>
+        </p:nvSpPr>
+        <p:spPr bwMode="auto">
           <a:xfrm>
             <a:off x="1295401" y="4343399"/>
             <a:ext cx="9609666" cy="1532467"/>
@@ -1335,89 +1350,103 @@
             </a:lvl9pPr>
           </a:lstStyle>
           <a:p>
-            <a:pPr lvl="0"/>
-            <a:r>
-              <a:rPr lang="es-ES" smtClean="0"/>
+            <a:pPr lvl="0">
+              <a:defRPr/>
+            </a:pPr>
+            <a:r>
+              <a:rPr lang="es-ES"/>
               <a:t>Editar el estilo de texto del patrón</a:t>
             </a:r>
-          </a:p>
-        </p:txBody>
-      </p:sp>
-      <p:sp>
-        <p:nvSpPr>
-          <p:cNvPr id="4" name="Date Placeholder 3"/>
-          <p:cNvSpPr>
-            <a:spLocks noGrp="1"/>
-          </p:cNvSpPr>
-          <p:nvPr>
-            <p:ph type="dt" sz="half" idx="10"/>
-          </p:nvPr>
-        </p:nvSpPr>
-        <p:spPr/>
+            <a:endParaRPr/>
+          </a:p>
+        </p:txBody>
+      </p:sp>
+      <p:sp>
+        <p:nvSpPr>
+          <p:cNvPr id="7" name="Date Placeholder 3" hidden="0"/>
+          <p:cNvSpPr>
+            <a:spLocks noGrp="1"/>
+          </p:cNvSpPr>
+          <p:nvPr isPhoto="0" userDrawn="0">
+            <p:ph type="dt" sz="half" idx="10" hasCustomPrompt="0"/>
+          </p:nvPr>
+        </p:nvSpPr>
+        <p:spPr bwMode="auto"/>
         <p:txBody>
           <a:bodyPr/>
           <a:lstStyle/>
           <a:p>
+            <a:pPr>
+              <a:defRPr/>
+            </a:pPr>
             <a:fld id="{48A87A34-81AB-432B-8DAE-1953F412C126}" type="datetimeFigureOut">
-              <a:rPr lang="en-US" smtClean="0"/>
-              <a:t>2/28/2020</a:t>
+              <a:rPr lang="en-US"/>
+              <a:t/>
             </a:fld>
-            <a:endParaRPr lang="en-US" dirty="0"/>
-          </a:p>
-        </p:txBody>
-      </p:sp>
-      <p:sp>
-        <p:nvSpPr>
-          <p:cNvPr id="5" name="Footer Placeholder 4"/>
-          <p:cNvSpPr>
-            <a:spLocks noGrp="1"/>
-          </p:cNvSpPr>
-          <p:nvPr>
-            <p:ph type="ftr" sz="quarter" idx="11"/>
-          </p:nvPr>
-        </p:nvSpPr>
-        <p:spPr/>
+            <a:endParaRPr lang="en-US"/>
+          </a:p>
+        </p:txBody>
+      </p:sp>
+      <p:sp>
+        <p:nvSpPr>
+          <p:cNvPr id="8" name="Footer Placeholder 4" hidden="0"/>
+          <p:cNvSpPr>
+            <a:spLocks noGrp="1"/>
+          </p:cNvSpPr>
+          <p:nvPr isPhoto="0" userDrawn="0">
+            <p:ph type="ftr" sz="quarter" idx="11" hasCustomPrompt="0"/>
+          </p:nvPr>
+        </p:nvSpPr>
+        <p:spPr bwMode="auto"/>
         <p:txBody>
           <a:bodyPr/>
           <a:lstStyle/>
           <a:p>
-            <a:endParaRPr lang="en-US" dirty="0"/>
-          </a:p>
-        </p:txBody>
-      </p:sp>
-      <p:sp>
-        <p:nvSpPr>
-          <p:cNvPr id="6" name="Slide Number Placeholder 5"/>
-          <p:cNvSpPr>
-            <a:spLocks noGrp="1"/>
-          </p:cNvSpPr>
-          <p:nvPr>
-            <p:ph type="sldNum" sz="quarter" idx="12"/>
-          </p:nvPr>
-        </p:nvSpPr>
-        <p:spPr/>
+            <a:pPr>
+              <a:defRPr/>
+            </a:pPr>
+            <a:endParaRPr lang="en-US"/>
+          </a:p>
+        </p:txBody>
+      </p:sp>
+      <p:sp>
+        <p:nvSpPr>
+          <p:cNvPr id="9" name="Slide Number Placeholder 5" hidden="0"/>
+          <p:cNvSpPr>
+            <a:spLocks noGrp="1"/>
+          </p:cNvSpPr>
+          <p:nvPr isPhoto="0" userDrawn="0">
+            <p:ph type="sldNum" sz="quarter" idx="12" hasCustomPrompt="0"/>
+          </p:nvPr>
+        </p:nvSpPr>
+        <p:spPr bwMode="auto"/>
         <p:txBody>
           <a:bodyPr/>
           <a:lstStyle/>
           <a:p>
+            <a:pPr>
+              <a:defRPr/>
+            </a:pPr>
             <a:fld id="{6D22F896-40B5-4ADD-8801-0D06FADFA095}" type="slidenum">
-              <a:rPr lang="en-US" smtClean="0"/>
-              <a:t>‹Nº›</a:t>
+              <a:rPr lang="en-US"/>
+              <a:t/>
             </a:fld>
-            <a:endParaRPr lang="en-US" dirty="0"/>
-          </a:p>
-        </p:txBody>
-      </p:sp>
-      <p:sp>
-        <p:nvSpPr>
-          <p:cNvPr id="14" name="TextBox 13"/>
-          <p:cNvSpPr txBox="1"/>
-          <p:nvPr/>
-        </p:nvSpPr>
-        <p:spPr>
+            <a:endParaRPr lang="en-US"/>
+          </a:p>
+        </p:txBody>
+      </p:sp>
+      <p:sp>
+        <p:nvSpPr>
+          <p:cNvPr id="10" name="TextBox 13" hidden="0"/>
+          <p:cNvSpPr>
+            <a:spLocks noAdjustHandles="0" noChangeArrowheads="0"/>
+          </p:cNvSpPr>
+          <p:nvPr isPhoto="0" userDrawn="0"/>
+        </p:nvSpPr>
+        <p:spPr bwMode="auto">
           <a:xfrm>
             <a:off x="862013" y="879961"/>
-            <a:ext cx="609600" cy="584776"/>
+            <a:ext cx="609600" cy="584775"/>
           </a:xfrm>
           <a:prstGeom prst="rect">
             <a:avLst/>
@@ -1429,29 +1458,33 @@
           </a:bodyPr>
           <a:lstStyle/>
           <a:p>
-            <a:pPr lvl="0"/>
-            <a:r>
-              <a:rPr lang="en-US" sz="8000" dirty="0">
+            <a:pPr lvl="0">
+              <a:defRPr/>
+            </a:pPr>
+            <a:r>
+              <a:rPr lang="en-US" sz="8000">
                 <a:solidFill>
                   <a:schemeClr val="tx1"/>
                 </a:solidFill>
-                <a:effectLst/>
               </a:rPr>
               <a:t>“</a:t>
             </a:r>
-          </a:p>
-        </p:txBody>
-      </p:sp>
-      <p:sp>
-        <p:nvSpPr>
-          <p:cNvPr id="15" name="TextBox 14"/>
-          <p:cNvSpPr txBox="1"/>
-          <p:nvPr/>
-        </p:nvSpPr>
-        <p:spPr>
+            <a:endParaRPr/>
+          </a:p>
+        </p:txBody>
+      </p:sp>
+      <p:sp>
+        <p:nvSpPr>
+          <p:cNvPr id="11" name="TextBox 14" hidden="0"/>
+          <p:cNvSpPr>
+            <a:spLocks noAdjustHandles="0" noChangeArrowheads="0"/>
+          </p:cNvSpPr>
+          <p:nvPr isPhoto="0" userDrawn="0"/>
+        </p:nvSpPr>
+        <p:spPr bwMode="auto">
           <a:xfrm>
             <a:off x="10600267" y="2827870"/>
-            <a:ext cx="609600" cy="584776"/>
+            <a:ext cx="609600" cy="584775"/>
           </a:xfrm>
           <a:prstGeom prst="rect">
             <a:avLst/>
@@ -1463,26 +1496,30 @@
           </a:bodyPr>
           <a:lstStyle/>
           <a:p>
-            <a:pPr lvl="0" algn="r"/>
-            <a:r>
-              <a:rPr lang="en-US" sz="8000" dirty="0">
+            <a:pPr lvl="0" algn="r">
+              <a:defRPr/>
+            </a:pPr>
+            <a:r>
+              <a:rPr lang="en-US" sz="8000">
                 <a:solidFill>
                   <a:schemeClr val="tx1"/>
                 </a:solidFill>
-                <a:effectLst/>
               </a:rPr>
               <a:t>”</a:t>
             </a:r>
+            <a:endParaRPr/>
           </a:p>
         </p:txBody>
       </p:sp>
       <p:cxnSp>
         <p:nvCxnSpPr>
-          <p:cNvPr id="19" name="Straight Connector 18"/>
-          <p:cNvCxnSpPr/>
-          <p:nvPr/>
+          <p:cNvPr id="12" name="Straight Connector 18" hidden="0"/>
+          <p:cNvCxnSpPr>
+            <a:cxnSpLocks/>
+          </p:cNvCxnSpPr>
+          <p:nvPr isPhoto="0" userDrawn="0"/>
         </p:nvCxnSpPr>
-        <p:spPr>
+        <p:spPr bwMode="auto">
           <a:xfrm>
             <a:off x="1396169" y="4140199"/>
             <a:ext cx="9407298" cy="0"/>
@@ -1508,11 +1545,6 @@
         </p:style>
       </p:cxnSp>
     </p:spTree>
-    <p:extLst>
-      <p:ext uri="{BB962C8B-B14F-4D97-AF65-F5344CB8AC3E}">
-        <p14:creationId xmlns:p14="http://schemas.microsoft.com/office/powerpoint/2010/main" val="4131377717"/>
-      </p:ext>
-    </p:extLst>
   </p:cSld>
   <p:clrMapOvr>
     <a:masterClrMapping/>
@@ -1521,15 +1553,15 @@
 </file>
 
 <file path=ppt/slideLayouts/slideLayout13.xml><?xml version="1.0" encoding="utf-8"?>
-<p:sldLayout xmlns:a="http://schemas.openxmlformats.org/drawingml/2006/main" xmlns:r="http://schemas.openxmlformats.org/officeDocument/2006/relationships" xmlns:p="http://schemas.openxmlformats.org/presentationml/2006/main" preserve="1">
+<p:sldLayout xmlns:a="http://schemas.openxmlformats.org/drawingml/2006/main" xmlns:r="http://schemas.openxmlformats.org/officeDocument/2006/relationships" xmlns:p="http://schemas.openxmlformats.org/presentationml/2006/main" xmlns:m="http://schemas.openxmlformats.org/officeDocument/2006/math" xmlns:w="http://schemas.openxmlformats.org/wordprocessingml/2006/main" matchingName="" preserve="1" showMasterPhAnim="0" userDrawn="1">
   <p:cSld name="Tarjeta de nombre">
     <p:spTree>
       <p:nvGrpSpPr>
-        <p:cNvPr id="1" name=""/>
+        <p:cNvPr id="1" name="" hidden="0"/>
         <p:cNvGrpSpPr/>
-        <p:nvPr/>
+        <p:nvPr isPhoto="0" userDrawn="0"/>
       </p:nvGrpSpPr>
-      <p:grpSpPr>
+      <p:grpSpPr bwMode="auto">
         <a:xfrm>
           <a:off x="0" y="0"/>
           <a:ext cx="0" cy="0"/>
@@ -1539,18 +1571,18 @@
       </p:grpSpPr>
       <p:sp>
         <p:nvSpPr>
-          <p:cNvPr id="2" name="Title 1"/>
-          <p:cNvSpPr>
-            <a:spLocks noGrp="1"/>
-          </p:cNvSpPr>
-          <p:nvPr>
-            <p:ph type="title"/>
-          </p:nvPr>
-        </p:nvSpPr>
-        <p:spPr>
+          <p:cNvPr id="4" name="Title 1" hidden="0"/>
+          <p:cNvSpPr>
+            <a:spLocks noGrp="1"/>
+          </p:cNvSpPr>
+          <p:nvPr isPhoto="0" userDrawn="0">
+            <p:ph type="title" hasCustomPrompt="0"/>
+          </p:nvPr>
+        </p:nvSpPr>
+        <p:spPr bwMode="auto">
           <a:xfrm>
             <a:off x="1295402" y="3308581"/>
-            <a:ext cx="9609668" cy="1468800"/>
+            <a:ext cx="9609667" cy="1468800"/>
           </a:xfrm>
         </p:spPr>
         <p:txBody>
@@ -1563,28 +1595,31 @@
             </a:lvl1pPr>
           </a:lstStyle>
           <a:p>
-            <a:r>
-              <a:rPr lang="es-ES" smtClean="0"/>
+            <a:pPr>
+              <a:defRPr/>
+            </a:pPr>
+            <a:r>
+              <a:rPr lang="es-ES"/>
               <a:t>Haga clic para modificar el estilo de título del patrón</a:t>
             </a:r>
-            <a:endParaRPr lang="en-US" dirty="0"/>
-          </a:p>
-        </p:txBody>
-      </p:sp>
-      <p:sp>
-        <p:nvSpPr>
-          <p:cNvPr id="3" name="Text Placeholder 2"/>
-          <p:cNvSpPr>
-            <a:spLocks noGrp="1"/>
-          </p:cNvSpPr>
-          <p:nvPr>
-            <p:ph type="body" idx="1"/>
-          </p:nvPr>
-        </p:nvSpPr>
-        <p:spPr>
+            <a:endParaRPr lang="en-US"/>
+          </a:p>
+        </p:txBody>
+      </p:sp>
+      <p:sp>
+        <p:nvSpPr>
+          <p:cNvPr id="5" name="Text Placeholder 2" hidden="0"/>
+          <p:cNvSpPr>
+            <a:spLocks noGrp="1"/>
+          </p:cNvSpPr>
+          <p:nvPr isPhoto="0" userDrawn="0">
+            <p:ph type="body" idx="1" hasCustomPrompt="0"/>
+          </p:nvPr>
+        </p:nvSpPr>
+        <p:spPr bwMode="auto">
           <a:xfrm>
             <a:off x="1295401" y="4777381"/>
-            <a:ext cx="9609668" cy="860400"/>
+            <a:ext cx="9609667" cy="860400"/>
           </a:xfrm>
         </p:spPr>
         <p:txBody>
@@ -1682,85 +1717,92 @@
             </a:lvl9pPr>
           </a:lstStyle>
           <a:p>
-            <a:pPr lvl="0"/>
-            <a:r>
-              <a:rPr lang="es-ES" smtClean="0"/>
+            <a:pPr lvl="0">
+              <a:defRPr/>
+            </a:pPr>
+            <a:r>
+              <a:rPr lang="es-ES"/>
               <a:t>Editar el estilo de texto del patrón</a:t>
             </a:r>
-          </a:p>
-        </p:txBody>
-      </p:sp>
-      <p:sp>
-        <p:nvSpPr>
-          <p:cNvPr id="4" name="Date Placeholder 3"/>
-          <p:cNvSpPr>
-            <a:spLocks noGrp="1"/>
-          </p:cNvSpPr>
-          <p:nvPr>
-            <p:ph type="dt" sz="half" idx="10"/>
-          </p:nvPr>
-        </p:nvSpPr>
-        <p:spPr/>
+            <a:endParaRPr/>
+          </a:p>
+        </p:txBody>
+      </p:sp>
+      <p:sp>
+        <p:nvSpPr>
+          <p:cNvPr id="6" name="Date Placeholder 3" hidden="0"/>
+          <p:cNvSpPr>
+            <a:spLocks noGrp="1"/>
+          </p:cNvSpPr>
+          <p:nvPr isPhoto="0" userDrawn="0">
+            <p:ph type="dt" sz="half" idx="10" hasCustomPrompt="0"/>
+          </p:nvPr>
+        </p:nvSpPr>
+        <p:spPr bwMode="auto"/>
         <p:txBody>
           <a:bodyPr/>
           <a:lstStyle/>
           <a:p>
+            <a:pPr>
+              <a:defRPr/>
+            </a:pPr>
             <a:fld id="{48A87A34-81AB-432B-8DAE-1953F412C126}" type="datetimeFigureOut">
-              <a:rPr lang="en-US" smtClean="0"/>
-              <a:t>2/28/2020</a:t>
+              <a:rPr lang="en-US"/>
+              <a:t/>
             </a:fld>
-            <a:endParaRPr lang="en-US" dirty="0"/>
-          </a:p>
-        </p:txBody>
-      </p:sp>
-      <p:sp>
-        <p:nvSpPr>
-          <p:cNvPr id="5" name="Footer Placeholder 4"/>
-          <p:cNvSpPr>
-            <a:spLocks noGrp="1"/>
-          </p:cNvSpPr>
-          <p:nvPr>
-            <p:ph type="ftr" sz="quarter" idx="11"/>
-          </p:nvPr>
-        </p:nvSpPr>
-        <p:spPr/>
+            <a:endParaRPr lang="en-US"/>
+          </a:p>
+        </p:txBody>
+      </p:sp>
+      <p:sp>
+        <p:nvSpPr>
+          <p:cNvPr id="7" name="Footer Placeholder 4" hidden="0"/>
+          <p:cNvSpPr>
+            <a:spLocks noGrp="1"/>
+          </p:cNvSpPr>
+          <p:nvPr isPhoto="0" userDrawn="0">
+            <p:ph type="ftr" sz="quarter" idx="11" hasCustomPrompt="0"/>
+          </p:nvPr>
+        </p:nvSpPr>
+        <p:spPr bwMode="auto"/>
         <p:txBody>
           <a:bodyPr/>
           <a:lstStyle/>
           <a:p>
-            <a:endParaRPr lang="en-US" dirty="0"/>
-          </a:p>
-        </p:txBody>
-      </p:sp>
-      <p:sp>
-        <p:nvSpPr>
-          <p:cNvPr id="6" name="Slide Number Placeholder 5"/>
-          <p:cNvSpPr>
-            <a:spLocks noGrp="1"/>
-          </p:cNvSpPr>
-          <p:nvPr>
-            <p:ph type="sldNum" sz="quarter" idx="12"/>
-          </p:nvPr>
-        </p:nvSpPr>
-        <p:spPr/>
+            <a:pPr>
+              <a:defRPr/>
+            </a:pPr>
+            <a:endParaRPr lang="en-US"/>
+          </a:p>
+        </p:txBody>
+      </p:sp>
+      <p:sp>
+        <p:nvSpPr>
+          <p:cNvPr id="8" name="Slide Number Placeholder 5" hidden="0"/>
+          <p:cNvSpPr>
+            <a:spLocks noGrp="1"/>
+          </p:cNvSpPr>
+          <p:nvPr isPhoto="0" userDrawn="0">
+            <p:ph type="sldNum" sz="quarter" idx="12" hasCustomPrompt="0"/>
+          </p:nvPr>
+        </p:nvSpPr>
+        <p:spPr bwMode="auto"/>
         <p:txBody>
           <a:bodyPr/>
           <a:lstStyle/>
           <a:p>
+            <a:pPr>
+              <a:defRPr/>
+            </a:pPr>
             <a:fld id="{6D22F896-40B5-4ADD-8801-0D06FADFA095}" type="slidenum">
-              <a:rPr lang="en-US" smtClean="0"/>
-              <a:t>‹Nº›</a:t>
+              <a:rPr lang="en-US"/>
+              <a:t/>
             </a:fld>
-            <a:endParaRPr lang="en-US" dirty="0"/>
+            <a:endParaRPr lang="en-US"/>
           </a:p>
         </p:txBody>
       </p:sp>
     </p:spTree>
-    <p:extLst>
-      <p:ext uri="{BB962C8B-B14F-4D97-AF65-F5344CB8AC3E}">
-        <p14:creationId xmlns:p14="http://schemas.microsoft.com/office/powerpoint/2010/main" val="1092502983"/>
-      </p:ext>
-    </p:extLst>
   </p:cSld>
   <p:clrMapOvr>
     <a:masterClrMapping/>
@@ -1769,15 +1811,15 @@
 </file>
 
 <file path=ppt/slideLayouts/slideLayout14.xml><?xml version="1.0" encoding="utf-8"?>
-<p:sldLayout xmlns:a="http://schemas.openxmlformats.org/drawingml/2006/main" xmlns:r="http://schemas.openxmlformats.org/officeDocument/2006/relationships" xmlns:p="http://schemas.openxmlformats.org/presentationml/2006/main" preserve="1">
+<p:sldLayout xmlns:a="http://schemas.openxmlformats.org/drawingml/2006/main" xmlns:r="http://schemas.openxmlformats.org/officeDocument/2006/relationships" xmlns:p="http://schemas.openxmlformats.org/presentationml/2006/main" xmlns:m="http://schemas.openxmlformats.org/officeDocument/2006/math" xmlns:w="http://schemas.openxmlformats.org/wordprocessingml/2006/main" matchingName="" preserve="1" showMasterPhAnim="0" userDrawn="1">
   <p:cSld name="Citar la tarjeta de nombre">
     <p:spTree>
       <p:nvGrpSpPr>
-        <p:cNvPr id="1" name=""/>
+        <p:cNvPr id="1" name="" hidden="0"/>
         <p:cNvGrpSpPr/>
-        <p:nvPr/>
+        <p:nvPr isPhoto="0" userDrawn="0"/>
       </p:nvGrpSpPr>
-      <p:grpSpPr>
+      <p:grpSpPr bwMode="auto">
         <a:xfrm>
           <a:off x="0" y="0"/>
           <a:ext cx="0" cy="0"/>
@@ -1787,15 +1829,15 @@
       </p:grpSpPr>
       <p:sp>
         <p:nvSpPr>
-          <p:cNvPr id="2" name="Title 1"/>
-          <p:cNvSpPr>
-            <a:spLocks noGrp="1"/>
-          </p:cNvSpPr>
-          <p:nvPr>
-            <p:ph type="title"/>
-          </p:nvPr>
-        </p:nvSpPr>
-        <p:spPr>
+          <p:cNvPr id="4" name="Title 1" hidden="0"/>
+          <p:cNvSpPr>
+            <a:spLocks noGrp="1"/>
+          </p:cNvSpPr>
+          <p:nvPr isPhoto="0" userDrawn="0">
+            <p:ph type="title" hasCustomPrompt="0"/>
+          </p:nvPr>
+        </p:nvSpPr>
+        <p:spPr bwMode="auto">
           <a:xfrm>
             <a:off x="1446213" y="982132"/>
             <a:ext cx="9296398" cy="2243668"/>
@@ -1815,28 +1857,31 @@
             </a:lvl1pPr>
           </a:lstStyle>
           <a:p>
-            <a:r>
-              <a:rPr lang="es-ES" smtClean="0"/>
+            <a:pPr>
+              <a:defRPr/>
+            </a:pPr>
+            <a:r>
+              <a:rPr lang="es-ES"/>
               <a:t>Haga clic para modificar el estilo de título del patrón</a:t>
             </a:r>
-            <a:endParaRPr lang="en-US" dirty="0"/>
-          </a:p>
-        </p:txBody>
-      </p:sp>
-      <p:sp>
-        <p:nvSpPr>
-          <p:cNvPr id="23" name="Text Placeholder 2"/>
-          <p:cNvSpPr>
-            <a:spLocks noGrp="1"/>
-          </p:cNvSpPr>
-          <p:nvPr>
-            <p:ph type="body" idx="13"/>
-          </p:nvPr>
-        </p:nvSpPr>
-        <p:spPr>
+            <a:endParaRPr lang="en-US"/>
+          </a:p>
+        </p:txBody>
+      </p:sp>
+      <p:sp>
+        <p:nvSpPr>
+          <p:cNvPr id="5" name="Text Placeholder 2" hidden="0"/>
+          <p:cNvSpPr>
+            <a:spLocks noGrp="1"/>
+          </p:cNvSpPr>
+          <p:nvPr isPhoto="0" userDrawn="0">
+            <p:ph type="body" idx="13" hasCustomPrompt="0"/>
+          </p:nvPr>
+        </p:nvSpPr>
+        <p:spPr bwMode="auto">
           <a:xfrm>
             <a:off x="1295401" y="3639312"/>
-            <a:ext cx="9609668" cy="886968"/>
+            <a:ext cx="9609667" cy="886968"/>
           </a:xfrm>
         </p:spPr>
         <p:txBody>
@@ -1937,28 +1982,31 @@
             </a:lvl9pPr>
           </a:lstStyle>
           <a:p>
-            <a:pPr lvl="0"/>
-            <a:r>
-              <a:rPr lang="es-ES" smtClean="0"/>
+            <a:pPr lvl="0">
+              <a:defRPr/>
+            </a:pPr>
+            <a:r>
+              <a:rPr lang="es-ES"/>
               <a:t>Editar el estilo de texto del patrón</a:t>
             </a:r>
-          </a:p>
-        </p:txBody>
-      </p:sp>
-      <p:sp>
-        <p:nvSpPr>
-          <p:cNvPr id="3" name="Text Placeholder 2"/>
-          <p:cNvSpPr>
-            <a:spLocks noGrp="1"/>
-          </p:cNvSpPr>
-          <p:nvPr>
-            <p:ph type="body" idx="1"/>
-          </p:nvPr>
-        </p:nvSpPr>
-        <p:spPr>
+            <a:endParaRPr/>
+          </a:p>
+        </p:txBody>
+      </p:sp>
+      <p:sp>
+        <p:nvSpPr>
+          <p:cNvPr id="6" name="Text Placeholder 2" hidden="0"/>
+          <p:cNvSpPr>
+            <a:spLocks noGrp="1"/>
+          </p:cNvSpPr>
+          <p:nvPr isPhoto="0" userDrawn="0">
+            <p:ph type="body" idx="1" hasCustomPrompt="0"/>
+          </p:nvPr>
+        </p:nvSpPr>
+        <p:spPr bwMode="auto">
           <a:xfrm>
             <a:off x="1295401" y="4529667"/>
-            <a:ext cx="9609668" cy="1346200"/>
+            <a:ext cx="9609667" cy="1346200"/>
           </a:xfrm>
         </p:spPr>
         <p:txBody>
@@ -2056,91 +2104,103 @@
             </a:lvl9pPr>
           </a:lstStyle>
           <a:p>
-            <a:pPr lvl="0"/>
-            <a:r>
-              <a:rPr lang="es-ES" smtClean="0"/>
+            <a:pPr lvl="0">
+              <a:defRPr/>
+            </a:pPr>
+            <a:r>
+              <a:rPr lang="es-ES"/>
               <a:t>Editar el estilo de texto del patrón</a:t>
             </a:r>
-          </a:p>
-        </p:txBody>
-      </p:sp>
-      <p:sp>
-        <p:nvSpPr>
-          <p:cNvPr id="4" name="Date Placeholder 3"/>
-          <p:cNvSpPr>
-            <a:spLocks noGrp="1"/>
-          </p:cNvSpPr>
-          <p:nvPr>
-            <p:ph type="dt" sz="half" idx="10"/>
-          </p:nvPr>
-        </p:nvSpPr>
-        <p:spPr/>
+            <a:endParaRPr/>
+          </a:p>
+        </p:txBody>
+      </p:sp>
+      <p:sp>
+        <p:nvSpPr>
+          <p:cNvPr id="7" name="Date Placeholder 3" hidden="0"/>
+          <p:cNvSpPr>
+            <a:spLocks noGrp="1"/>
+          </p:cNvSpPr>
+          <p:nvPr isPhoto="0" userDrawn="0">
+            <p:ph type="dt" sz="half" idx="10" hasCustomPrompt="0"/>
+          </p:nvPr>
+        </p:nvSpPr>
+        <p:spPr bwMode="auto"/>
         <p:txBody>
           <a:bodyPr/>
           <a:lstStyle/>
           <a:p>
+            <a:pPr>
+              <a:defRPr/>
+            </a:pPr>
             <a:fld id="{48A87A34-81AB-432B-8DAE-1953F412C126}" type="datetimeFigureOut">
-              <a:rPr lang="en-US" smtClean="0"/>
-              <a:pPr/>
-              <a:t>2/28/2020</a:t>
+              <a:rPr lang="en-US"/>
+              <a:t/>
             </a:fld>
-            <a:endParaRPr lang="en-US" dirty="0"/>
-          </a:p>
-        </p:txBody>
-      </p:sp>
-      <p:sp>
-        <p:nvSpPr>
-          <p:cNvPr id="5" name="Footer Placeholder 4"/>
-          <p:cNvSpPr>
-            <a:spLocks noGrp="1"/>
-          </p:cNvSpPr>
-          <p:nvPr>
-            <p:ph type="ftr" sz="quarter" idx="11"/>
-          </p:nvPr>
-        </p:nvSpPr>
-        <p:spPr/>
+            <a:endParaRPr lang="en-US"/>
+          </a:p>
+        </p:txBody>
+      </p:sp>
+      <p:sp>
+        <p:nvSpPr>
+          <p:cNvPr id="8" name="Footer Placeholder 4" hidden="0"/>
+          <p:cNvSpPr>
+            <a:spLocks noGrp="1"/>
+          </p:cNvSpPr>
+          <p:nvPr isPhoto="0" userDrawn="0">
+            <p:ph type="ftr" sz="quarter" idx="11" hasCustomPrompt="0"/>
+          </p:nvPr>
+        </p:nvSpPr>
+        <p:spPr bwMode="auto"/>
         <p:txBody>
           <a:bodyPr/>
           <a:lstStyle/>
           <a:p>
-            <a:endParaRPr lang="en-US" dirty="0"/>
-          </a:p>
-        </p:txBody>
-      </p:sp>
-      <p:sp>
-        <p:nvSpPr>
-          <p:cNvPr id="6" name="Slide Number Placeholder 5"/>
-          <p:cNvSpPr>
-            <a:spLocks noGrp="1"/>
-          </p:cNvSpPr>
-          <p:nvPr>
-            <p:ph type="sldNum" sz="quarter" idx="12"/>
-          </p:nvPr>
-        </p:nvSpPr>
-        <p:spPr/>
+            <a:pPr>
+              <a:defRPr/>
+            </a:pPr>
+            <a:endParaRPr lang="en-US"/>
+          </a:p>
+        </p:txBody>
+      </p:sp>
+      <p:sp>
+        <p:nvSpPr>
+          <p:cNvPr id="9" name="Slide Number Placeholder 5" hidden="0"/>
+          <p:cNvSpPr>
+            <a:spLocks noGrp="1"/>
+          </p:cNvSpPr>
+          <p:nvPr isPhoto="0" userDrawn="0">
+            <p:ph type="sldNum" sz="quarter" idx="12" hasCustomPrompt="0"/>
+          </p:nvPr>
+        </p:nvSpPr>
+        <p:spPr bwMode="auto"/>
         <p:txBody>
           <a:bodyPr/>
           <a:lstStyle/>
           <a:p>
+            <a:pPr>
+              <a:defRPr/>
+            </a:pPr>
             <a:fld id="{6D22F896-40B5-4ADD-8801-0D06FADFA095}" type="slidenum">
-              <a:rPr lang="en-US" smtClean="0"/>
-              <a:pPr/>
-              <a:t>‹Nº›</a:t>
+              <a:rPr lang="en-US"/>
+              <a:t/>
             </a:fld>
-            <a:endParaRPr lang="en-US" dirty="0"/>
-          </a:p>
-        </p:txBody>
-      </p:sp>
-      <p:sp>
-        <p:nvSpPr>
-          <p:cNvPr id="12" name="TextBox 11"/>
-          <p:cNvSpPr txBox="1"/>
-          <p:nvPr/>
-        </p:nvSpPr>
-        <p:spPr>
+            <a:endParaRPr lang="en-US"/>
+          </a:p>
+        </p:txBody>
+      </p:sp>
+      <p:sp>
+        <p:nvSpPr>
+          <p:cNvPr id="10" name="TextBox 11" hidden="0"/>
+          <p:cNvSpPr>
+            <a:spLocks noAdjustHandles="0" noChangeArrowheads="0"/>
+          </p:cNvSpPr>
+          <p:nvPr isPhoto="0" userDrawn="0"/>
+        </p:nvSpPr>
+        <p:spPr bwMode="auto">
           <a:xfrm>
             <a:off x="862013" y="879961"/>
-            <a:ext cx="609600" cy="584776"/>
+            <a:ext cx="609600" cy="584775"/>
           </a:xfrm>
           <a:prstGeom prst="rect">
             <a:avLst/>
@@ -2152,29 +2212,33 @@
           </a:bodyPr>
           <a:lstStyle/>
           <a:p>
-            <a:pPr lvl="0"/>
-            <a:r>
-              <a:rPr lang="en-US" sz="8000" dirty="0">
+            <a:pPr lvl="0">
+              <a:defRPr/>
+            </a:pPr>
+            <a:r>
+              <a:rPr lang="en-US" sz="8000">
                 <a:solidFill>
                   <a:schemeClr val="tx1"/>
                 </a:solidFill>
-                <a:effectLst/>
               </a:rPr>
               <a:t>“</a:t>
             </a:r>
-          </a:p>
-        </p:txBody>
-      </p:sp>
-      <p:sp>
-        <p:nvSpPr>
-          <p:cNvPr id="13" name="TextBox 12"/>
-          <p:cNvSpPr txBox="1"/>
-          <p:nvPr/>
-        </p:nvSpPr>
-        <p:spPr>
+            <a:endParaRPr/>
+          </a:p>
+        </p:txBody>
+      </p:sp>
+      <p:sp>
+        <p:nvSpPr>
+          <p:cNvPr id="11" name="TextBox 12" hidden="0"/>
+          <p:cNvSpPr>
+            <a:spLocks noAdjustHandles="0" noChangeArrowheads="0"/>
+          </p:cNvSpPr>
+          <p:nvPr isPhoto="0" userDrawn="0"/>
+        </p:nvSpPr>
+        <p:spPr bwMode="auto">
           <a:xfrm>
             <a:off x="10600267" y="2599261"/>
-            <a:ext cx="609600" cy="584776"/>
+            <a:ext cx="609600" cy="584775"/>
           </a:xfrm>
           <a:prstGeom prst="rect">
             <a:avLst/>
@@ -2186,26 +2250,30 @@
           </a:bodyPr>
           <a:lstStyle/>
           <a:p>
-            <a:pPr lvl="0" algn="r"/>
-            <a:r>
-              <a:rPr lang="en-US" sz="8000" dirty="0">
+            <a:pPr lvl="0" algn="r">
+              <a:defRPr/>
+            </a:pPr>
+            <a:r>
+              <a:rPr lang="en-US" sz="8000">
                 <a:solidFill>
                   <a:schemeClr val="tx1"/>
                 </a:solidFill>
-                <a:effectLst/>
               </a:rPr>
               <a:t>”</a:t>
             </a:r>
+            <a:endParaRPr/>
           </a:p>
         </p:txBody>
       </p:sp>
       <p:cxnSp>
         <p:nvCxnSpPr>
-          <p:cNvPr id="26" name="Straight Connector 25"/>
-          <p:cNvCxnSpPr/>
-          <p:nvPr/>
+          <p:cNvPr id="12" name="Straight Connector 25" hidden="0"/>
+          <p:cNvCxnSpPr>
+            <a:cxnSpLocks/>
+          </p:cNvCxnSpPr>
+          <p:nvPr isPhoto="0" userDrawn="0"/>
         </p:nvCxnSpPr>
-        <p:spPr>
+        <p:spPr bwMode="auto">
           <a:xfrm>
             <a:off x="1396169" y="3429000"/>
             <a:ext cx="9407298" cy="0"/>
@@ -2231,11 +2299,6 @@
         </p:style>
       </p:cxnSp>
     </p:spTree>
-    <p:extLst>
-      <p:ext uri="{BB962C8B-B14F-4D97-AF65-F5344CB8AC3E}">
-        <p14:creationId xmlns:p14="http://schemas.microsoft.com/office/powerpoint/2010/main" val="856802298"/>
-      </p:ext>
-    </p:extLst>
   </p:cSld>
   <p:clrMapOvr>
     <a:masterClrMapping/>
@@ -2244,15 +2307,15 @@
 </file>
 
 <file path=ppt/slideLayouts/slideLayout15.xml><?xml version="1.0" encoding="utf-8"?>
-<p:sldLayout xmlns:a="http://schemas.openxmlformats.org/drawingml/2006/main" xmlns:r="http://schemas.openxmlformats.org/officeDocument/2006/relationships" xmlns:p="http://schemas.openxmlformats.org/presentationml/2006/main" preserve="1">
+<p:sldLayout xmlns:a="http://schemas.openxmlformats.org/drawingml/2006/main" xmlns:r="http://schemas.openxmlformats.org/officeDocument/2006/relationships" xmlns:p="http://schemas.openxmlformats.org/presentationml/2006/main" xmlns:m="http://schemas.openxmlformats.org/officeDocument/2006/math" xmlns:w="http://schemas.openxmlformats.org/wordprocessingml/2006/main" matchingName="" preserve="1" showMasterPhAnim="0" userDrawn="1">
   <p:cSld name="Verdadero o falso">
     <p:spTree>
       <p:nvGrpSpPr>
-        <p:cNvPr id="1" name=""/>
+        <p:cNvPr id="1" name="" hidden="0"/>
         <p:cNvGrpSpPr/>
-        <p:nvPr/>
+        <p:nvPr isPhoto="0" userDrawn="0"/>
       </p:nvGrpSpPr>
-      <p:grpSpPr>
+      <p:grpSpPr bwMode="auto">
         <a:xfrm>
           <a:off x="0" y="0"/>
           <a:ext cx="0" cy="0"/>
@@ -2262,15 +2325,15 @@
       </p:grpSpPr>
       <p:sp>
         <p:nvSpPr>
-          <p:cNvPr id="2" name="Title 1"/>
-          <p:cNvSpPr>
-            <a:spLocks noGrp="1"/>
-          </p:cNvSpPr>
-          <p:nvPr>
-            <p:ph type="title"/>
-          </p:nvPr>
-        </p:nvSpPr>
-        <p:spPr>
+          <p:cNvPr id="4" name="Title 1" hidden="0"/>
+          <p:cNvSpPr>
+            <a:spLocks noGrp="1"/>
+          </p:cNvSpPr>
+          <p:nvPr isPhoto="0" userDrawn="0">
+            <p:ph type="title" hasCustomPrompt="0"/>
+          </p:nvPr>
+        </p:nvSpPr>
+        <p:spPr bwMode="auto">
           <a:xfrm>
             <a:off x="1295401" y="982132"/>
             <a:ext cx="9609666" cy="2243668"/>
@@ -2282,33 +2345,35 @@
           </a:bodyPr>
           <a:lstStyle>
             <a:lvl1pPr>
-              <a:defRPr lang="en-US" b="0" dirty="0"/>
+              <a:defRPr lang="en-US" b="0"/>
             </a:lvl1pPr>
           </a:lstStyle>
           <a:p>
-            <a:pPr marL="0" lvl="0"/>
-            <a:r>
-              <a:rPr lang="es-ES" smtClean="0"/>
+            <a:pPr marL="0" lvl="0">
+              <a:defRPr/>
+            </a:pPr>
+            <a:r>
+              <a:rPr lang="es-ES"/>
               <a:t>Haga clic para modificar el estilo de título del patrón</a:t>
             </a:r>
-            <a:endParaRPr lang="en-US" dirty="0"/>
-          </a:p>
-        </p:txBody>
-      </p:sp>
-      <p:sp>
-        <p:nvSpPr>
-          <p:cNvPr id="20" name="Text Placeholder 2"/>
-          <p:cNvSpPr>
-            <a:spLocks noGrp="1"/>
-          </p:cNvSpPr>
-          <p:nvPr>
-            <p:ph type="body" idx="13"/>
-          </p:nvPr>
-        </p:nvSpPr>
-        <p:spPr>
+            <a:endParaRPr lang="en-US"/>
+          </a:p>
+        </p:txBody>
+      </p:sp>
+      <p:sp>
+        <p:nvSpPr>
+          <p:cNvPr id="5" name="Text Placeholder 2" hidden="0"/>
+          <p:cNvSpPr>
+            <a:spLocks noGrp="1"/>
+          </p:cNvSpPr>
+          <p:nvPr isPhoto="0" userDrawn="0">
+            <p:ph type="body" idx="13" hasCustomPrompt="0"/>
+          </p:nvPr>
+        </p:nvSpPr>
+        <p:spPr bwMode="auto">
           <a:xfrm>
             <a:off x="1295401" y="3630168"/>
-            <a:ext cx="9609668" cy="841248"/>
+            <a:ext cx="9609667" cy="841248"/>
           </a:xfrm>
         </p:spPr>
         <p:txBody>
@@ -2409,25 +2474,28 @@
             </a:lvl9pPr>
           </a:lstStyle>
           <a:p>
-            <a:pPr lvl="0"/>
-            <a:r>
-              <a:rPr lang="es-ES" smtClean="0"/>
+            <a:pPr lvl="0">
+              <a:defRPr/>
+            </a:pPr>
+            <a:r>
+              <a:rPr lang="es-ES"/>
               <a:t>Editar el estilo de texto del patrón</a:t>
             </a:r>
-          </a:p>
-        </p:txBody>
-      </p:sp>
-      <p:sp>
-        <p:nvSpPr>
-          <p:cNvPr id="3" name="Text Placeholder 2"/>
-          <p:cNvSpPr>
-            <a:spLocks noGrp="1"/>
-          </p:cNvSpPr>
-          <p:nvPr>
-            <p:ph type="body" idx="1"/>
-          </p:nvPr>
-        </p:nvSpPr>
-        <p:spPr>
+            <a:endParaRPr/>
+          </a:p>
+        </p:txBody>
+      </p:sp>
+      <p:sp>
+        <p:nvSpPr>
+          <p:cNvPr id="6" name="Text Placeholder 2" hidden="0"/>
+          <p:cNvSpPr>
+            <a:spLocks noGrp="1"/>
+          </p:cNvSpPr>
+          <p:nvPr isPhoto="0" userDrawn="0">
+            <p:ph type="body" idx="1" hasCustomPrompt="0"/>
+          </p:nvPr>
+        </p:nvSpPr>
+        <p:spPr bwMode="auto">
           <a:xfrm>
             <a:off x="1295400" y="4470399"/>
             <a:ext cx="9609670" cy="1405467"/>
@@ -2528,88 +2596,100 @@
             </a:lvl9pPr>
           </a:lstStyle>
           <a:p>
-            <a:pPr lvl="0"/>
-            <a:r>
-              <a:rPr lang="es-ES" smtClean="0"/>
+            <a:pPr lvl="0">
+              <a:defRPr/>
+            </a:pPr>
+            <a:r>
+              <a:rPr lang="es-ES"/>
               <a:t>Editar el estilo de texto del patrón</a:t>
             </a:r>
-          </a:p>
-        </p:txBody>
-      </p:sp>
-      <p:sp>
-        <p:nvSpPr>
-          <p:cNvPr id="4" name="Date Placeholder 3"/>
-          <p:cNvSpPr>
-            <a:spLocks noGrp="1"/>
-          </p:cNvSpPr>
-          <p:nvPr>
-            <p:ph type="dt" sz="half" idx="10"/>
-          </p:nvPr>
-        </p:nvSpPr>
-        <p:spPr/>
+            <a:endParaRPr/>
+          </a:p>
+        </p:txBody>
+      </p:sp>
+      <p:sp>
+        <p:nvSpPr>
+          <p:cNvPr id="7" name="Date Placeholder 3" hidden="0"/>
+          <p:cNvSpPr>
+            <a:spLocks noGrp="1"/>
+          </p:cNvSpPr>
+          <p:nvPr isPhoto="0" userDrawn="0">
+            <p:ph type="dt" sz="half" idx="10" hasCustomPrompt="0"/>
+          </p:nvPr>
+        </p:nvSpPr>
+        <p:spPr bwMode="auto"/>
         <p:txBody>
           <a:bodyPr/>
           <a:lstStyle/>
           <a:p>
+            <a:pPr>
+              <a:defRPr/>
+            </a:pPr>
             <a:fld id="{48A87A34-81AB-432B-8DAE-1953F412C126}" type="datetimeFigureOut">
-              <a:rPr lang="en-US" smtClean="0"/>
-              <a:pPr/>
-              <a:t>2/28/2020</a:t>
+              <a:rPr lang="en-US"/>
+              <a:t/>
             </a:fld>
-            <a:endParaRPr lang="en-US" dirty="0"/>
-          </a:p>
-        </p:txBody>
-      </p:sp>
-      <p:sp>
-        <p:nvSpPr>
-          <p:cNvPr id="5" name="Footer Placeholder 4"/>
-          <p:cNvSpPr>
-            <a:spLocks noGrp="1"/>
-          </p:cNvSpPr>
-          <p:nvPr>
-            <p:ph type="ftr" sz="quarter" idx="11"/>
-          </p:nvPr>
-        </p:nvSpPr>
-        <p:spPr/>
+            <a:endParaRPr lang="en-US"/>
+          </a:p>
+        </p:txBody>
+      </p:sp>
+      <p:sp>
+        <p:nvSpPr>
+          <p:cNvPr id="8" name="Footer Placeholder 4" hidden="0"/>
+          <p:cNvSpPr>
+            <a:spLocks noGrp="1"/>
+          </p:cNvSpPr>
+          <p:nvPr isPhoto="0" userDrawn="0">
+            <p:ph type="ftr" sz="quarter" idx="11" hasCustomPrompt="0"/>
+          </p:nvPr>
+        </p:nvSpPr>
+        <p:spPr bwMode="auto"/>
         <p:txBody>
           <a:bodyPr/>
           <a:lstStyle/>
           <a:p>
-            <a:endParaRPr lang="en-US" dirty="0"/>
-          </a:p>
-        </p:txBody>
-      </p:sp>
-      <p:sp>
-        <p:nvSpPr>
-          <p:cNvPr id="6" name="Slide Number Placeholder 5"/>
-          <p:cNvSpPr>
-            <a:spLocks noGrp="1"/>
-          </p:cNvSpPr>
-          <p:nvPr>
-            <p:ph type="sldNum" sz="quarter" idx="12"/>
-          </p:nvPr>
-        </p:nvSpPr>
-        <p:spPr/>
+            <a:pPr>
+              <a:defRPr/>
+            </a:pPr>
+            <a:endParaRPr lang="en-US"/>
+          </a:p>
+        </p:txBody>
+      </p:sp>
+      <p:sp>
+        <p:nvSpPr>
+          <p:cNvPr id="9" name="Slide Number Placeholder 5" hidden="0"/>
+          <p:cNvSpPr>
+            <a:spLocks noGrp="1"/>
+          </p:cNvSpPr>
+          <p:nvPr isPhoto="0" userDrawn="0">
+            <p:ph type="sldNum" sz="quarter" idx="12" hasCustomPrompt="0"/>
+          </p:nvPr>
+        </p:nvSpPr>
+        <p:spPr bwMode="auto"/>
         <p:txBody>
           <a:bodyPr/>
           <a:lstStyle/>
           <a:p>
+            <a:pPr>
+              <a:defRPr/>
+            </a:pPr>
             <a:fld id="{6D22F896-40B5-4ADD-8801-0D06FADFA095}" type="slidenum">
-              <a:rPr lang="en-US" smtClean="0"/>
-              <a:pPr/>
-              <a:t>‹Nº›</a:t>
+              <a:rPr lang="en-US"/>
+              <a:t/>
             </a:fld>
-            <a:endParaRPr lang="en-US" dirty="0"/>
+            <a:endParaRPr lang="en-US"/>
           </a:p>
         </p:txBody>
       </p:sp>
       <p:cxnSp>
         <p:nvCxnSpPr>
-          <p:cNvPr id="15" name="Straight Connector 14"/>
-          <p:cNvCxnSpPr/>
-          <p:nvPr/>
+          <p:cNvPr id="10" name="Straight Connector 14" hidden="0"/>
+          <p:cNvCxnSpPr>
+            <a:cxnSpLocks/>
+          </p:cNvCxnSpPr>
+          <p:nvPr isPhoto="0" userDrawn="0"/>
         </p:nvCxnSpPr>
-        <p:spPr>
+        <p:spPr bwMode="auto">
           <a:xfrm>
             <a:off x="1396169" y="3429000"/>
             <a:ext cx="9407298" cy="0"/>
@@ -2635,11 +2715,6 @@
         </p:style>
       </p:cxnSp>
     </p:spTree>
-    <p:extLst>
-      <p:ext uri="{BB962C8B-B14F-4D97-AF65-F5344CB8AC3E}">
-        <p14:creationId xmlns:p14="http://schemas.microsoft.com/office/powerpoint/2010/main" val="3769125479"/>
-      </p:ext>
-    </p:extLst>
   </p:cSld>
   <p:clrMapOvr>
     <a:masterClrMapping/>
@@ -2648,15 +2723,15 @@
 </file>
 
 <file path=ppt/slideLayouts/slideLayout16.xml><?xml version="1.0" encoding="utf-8"?>
-<p:sldLayout xmlns:a="http://schemas.openxmlformats.org/drawingml/2006/main" xmlns:r="http://schemas.openxmlformats.org/officeDocument/2006/relationships" xmlns:p="http://schemas.openxmlformats.org/presentationml/2006/main" type="vertTx" preserve="1">
+<p:sldLayout xmlns:a="http://schemas.openxmlformats.org/drawingml/2006/main" xmlns:r="http://schemas.openxmlformats.org/officeDocument/2006/relationships" xmlns:p="http://schemas.openxmlformats.org/presentationml/2006/main" xmlns:m="http://schemas.openxmlformats.org/officeDocument/2006/math" xmlns:w="http://schemas.openxmlformats.org/wordprocessingml/2006/main" matchingName="" preserve="1" showMasterPhAnim="0" type="vertTx" userDrawn="1">
   <p:cSld name="Título y texto vertical">
     <p:spTree>
       <p:nvGrpSpPr>
-        <p:cNvPr id="1" name=""/>
+        <p:cNvPr id="1" name="" hidden="0"/>
         <p:cNvGrpSpPr/>
-        <p:nvPr/>
+        <p:nvPr isPhoto="0" userDrawn="0"/>
       </p:nvGrpSpPr>
-      <p:grpSpPr>
+      <p:grpSpPr bwMode="auto">
         <a:xfrm>
           <a:off x="0" y="0"/>
           <a:ext cx="0" cy="0"/>
@@ -2666,15 +2741,15 @@
       </p:grpSpPr>
       <p:sp>
         <p:nvSpPr>
-          <p:cNvPr id="2" name="Title 1"/>
-          <p:cNvSpPr>
-            <a:spLocks noGrp="1"/>
-          </p:cNvSpPr>
-          <p:nvPr>
-            <p:ph type="title"/>
-          </p:nvPr>
-        </p:nvSpPr>
-        <p:spPr/>
+          <p:cNvPr id="4" name="Title 1" hidden="0"/>
+          <p:cNvSpPr>
+            <a:spLocks noGrp="1"/>
+          </p:cNvSpPr>
+          <p:nvPr isPhoto="0" userDrawn="0">
+            <p:ph type="title" hasCustomPrompt="0"/>
+          </p:nvPr>
+        </p:nvSpPr>
+        <p:spPr bwMode="auto"/>
         <p:txBody>
           <a:bodyPr/>
           <a:lstStyle>
@@ -2683,138 +2758,166 @@
             </a:lvl1pPr>
           </a:lstStyle>
           <a:p>
-            <a:r>
-              <a:rPr lang="es-ES" smtClean="0"/>
+            <a:pPr>
+              <a:defRPr/>
+            </a:pPr>
+            <a:r>
+              <a:rPr lang="es-ES"/>
               <a:t>Haga clic para modificar el estilo de título del patrón</a:t>
             </a:r>
-            <a:endParaRPr lang="en-US" dirty="0"/>
-          </a:p>
-        </p:txBody>
-      </p:sp>
-      <p:sp>
-        <p:nvSpPr>
-          <p:cNvPr id="3" name="Vertical Text Placeholder 2"/>
-          <p:cNvSpPr>
-            <a:spLocks noGrp="1"/>
-          </p:cNvSpPr>
-          <p:nvPr>
-            <p:ph type="body" orient="vert" idx="1"/>
-          </p:nvPr>
-        </p:nvSpPr>
-        <p:spPr/>
+            <a:endParaRPr lang="en-US"/>
+          </a:p>
+        </p:txBody>
+      </p:sp>
+      <p:sp>
+        <p:nvSpPr>
+          <p:cNvPr id="5" name="Vertical Text Placeholder 2" hidden="0"/>
+          <p:cNvSpPr>
+            <a:spLocks noGrp="1"/>
+          </p:cNvSpPr>
+          <p:nvPr isPhoto="0" userDrawn="0">
+            <p:ph type="body" orient="vert" idx="1" hasCustomPrompt="0"/>
+          </p:nvPr>
+        </p:nvSpPr>
+        <p:spPr bwMode="auto"/>
         <p:txBody>
           <a:bodyPr vert="eaVert" anchor="t"/>
           <a:lstStyle/>
           <a:p>
-            <a:pPr lvl="0"/>
-            <a:r>
-              <a:rPr lang="es-ES" smtClean="0"/>
+            <a:pPr lvl="0">
+              <a:defRPr/>
+            </a:pPr>
+            <a:r>
+              <a:rPr lang="es-ES"/>
               <a:t>Editar el estilo de texto del patrón</a:t>
             </a:r>
-          </a:p>
-          <a:p>
-            <a:pPr lvl="1"/>
-            <a:r>
-              <a:rPr lang="es-ES" smtClean="0"/>
+            <a:endParaRPr/>
+          </a:p>
+          <a:p>
+            <a:pPr lvl="1">
+              <a:defRPr/>
+            </a:pPr>
+            <a:r>
+              <a:rPr lang="es-ES"/>
               <a:t>Segundo nivel</a:t>
             </a:r>
-          </a:p>
-          <a:p>
-            <a:pPr lvl="2"/>
-            <a:r>
-              <a:rPr lang="es-ES" smtClean="0"/>
+            <a:endParaRPr/>
+          </a:p>
+          <a:p>
+            <a:pPr lvl="2">
+              <a:defRPr/>
+            </a:pPr>
+            <a:r>
+              <a:rPr lang="es-ES"/>
               <a:t>Tercer nivel</a:t>
             </a:r>
-          </a:p>
-          <a:p>
-            <a:pPr lvl="3"/>
-            <a:r>
-              <a:rPr lang="es-ES" smtClean="0"/>
+            <a:endParaRPr/>
+          </a:p>
+          <a:p>
+            <a:pPr lvl="3">
+              <a:defRPr/>
+            </a:pPr>
+            <a:r>
+              <a:rPr lang="es-ES"/>
               <a:t>Cuarto nivel</a:t>
             </a:r>
-          </a:p>
-          <a:p>
-            <a:pPr lvl="4"/>
-            <a:r>
-              <a:rPr lang="es-ES" smtClean="0"/>
+            <a:endParaRPr/>
+          </a:p>
+          <a:p>
+            <a:pPr lvl="4">
+              <a:defRPr/>
+            </a:pPr>
+            <a:r>
+              <a:rPr lang="es-ES"/>
               <a:t>Quinto nivel</a:t>
             </a:r>
-            <a:endParaRPr lang="en-US" dirty="0"/>
-          </a:p>
-        </p:txBody>
-      </p:sp>
-      <p:sp>
-        <p:nvSpPr>
-          <p:cNvPr id="4" name="Date Placeholder 3"/>
-          <p:cNvSpPr>
-            <a:spLocks noGrp="1"/>
-          </p:cNvSpPr>
-          <p:nvPr>
-            <p:ph type="dt" sz="half" idx="10"/>
-          </p:nvPr>
-        </p:nvSpPr>
-        <p:spPr/>
+            <a:endParaRPr lang="en-US"/>
+          </a:p>
+        </p:txBody>
+      </p:sp>
+      <p:sp>
+        <p:nvSpPr>
+          <p:cNvPr id="6" name="Date Placeholder 3" hidden="0"/>
+          <p:cNvSpPr>
+            <a:spLocks noGrp="1"/>
+          </p:cNvSpPr>
+          <p:nvPr isPhoto="0" userDrawn="0">
+            <p:ph type="dt" sz="half" idx="10" hasCustomPrompt="0"/>
+          </p:nvPr>
+        </p:nvSpPr>
+        <p:spPr bwMode="auto"/>
         <p:txBody>
           <a:bodyPr/>
           <a:lstStyle/>
           <a:p>
+            <a:pPr>
+              <a:defRPr/>
+            </a:pPr>
             <a:fld id="{48A87A34-81AB-432B-8DAE-1953F412C126}" type="datetimeFigureOut">
-              <a:rPr lang="en-US" smtClean="0"/>
-              <a:t>2/28/2020</a:t>
+              <a:rPr lang="en-US"/>
+              <a:t/>
             </a:fld>
-            <a:endParaRPr lang="en-US" dirty="0"/>
-          </a:p>
-        </p:txBody>
-      </p:sp>
-      <p:sp>
-        <p:nvSpPr>
-          <p:cNvPr id="5" name="Footer Placeholder 4"/>
-          <p:cNvSpPr>
-            <a:spLocks noGrp="1"/>
-          </p:cNvSpPr>
-          <p:nvPr>
-            <p:ph type="ftr" sz="quarter" idx="11"/>
-          </p:nvPr>
-        </p:nvSpPr>
-        <p:spPr/>
+            <a:endParaRPr lang="en-US"/>
+          </a:p>
+        </p:txBody>
+      </p:sp>
+      <p:sp>
+        <p:nvSpPr>
+          <p:cNvPr id="7" name="Footer Placeholder 4" hidden="0"/>
+          <p:cNvSpPr>
+            <a:spLocks noGrp="1"/>
+          </p:cNvSpPr>
+          <p:nvPr isPhoto="0" userDrawn="0">
+            <p:ph type="ftr" sz="quarter" idx="11" hasCustomPrompt="0"/>
+          </p:nvPr>
+        </p:nvSpPr>
+        <p:spPr bwMode="auto"/>
         <p:txBody>
           <a:bodyPr/>
           <a:lstStyle/>
           <a:p>
-            <a:endParaRPr lang="en-US" dirty="0"/>
-          </a:p>
-        </p:txBody>
-      </p:sp>
-      <p:sp>
-        <p:nvSpPr>
-          <p:cNvPr id="6" name="Slide Number Placeholder 5"/>
-          <p:cNvSpPr>
-            <a:spLocks noGrp="1"/>
-          </p:cNvSpPr>
-          <p:nvPr>
-            <p:ph type="sldNum" sz="quarter" idx="12"/>
-          </p:nvPr>
-        </p:nvSpPr>
-        <p:spPr/>
+            <a:pPr>
+              <a:defRPr/>
+            </a:pPr>
+            <a:endParaRPr lang="en-US"/>
+          </a:p>
+        </p:txBody>
+      </p:sp>
+      <p:sp>
+        <p:nvSpPr>
+          <p:cNvPr id="8" name="Slide Number Placeholder 5" hidden="0"/>
+          <p:cNvSpPr>
+            <a:spLocks noGrp="1"/>
+          </p:cNvSpPr>
+          <p:nvPr isPhoto="0" userDrawn="0">
+            <p:ph type="sldNum" sz="quarter" idx="12" hasCustomPrompt="0"/>
+          </p:nvPr>
+        </p:nvSpPr>
+        <p:spPr bwMode="auto"/>
         <p:txBody>
           <a:bodyPr/>
           <a:lstStyle/>
           <a:p>
+            <a:pPr>
+              <a:defRPr/>
+            </a:pPr>
             <a:fld id="{6D22F896-40B5-4ADD-8801-0D06FADFA095}" type="slidenum">
-              <a:rPr lang="en-US" smtClean="0"/>
-              <a:t>‹Nº›</a:t>
+              <a:rPr lang="en-US"/>
+              <a:t/>
             </a:fld>
-            <a:endParaRPr lang="en-US" dirty="0"/>
+            <a:endParaRPr lang="en-US"/>
           </a:p>
         </p:txBody>
       </p:sp>
       <p:cxnSp>
         <p:nvCxnSpPr>
-          <p:cNvPr id="14" name="Straight Connector 13"/>
-          <p:cNvCxnSpPr/>
-          <p:nvPr/>
+          <p:cNvPr id="9" name="Straight Connector 13" hidden="0"/>
+          <p:cNvCxnSpPr>
+            <a:cxnSpLocks/>
+          </p:cNvCxnSpPr>
+          <p:nvPr isPhoto="0" userDrawn="0"/>
         </p:nvCxnSpPr>
-        <p:spPr>
+        <p:spPr bwMode="auto">
           <a:xfrm>
             <a:off x="1396169" y="2421466"/>
             <a:ext cx="9407298" cy="0"/>
@@ -2840,11 +2943,6 @@
         </p:style>
       </p:cxnSp>
     </p:spTree>
-    <p:extLst>
-      <p:ext uri="{BB962C8B-B14F-4D97-AF65-F5344CB8AC3E}">
-        <p14:creationId xmlns:p14="http://schemas.microsoft.com/office/powerpoint/2010/main" val="2267443339"/>
-      </p:ext>
-    </p:extLst>
   </p:cSld>
   <p:clrMapOvr>
     <a:masterClrMapping/>
@@ -2853,15 +2951,15 @@
 </file>
 
 <file path=ppt/slideLayouts/slideLayout17.xml><?xml version="1.0" encoding="utf-8"?>
-<p:sldLayout xmlns:a="http://schemas.openxmlformats.org/drawingml/2006/main" xmlns:r="http://schemas.openxmlformats.org/officeDocument/2006/relationships" xmlns:p="http://schemas.openxmlformats.org/presentationml/2006/main" type="vertTitleAndTx" preserve="1">
+<p:sldLayout xmlns:a="http://schemas.openxmlformats.org/drawingml/2006/main" xmlns:r="http://schemas.openxmlformats.org/officeDocument/2006/relationships" xmlns:p="http://schemas.openxmlformats.org/presentationml/2006/main" xmlns:m="http://schemas.openxmlformats.org/officeDocument/2006/math" xmlns:w="http://schemas.openxmlformats.org/wordprocessingml/2006/main" matchingName="" preserve="1" showMasterPhAnim="0" type="vertTitleAndTx" userDrawn="1">
   <p:cSld name="Título vertical y texto">
     <p:spTree>
       <p:nvGrpSpPr>
-        <p:cNvPr id="1" name=""/>
+        <p:cNvPr id="1" name="" hidden="0"/>
         <p:cNvGrpSpPr/>
-        <p:nvPr/>
+        <p:nvPr isPhoto="0" userDrawn="0"/>
       </p:nvGrpSpPr>
-      <p:grpSpPr>
+      <p:grpSpPr bwMode="auto">
         <a:xfrm>
           <a:off x="0" y="0"/>
           <a:ext cx="0" cy="0"/>
@@ -2871,15 +2969,15 @@
       </p:grpSpPr>
       <p:sp>
         <p:nvSpPr>
-          <p:cNvPr id="2" name="Vertical Title 1"/>
-          <p:cNvSpPr>
-            <a:spLocks noGrp="1"/>
-          </p:cNvSpPr>
-          <p:nvPr>
-            <p:ph type="title" orient="vert"/>
-          </p:nvPr>
-        </p:nvSpPr>
-        <p:spPr>
+          <p:cNvPr id="4" name="Vertical Title 1" hidden="0"/>
+          <p:cNvSpPr>
+            <a:spLocks noGrp="1"/>
+          </p:cNvSpPr>
+          <p:nvPr isPhoto="0" userDrawn="0">
+            <p:ph type="title" orient="vert" hasCustomPrompt="0"/>
+          </p:nvPr>
+        </p:nvSpPr>
+        <p:spPr bwMode="auto">
           <a:xfrm>
             <a:off x="8999356" y="982131"/>
             <a:ext cx="1890895" cy="4893735"/>
@@ -2889,25 +2987,28 @@
           <a:bodyPr vert="eaVert"/>
           <a:lstStyle/>
           <a:p>
-            <a:r>
-              <a:rPr lang="es-ES" smtClean="0"/>
+            <a:pPr>
+              <a:defRPr/>
+            </a:pPr>
+            <a:r>
+              <a:rPr lang="es-ES"/>
               <a:t>Haga clic para modificar el estilo de título del patrón</a:t>
             </a:r>
-            <a:endParaRPr lang="en-US" dirty="0"/>
-          </a:p>
-        </p:txBody>
-      </p:sp>
-      <p:sp>
-        <p:nvSpPr>
-          <p:cNvPr id="3" name="Vertical Text Placeholder 2"/>
-          <p:cNvSpPr>
-            <a:spLocks noGrp="1"/>
-          </p:cNvSpPr>
-          <p:nvPr>
-            <p:ph type="body" orient="vert" idx="1"/>
-          </p:nvPr>
-        </p:nvSpPr>
-        <p:spPr>
+            <a:endParaRPr lang="en-US"/>
+          </a:p>
+        </p:txBody>
+      </p:sp>
+      <p:sp>
+        <p:nvSpPr>
+          <p:cNvPr id="5" name="Vertical Text Placeholder 2" hidden="0"/>
+          <p:cNvSpPr>
+            <a:spLocks noGrp="1"/>
+          </p:cNvSpPr>
+          <p:nvPr isPhoto="0" userDrawn="0">
+            <p:ph type="body" orient="vert" idx="1" hasCustomPrompt="0"/>
+          </p:nvPr>
+        </p:nvSpPr>
+        <p:spPr bwMode="auto">
           <a:xfrm>
             <a:off x="1295398" y="982132"/>
             <a:ext cx="7433025" cy="4893734"/>
@@ -2917,115 +3018,140 @@
           <a:bodyPr vert="eaVert" anchor="t"/>
           <a:lstStyle/>
           <a:p>
-            <a:pPr lvl="0"/>
-            <a:r>
-              <a:rPr lang="es-ES" smtClean="0"/>
+            <a:pPr lvl="0">
+              <a:defRPr/>
+            </a:pPr>
+            <a:r>
+              <a:rPr lang="es-ES"/>
               <a:t>Editar el estilo de texto del patrón</a:t>
             </a:r>
-          </a:p>
-          <a:p>
-            <a:pPr lvl="1"/>
-            <a:r>
-              <a:rPr lang="es-ES" smtClean="0"/>
+            <a:endParaRPr/>
+          </a:p>
+          <a:p>
+            <a:pPr lvl="1">
+              <a:defRPr/>
+            </a:pPr>
+            <a:r>
+              <a:rPr lang="es-ES"/>
               <a:t>Segundo nivel</a:t>
             </a:r>
-          </a:p>
-          <a:p>
-            <a:pPr lvl="2"/>
-            <a:r>
-              <a:rPr lang="es-ES" smtClean="0"/>
+            <a:endParaRPr/>
+          </a:p>
+          <a:p>
+            <a:pPr lvl="2">
+              <a:defRPr/>
+            </a:pPr>
+            <a:r>
+              <a:rPr lang="es-ES"/>
               <a:t>Tercer nivel</a:t>
             </a:r>
-          </a:p>
-          <a:p>
-            <a:pPr lvl="3"/>
-            <a:r>
-              <a:rPr lang="es-ES" smtClean="0"/>
+            <a:endParaRPr/>
+          </a:p>
+          <a:p>
+            <a:pPr lvl="3">
+              <a:defRPr/>
+            </a:pPr>
+            <a:r>
+              <a:rPr lang="es-ES"/>
               <a:t>Cuarto nivel</a:t>
             </a:r>
-          </a:p>
-          <a:p>
-            <a:pPr lvl="4"/>
-            <a:r>
-              <a:rPr lang="es-ES" smtClean="0"/>
+            <a:endParaRPr/>
+          </a:p>
+          <a:p>
+            <a:pPr lvl="4">
+              <a:defRPr/>
+            </a:pPr>
+            <a:r>
+              <a:rPr lang="es-ES"/>
               <a:t>Quinto nivel</a:t>
             </a:r>
-            <a:endParaRPr lang="en-US" dirty="0"/>
-          </a:p>
-        </p:txBody>
-      </p:sp>
-      <p:sp>
-        <p:nvSpPr>
-          <p:cNvPr id="4" name="Date Placeholder 3"/>
-          <p:cNvSpPr>
-            <a:spLocks noGrp="1"/>
-          </p:cNvSpPr>
-          <p:nvPr>
-            <p:ph type="dt" sz="half" idx="10"/>
-          </p:nvPr>
-        </p:nvSpPr>
-        <p:spPr/>
+            <a:endParaRPr lang="en-US"/>
+          </a:p>
+        </p:txBody>
+      </p:sp>
+      <p:sp>
+        <p:nvSpPr>
+          <p:cNvPr id="6" name="Date Placeholder 3" hidden="0"/>
+          <p:cNvSpPr>
+            <a:spLocks noGrp="1"/>
+          </p:cNvSpPr>
+          <p:nvPr isPhoto="0" userDrawn="0">
+            <p:ph type="dt" sz="half" idx="10" hasCustomPrompt="0"/>
+          </p:nvPr>
+        </p:nvSpPr>
+        <p:spPr bwMode="auto"/>
         <p:txBody>
           <a:bodyPr/>
           <a:lstStyle/>
           <a:p>
+            <a:pPr>
+              <a:defRPr/>
+            </a:pPr>
             <a:fld id="{48A87A34-81AB-432B-8DAE-1953F412C126}" type="datetimeFigureOut">
-              <a:rPr lang="en-US" smtClean="0"/>
-              <a:t>2/28/2020</a:t>
+              <a:rPr lang="en-US"/>
+              <a:t/>
             </a:fld>
-            <a:endParaRPr lang="en-US" dirty="0"/>
-          </a:p>
-        </p:txBody>
-      </p:sp>
-      <p:sp>
-        <p:nvSpPr>
-          <p:cNvPr id="5" name="Footer Placeholder 4"/>
-          <p:cNvSpPr>
-            <a:spLocks noGrp="1"/>
-          </p:cNvSpPr>
-          <p:nvPr>
-            <p:ph type="ftr" sz="quarter" idx="11"/>
-          </p:nvPr>
-        </p:nvSpPr>
-        <p:spPr/>
+            <a:endParaRPr lang="en-US"/>
+          </a:p>
+        </p:txBody>
+      </p:sp>
+      <p:sp>
+        <p:nvSpPr>
+          <p:cNvPr id="7" name="Footer Placeholder 4" hidden="0"/>
+          <p:cNvSpPr>
+            <a:spLocks noGrp="1"/>
+          </p:cNvSpPr>
+          <p:nvPr isPhoto="0" userDrawn="0">
+            <p:ph type="ftr" sz="quarter" idx="11" hasCustomPrompt="0"/>
+          </p:nvPr>
+        </p:nvSpPr>
+        <p:spPr bwMode="auto"/>
         <p:txBody>
           <a:bodyPr/>
           <a:lstStyle/>
           <a:p>
-            <a:endParaRPr lang="en-US" dirty="0"/>
-          </a:p>
-        </p:txBody>
-      </p:sp>
-      <p:sp>
-        <p:nvSpPr>
-          <p:cNvPr id="6" name="Slide Number Placeholder 5"/>
-          <p:cNvSpPr>
-            <a:spLocks noGrp="1"/>
-          </p:cNvSpPr>
-          <p:nvPr>
-            <p:ph type="sldNum" sz="quarter" idx="12"/>
-          </p:nvPr>
-        </p:nvSpPr>
-        <p:spPr/>
+            <a:pPr>
+              <a:defRPr/>
+            </a:pPr>
+            <a:endParaRPr lang="en-US"/>
+          </a:p>
+        </p:txBody>
+      </p:sp>
+      <p:sp>
+        <p:nvSpPr>
+          <p:cNvPr id="8" name="Slide Number Placeholder 5" hidden="0"/>
+          <p:cNvSpPr>
+            <a:spLocks noGrp="1"/>
+          </p:cNvSpPr>
+          <p:nvPr isPhoto="0" userDrawn="0">
+            <p:ph type="sldNum" sz="quarter" idx="12" hasCustomPrompt="0"/>
+          </p:nvPr>
+        </p:nvSpPr>
+        <p:spPr bwMode="auto"/>
         <p:txBody>
           <a:bodyPr/>
           <a:lstStyle/>
           <a:p>
+            <a:pPr>
+              <a:defRPr/>
+            </a:pPr>
             <a:fld id="{6D22F896-40B5-4ADD-8801-0D06FADFA095}" type="slidenum">
-              <a:rPr lang="en-US" smtClean="0"/>
-              <a:t>‹Nº›</a:t>
+              <a:rPr lang="en-US"/>
+              <a:t/>
             </a:fld>
-            <a:endParaRPr lang="en-US" dirty="0"/>
+            <a:endParaRPr lang="en-US"/>
           </a:p>
         </p:txBody>
       </p:sp>
       <p:cxnSp>
         <p:nvCxnSpPr>
-          <p:cNvPr id="14" name="Straight Connector 13"/>
-          <p:cNvCxnSpPr/>
-          <p:nvPr/>
+          <p:cNvPr id="9" name="Straight Connector 13" hidden="0"/>
+          <p:cNvCxnSpPr>
+            <a:cxnSpLocks/>
+          </p:cNvCxnSpPr>
+          <p:nvPr isPhoto="0" userDrawn="0"/>
         </p:nvCxnSpPr>
-        <p:spPr>
+        <p:spPr bwMode="auto">
           <a:xfrm>
             <a:off x="8863890" y="990600"/>
             <a:ext cx="0" cy="4876800"/>
@@ -3051,11 +3177,6 @@
         </p:style>
       </p:cxnSp>
     </p:spTree>
-    <p:extLst>
-      <p:ext uri="{BB962C8B-B14F-4D97-AF65-F5344CB8AC3E}">
-        <p14:creationId xmlns:p14="http://schemas.microsoft.com/office/powerpoint/2010/main" val="2085063049"/>
-      </p:ext>
-    </p:extLst>
   </p:cSld>
   <p:clrMapOvr>
     <a:masterClrMapping/>
@@ -3064,15 +3185,15 @@
 </file>
 
 <file path=ppt/slideLayouts/slideLayout2.xml><?xml version="1.0" encoding="utf-8"?>
-<p:sldLayout xmlns:a="http://schemas.openxmlformats.org/drawingml/2006/main" xmlns:r="http://schemas.openxmlformats.org/officeDocument/2006/relationships" xmlns:p="http://schemas.openxmlformats.org/presentationml/2006/main" type="obj" preserve="1">
+<p:sldLayout xmlns:a="http://schemas.openxmlformats.org/drawingml/2006/main" xmlns:r="http://schemas.openxmlformats.org/officeDocument/2006/relationships" xmlns:p="http://schemas.openxmlformats.org/presentationml/2006/main" xmlns:m="http://schemas.openxmlformats.org/officeDocument/2006/math" xmlns:w="http://schemas.openxmlformats.org/wordprocessingml/2006/main" matchingName="" preserve="1" showMasterPhAnim="0" type="obj" userDrawn="1">
   <p:cSld name="Título y objetos">
     <p:spTree>
       <p:nvGrpSpPr>
-        <p:cNvPr id="1" name=""/>
+        <p:cNvPr id="1" name="" hidden="0"/>
         <p:cNvGrpSpPr/>
-        <p:nvPr/>
+        <p:nvPr isPhoto="0" userDrawn="0"/>
       </p:nvGrpSpPr>
-      <p:grpSpPr>
+      <p:grpSpPr bwMode="auto">
         <a:xfrm>
           <a:off x="0" y="0"/>
           <a:ext cx="0" cy="0"/>
@@ -3082,11 +3203,13 @@
       </p:grpSpPr>
       <p:cxnSp>
         <p:nvCxnSpPr>
-          <p:cNvPr id="7" name="Straight Connector 6"/>
-          <p:cNvCxnSpPr/>
-          <p:nvPr/>
+          <p:cNvPr id="4" name="Straight Connector 6" hidden="0"/>
+          <p:cNvCxnSpPr>
+            <a:cxnSpLocks/>
+          </p:cNvCxnSpPr>
+          <p:nvPr isPhoto="0" userDrawn="0"/>
         </p:nvCxnSpPr>
-        <p:spPr>
+        <p:spPr bwMode="auto">
           <a:xfrm>
             <a:off x="1396169" y="2421466"/>
             <a:ext cx="9407298" cy="0"/>
@@ -3113,150 +3236,171 @@
       </p:cxnSp>
       <p:sp>
         <p:nvSpPr>
-          <p:cNvPr id="2" name="Title 1"/>
-          <p:cNvSpPr>
-            <a:spLocks noGrp="1"/>
-          </p:cNvSpPr>
-          <p:nvPr>
-            <p:ph type="title"/>
-          </p:nvPr>
-        </p:nvSpPr>
-        <p:spPr/>
+          <p:cNvPr id="5" name="Title 1" hidden="0"/>
+          <p:cNvSpPr>
+            <a:spLocks noGrp="1"/>
+          </p:cNvSpPr>
+          <p:nvPr isPhoto="0" userDrawn="0">
+            <p:ph type="title" hasCustomPrompt="0"/>
+          </p:nvPr>
+        </p:nvSpPr>
+        <p:spPr bwMode="auto"/>
         <p:txBody>
           <a:bodyPr/>
           <a:lstStyle/>
           <a:p>
-            <a:r>
-              <a:rPr lang="es-ES" smtClean="0"/>
+            <a:pPr>
+              <a:defRPr/>
+            </a:pPr>
+            <a:r>
+              <a:rPr lang="es-ES"/>
               <a:t>Haga clic para modificar el estilo de título del patrón</a:t>
             </a:r>
-            <a:endParaRPr lang="en-US" dirty="0"/>
-          </a:p>
-        </p:txBody>
-      </p:sp>
-      <p:sp>
-        <p:nvSpPr>
-          <p:cNvPr id="3" name="Content Placeholder 2"/>
-          <p:cNvSpPr>
-            <a:spLocks noGrp="1"/>
-          </p:cNvSpPr>
-          <p:nvPr>
-            <p:ph idx="1"/>
-          </p:nvPr>
-        </p:nvSpPr>
-        <p:spPr/>
+            <a:endParaRPr lang="en-US"/>
+          </a:p>
+        </p:txBody>
+      </p:sp>
+      <p:sp>
+        <p:nvSpPr>
+          <p:cNvPr id="6" name="Content Placeholder 2" hidden="0"/>
+          <p:cNvSpPr>
+            <a:spLocks noGrp="1"/>
+          </p:cNvSpPr>
+          <p:nvPr isPhoto="0" userDrawn="0">
+            <p:ph idx="1" hasCustomPrompt="0"/>
+          </p:nvPr>
+        </p:nvSpPr>
+        <p:spPr bwMode="auto"/>
         <p:txBody>
           <a:bodyPr/>
           <a:lstStyle/>
           <a:p>
-            <a:pPr lvl="0"/>
-            <a:r>
-              <a:rPr lang="es-ES" smtClean="0"/>
+            <a:pPr lvl="0">
+              <a:defRPr/>
+            </a:pPr>
+            <a:r>
+              <a:rPr lang="es-ES"/>
               <a:t>Editar el estilo de texto del patrón</a:t>
             </a:r>
-          </a:p>
-          <a:p>
-            <a:pPr lvl="1"/>
-            <a:r>
-              <a:rPr lang="es-ES" smtClean="0"/>
+            <a:endParaRPr/>
+          </a:p>
+          <a:p>
+            <a:pPr lvl="1">
+              <a:defRPr/>
+            </a:pPr>
+            <a:r>
+              <a:rPr lang="es-ES"/>
               <a:t>Segundo nivel</a:t>
             </a:r>
-          </a:p>
-          <a:p>
-            <a:pPr lvl="2"/>
-            <a:r>
-              <a:rPr lang="es-ES" smtClean="0"/>
+            <a:endParaRPr/>
+          </a:p>
+          <a:p>
+            <a:pPr lvl="2">
+              <a:defRPr/>
+            </a:pPr>
+            <a:r>
+              <a:rPr lang="es-ES"/>
               <a:t>Tercer nivel</a:t>
             </a:r>
-          </a:p>
-          <a:p>
-            <a:pPr lvl="3"/>
-            <a:r>
-              <a:rPr lang="es-ES" smtClean="0"/>
+            <a:endParaRPr/>
+          </a:p>
+          <a:p>
+            <a:pPr lvl="3">
+              <a:defRPr/>
+            </a:pPr>
+            <a:r>
+              <a:rPr lang="es-ES"/>
               <a:t>Cuarto nivel</a:t>
             </a:r>
-          </a:p>
-          <a:p>
-            <a:pPr lvl="4"/>
-            <a:r>
-              <a:rPr lang="es-ES" smtClean="0"/>
+            <a:endParaRPr/>
+          </a:p>
+          <a:p>
+            <a:pPr lvl="4">
+              <a:defRPr/>
+            </a:pPr>
+            <a:r>
+              <a:rPr lang="es-ES"/>
               <a:t>Quinto nivel</a:t>
             </a:r>
-            <a:endParaRPr lang="en-US" dirty="0"/>
-          </a:p>
-        </p:txBody>
-      </p:sp>
-      <p:sp>
-        <p:nvSpPr>
-          <p:cNvPr id="4" name="Date Placeholder 3"/>
-          <p:cNvSpPr>
-            <a:spLocks noGrp="1"/>
-          </p:cNvSpPr>
-          <p:nvPr>
-            <p:ph type="dt" sz="half" idx="10"/>
-          </p:nvPr>
-        </p:nvSpPr>
-        <p:spPr/>
+            <a:endParaRPr lang="en-US"/>
+          </a:p>
+        </p:txBody>
+      </p:sp>
+      <p:sp>
+        <p:nvSpPr>
+          <p:cNvPr id="7" name="Date Placeholder 3" hidden="0"/>
+          <p:cNvSpPr>
+            <a:spLocks noGrp="1"/>
+          </p:cNvSpPr>
+          <p:nvPr isPhoto="0" userDrawn="0">
+            <p:ph type="dt" sz="half" idx="10" hasCustomPrompt="0"/>
+          </p:nvPr>
+        </p:nvSpPr>
+        <p:spPr bwMode="auto"/>
         <p:txBody>
           <a:bodyPr/>
           <a:lstStyle/>
           <a:p>
+            <a:pPr>
+              <a:defRPr/>
+            </a:pPr>
             <a:fld id="{48A87A34-81AB-432B-8DAE-1953F412C126}" type="datetimeFigureOut">
-              <a:rPr lang="en-US" smtClean="0"/>
-              <a:t>2/28/2020</a:t>
+              <a:rPr lang="en-US"/>
+              <a:t/>
             </a:fld>
-            <a:endParaRPr lang="en-US" dirty="0"/>
-          </a:p>
-        </p:txBody>
-      </p:sp>
-      <p:sp>
-        <p:nvSpPr>
-          <p:cNvPr id="5" name="Footer Placeholder 4"/>
-          <p:cNvSpPr>
-            <a:spLocks noGrp="1"/>
-          </p:cNvSpPr>
-          <p:nvPr>
-            <p:ph type="ftr" sz="quarter" idx="11"/>
-          </p:nvPr>
-        </p:nvSpPr>
-        <p:spPr/>
+            <a:endParaRPr lang="en-US"/>
+          </a:p>
+        </p:txBody>
+      </p:sp>
+      <p:sp>
+        <p:nvSpPr>
+          <p:cNvPr id="8" name="Footer Placeholder 4" hidden="0"/>
+          <p:cNvSpPr>
+            <a:spLocks noGrp="1"/>
+          </p:cNvSpPr>
+          <p:nvPr isPhoto="0" userDrawn="0">
+            <p:ph type="ftr" sz="quarter" idx="11" hasCustomPrompt="0"/>
+          </p:nvPr>
+        </p:nvSpPr>
+        <p:spPr bwMode="auto"/>
         <p:txBody>
           <a:bodyPr/>
           <a:lstStyle/>
           <a:p>
-            <a:endParaRPr lang="en-US" dirty="0"/>
-          </a:p>
-        </p:txBody>
-      </p:sp>
-      <p:sp>
-        <p:nvSpPr>
-          <p:cNvPr id="6" name="Slide Number Placeholder 5"/>
-          <p:cNvSpPr>
-            <a:spLocks noGrp="1"/>
-          </p:cNvSpPr>
-          <p:nvPr>
-            <p:ph type="sldNum" sz="quarter" idx="12"/>
-          </p:nvPr>
-        </p:nvSpPr>
-        <p:spPr/>
+            <a:pPr>
+              <a:defRPr/>
+            </a:pPr>
+            <a:endParaRPr lang="en-US"/>
+          </a:p>
+        </p:txBody>
+      </p:sp>
+      <p:sp>
+        <p:nvSpPr>
+          <p:cNvPr id="9" name="Slide Number Placeholder 5" hidden="0"/>
+          <p:cNvSpPr>
+            <a:spLocks noGrp="1"/>
+          </p:cNvSpPr>
+          <p:nvPr isPhoto="0" userDrawn="0">
+            <p:ph type="sldNum" sz="quarter" idx="12" hasCustomPrompt="0"/>
+          </p:nvPr>
+        </p:nvSpPr>
+        <p:spPr bwMode="auto"/>
         <p:txBody>
           <a:bodyPr/>
           <a:lstStyle/>
           <a:p>
+            <a:pPr>
+              <a:defRPr/>
+            </a:pPr>
             <a:fld id="{6D22F896-40B5-4ADD-8801-0D06FADFA095}" type="slidenum">
-              <a:rPr lang="en-US" smtClean="0"/>
-              <a:t>‹Nº›</a:t>
+              <a:rPr lang="en-US"/>
+              <a:t/>
             </a:fld>
-            <a:endParaRPr lang="en-US" dirty="0"/>
+            <a:endParaRPr lang="en-US"/>
           </a:p>
         </p:txBody>
       </p:sp>
     </p:spTree>
-    <p:extLst>
-      <p:ext uri="{BB962C8B-B14F-4D97-AF65-F5344CB8AC3E}">
-        <p14:creationId xmlns:p14="http://schemas.microsoft.com/office/powerpoint/2010/main" val="4568849"/>
-      </p:ext>
-    </p:extLst>
   </p:cSld>
   <p:clrMapOvr>
     <a:masterClrMapping/>
@@ -3265,15 +3409,15 @@
 </file>
 
 <file path=ppt/slideLayouts/slideLayout3.xml><?xml version="1.0" encoding="utf-8"?>
-<p:sldLayout xmlns:a="http://schemas.openxmlformats.org/drawingml/2006/main" xmlns:r="http://schemas.openxmlformats.org/officeDocument/2006/relationships" xmlns:p="http://schemas.openxmlformats.org/presentationml/2006/main" type="secHead" preserve="1">
+<p:sldLayout xmlns:a="http://schemas.openxmlformats.org/drawingml/2006/main" xmlns:r="http://schemas.openxmlformats.org/officeDocument/2006/relationships" xmlns:p="http://schemas.openxmlformats.org/presentationml/2006/main" xmlns:m="http://schemas.openxmlformats.org/officeDocument/2006/math" xmlns:w="http://schemas.openxmlformats.org/wordprocessingml/2006/main" matchingName="" preserve="1" showMasterPhAnim="0" type="secHead" userDrawn="1">
   <p:cSld name="Encabezado de sección">
     <p:spTree>
       <p:nvGrpSpPr>
-        <p:cNvPr id="1" name=""/>
+        <p:cNvPr id="1" name="" hidden="0"/>
         <p:cNvGrpSpPr/>
-        <p:nvPr/>
+        <p:nvPr isPhoto="0" userDrawn="0"/>
       </p:nvGrpSpPr>
-      <p:grpSpPr>
+      <p:grpSpPr bwMode="auto">
         <a:xfrm>
           <a:off x="0" y="0"/>
           <a:ext cx="0" cy="0"/>
@@ -3283,15 +3427,15 @@
       </p:grpSpPr>
       <p:sp>
         <p:nvSpPr>
-          <p:cNvPr id="2" name="Title 1"/>
-          <p:cNvSpPr>
-            <a:spLocks noGrp="1"/>
-          </p:cNvSpPr>
-          <p:nvPr>
-            <p:ph type="title"/>
-          </p:nvPr>
-        </p:nvSpPr>
-        <p:spPr>
+          <p:cNvPr id="4" name="Title 1" hidden="0"/>
+          <p:cNvSpPr>
+            <a:spLocks noGrp="1"/>
+          </p:cNvSpPr>
+          <p:nvPr isPhoto="0" userDrawn="0">
+            <p:ph type="title" hasCustomPrompt="0"/>
+          </p:nvPr>
+        </p:nvSpPr>
+        <p:spPr bwMode="auto">
           <a:xfrm>
             <a:off x="2015069" y="1752606"/>
             <a:ext cx="8158688" cy="1822514"/>
@@ -3307,25 +3451,28 @@
             </a:lvl1pPr>
           </a:lstStyle>
           <a:p>
-            <a:r>
-              <a:rPr lang="es-ES" smtClean="0"/>
+            <a:pPr>
+              <a:defRPr/>
+            </a:pPr>
+            <a:r>
+              <a:rPr lang="es-ES"/>
               <a:t>Haga clic para modificar el estilo de título del patrón</a:t>
             </a:r>
-            <a:endParaRPr lang="en-US" dirty="0"/>
-          </a:p>
-        </p:txBody>
-      </p:sp>
-      <p:sp>
-        <p:nvSpPr>
-          <p:cNvPr id="3" name="Text Placeholder 2"/>
-          <p:cNvSpPr>
-            <a:spLocks noGrp="1"/>
-          </p:cNvSpPr>
-          <p:nvPr>
-            <p:ph type="body" idx="1"/>
-          </p:nvPr>
-        </p:nvSpPr>
-        <p:spPr>
+            <a:endParaRPr lang="en-US"/>
+          </a:p>
+        </p:txBody>
+      </p:sp>
+      <p:sp>
+        <p:nvSpPr>
+          <p:cNvPr id="5" name="Text Placeholder 2" hidden="0"/>
+          <p:cNvSpPr>
+            <a:spLocks noGrp="1"/>
+          </p:cNvSpPr>
+          <p:nvPr isPhoto="0" userDrawn="0">
+            <p:ph type="body" idx="1" hasCustomPrompt="0"/>
+          </p:nvPr>
+        </p:nvSpPr>
+        <p:spPr bwMode="auto">
           <a:xfrm>
             <a:off x="2015067" y="3846051"/>
             <a:ext cx="8158690" cy="954547"/>
@@ -3426,86 +3573,100 @@
             </a:lvl9pPr>
           </a:lstStyle>
           <a:p>
-            <a:pPr lvl="0"/>
-            <a:r>
-              <a:rPr lang="es-ES" smtClean="0"/>
+            <a:pPr lvl="0">
+              <a:defRPr/>
+            </a:pPr>
+            <a:r>
+              <a:rPr lang="es-ES"/>
               <a:t>Editar el estilo de texto del patrón</a:t>
             </a:r>
-          </a:p>
-        </p:txBody>
-      </p:sp>
-      <p:sp>
-        <p:nvSpPr>
-          <p:cNvPr id="4" name="Date Placeholder 3"/>
-          <p:cNvSpPr>
-            <a:spLocks noGrp="1"/>
-          </p:cNvSpPr>
-          <p:nvPr>
-            <p:ph type="dt" sz="half" idx="10"/>
-          </p:nvPr>
-        </p:nvSpPr>
-        <p:spPr/>
+            <a:endParaRPr/>
+          </a:p>
+        </p:txBody>
+      </p:sp>
+      <p:sp>
+        <p:nvSpPr>
+          <p:cNvPr id="6" name="Date Placeholder 3" hidden="0"/>
+          <p:cNvSpPr>
+            <a:spLocks noGrp="1"/>
+          </p:cNvSpPr>
+          <p:nvPr isPhoto="0" userDrawn="0">
+            <p:ph type="dt" sz="half" idx="10" hasCustomPrompt="0"/>
+          </p:nvPr>
+        </p:nvSpPr>
+        <p:spPr bwMode="auto"/>
         <p:txBody>
           <a:bodyPr/>
           <a:lstStyle/>
           <a:p>
+            <a:pPr>
+              <a:defRPr/>
+            </a:pPr>
             <a:fld id="{48A87A34-81AB-432B-8DAE-1953F412C126}" type="datetimeFigureOut">
-              <a:rPr lang="en-US" smtClean="0"/>
-              <a:t>2/28/2020</a:t>
+              <a:rPr lang="en-US"/>
+              <a:t/>
             </a:fld>
-            <a:endParaRPr lang="en-US" dirty="0"/>
-          </a:p>
-        </p:txBody>
-      </p:sp>
-      <p:sp>
-        <p:nvSpPr>
-          <p:cNvPr id="5" name="Footer Placeholder 4"/>
-          <p:cNvSpPr>
-            <a:spLocks noGrp="1"/>
-          </p:cNvSpPr>
-          <p:nvPr>
-            <p:ph type="ftr" sz="quarter" idx="11"/>
-          </p:nvPr>
-        </p:nvSpPr>
-        <p:spPr/>
+            <a:endParaRPr lang="en-US"/>
+          </a:p>
+        </p:txBody>
+      </p:sp>
+      <p:sp>
+        <p:nvSpPr>
+          <p:cNvPr id="7" name="Footer Placeholder 4" hidden="0"/>
+          <p:cNvSpPr>
+            <a:spLocks noGrp="1"/>
+          </p:cNvSpPr>
+          <p:nvPr isPhoto="0" userDrawn="0">
+            <p:ph type="ftr" sz="quarter" idx="11" hasCustomPrompt="0"/>
+          </p:nvPr>
+        </p:nvSpPr>
+        <p:spPr bwMode="auto"/>
         <p:txBody>
           <a:bodyPr/>
           <a:lstStyle/>
           <a:p>
-            <a:endParaRPr lang="en-US" dirty="0"/>
-          </a:p>
-        </p:txBody>
-      </p:sp>
-      <p:sp>
-        <p:nvSpPr>
-          <p:cNvPr id="6" name="Slide Number Placeholder 5"/>
-          <p:cNvSpPr>
-            <a:spLocks noGrp="1"/>
-          </p:cNvSpPr>
-          <p:nvPr>
-            <p:ph type="sldNum" sz="quarter" idx="12"/>
-          </p:nvPr>
-        </p:nvSpPr>
-        <p:spPr/>
+            <a:pPr>
+              <a:defRPr/>
+            </a:pPr>
+            <a:endParaRPr lang="en-US"/>
+          </a:p>
+        </p:txBody>
+      </p:sp>
+      <p:sp>
+        <p:nvSpPr>
+          <p:cNvPr id="8" name="Slide Number Placeholder 5" hidden="0"/>
+          <p:cNvSpPr>
+            <a:spLocks noGrp="1"/>
+          </p:cNvSpPr>
+          <p:nvPr isPhoto="0" userDrawn="0">
+            <p:ph type="sldNum" sz="quarter" idx="12" hasCustomPrompt="0"/>
+          </p:nvPr>
+        </p:nvSpPr>
+        <p:spPr bwMode="auto"/>
         <p:txBody>
           <a:bodyPr/>
           <a:lstStyle/>
           <a:p>
+            <a:pPr>
+              <a:defRPr/>
+            </a:pPr>
             <a:fld id="{6D22F896-40B5-4ADD-8801-0D06FADFA095}" type="slidenum">
-              <a:rPr lang="en-US" smtClean="0"/>
-              <a:t>‹Nº›</a:t>
+              <a:rPr lang="en-US"/>
+              <a:t/>
             </a:fld>
-            <a:endParaRPr lang="en-US" dirty="0"/>
+            <a:endParaRPr lang="en-US"/>
           </a:p>
         </p:txBody>
       </p:sp>
       <p:cxnSp>
         <p:nvCxnSpPr>
-          <p:cNvPr id="16" name="Straight Connector 15"/>
-          <p:cNvCxnSpPr/>
-          <p:nvPr/>
+          <p:cNvPr id="9" name="Straight Connector 15" hidden="0"/>
+          <p:cNvCxnSpPr>
+            <a:cxnSpLocks/>
+          </p:cNvCxnSpPr>
+          <p:nvPr isPhoto="0" userDrawn="0"/>
         </p:nvCxnSpPr>
-        <p:spPr>
+        <p:spPr bwMode="auto">
           <a:xfrm>
             <a:off x="2012723" y="3710585"/>
             <a:ext cx="8163380" cy="0"/>
@@ -3531,11 +3692,6 @@
         </p:style>
       </p:cxnSp>
     </p:spTree>
-    <p:extLst>
-      <p:ext uri="{BB962C8B-B14F-4D97-AF65-F5344CB8AC3E}">
-        <p14:creationId xmlns:p14="http://schemas.microsoft.com/office/powerpoint/2010/main" val="718378969"/>
-      </p:ext>
-    </p:extLst>
   </p:cSld>
   <p:clrMapOvr>
     <a:masterClrMapping/>
@@ -3544,15 +3700,15 @@
 </file>
 
 <file path=ppt/slideLayouts/slideLayout4.xml><?xml version="1.0" encoding="utf-8"?>
-<p:sldLayout xmlns:a="http://schemas.openxmlformats.org/drawingml/2006/main" xmlns:r="http://schemas.openxmlformats.org/officeDocument/2006/relationships" xmlns:p="http://schemas.openxmlformats.org/presentationml/2006/main" type="twoObj" preserve="1">
+<p:sldLayout xmlns:a="http://schemas.openxmlformats.org/drawingml/2006/main" xmlns:r="http://schemas.openxmlformats.org/officeDocument/2006/relationships" xmlns:p="http://schemas.openxmlformats.org/presentationml/2006/main" xmlns:m="http://schemas.openxmlformats.org/officeDocument/2006/math" xmlns:w="http://schemas.openxmlformats.org/wordprocessingml/2006/main" matchingName="" preserve="1" showMasterPhAnim="0" type="twoObj" userDrawn="1">
   <p:cSld name="Dos objetos">
     <p:spTree>
       <p:nvGrpSpPr>
-        <p:cNvPr id="1" name=""/>
+        <p:cNvPr id="1" name="" hidden="0"/>
         <p:cNvGrpSpPr/>
-        <p:nvPr/>
+        <p:nvPr isPhoto="0" userDrawn="0"/>
       </p:nvGrpSpPr>
-      <p:grpSpPr>
+      <p:grpSpPr bwMode="auto">
         <a:xfrm>
           <a:off x="0" y="0"/>
           <a:ext cx="0" cy="0"/>
@@ -3562,11 +3718,13 @@
       </p:grpSpPr>
       <p:cxnSp>
         <p:nvCxnSpPr>
-          <p:cNvPr id="8" name="Straight Connector 7"/>
-          <p:cNvCxnSpPr/>
-          <p:nvPr/>
+          <p:cNvPr id="4" name="Straight Connector 7" hidden="0"/>
+          <p:cNvCxnSpPr>
+            <a:cxnSpLocks/>
+          </p:cNvCxnSpPr>
+          <p:nvPr isPhoto="0" userDrawn="0"/>
         </p:nvCxnSpPr>
-        <p:spPr>
+        <p:spPr bwMode="auto">
           <a:xfrm>
             <a:off x="1396169" y="2421466"/>
             <a:ext cx="9407298" cy="0"/>
@@ -3593,41 +3751,44 @@
       </p:cxnSp>
       <p:sp>
         <p:nvSpPr>
-          <p:cNvPr id="2" name="Title 1"/>
-          <p:cNvSpPr>
-            <a:spLocks noGrp="1"/>
-          </p:cNvSpPr>
-          <p:nvPr>
-            <p:ph type="title"/>
-          </p:nvPr>
-        </p:nvSpPr>
-        <p:spPr/>
+          <p:cNvPr id="5" name="Title 1" hidden="0"/>
+          <p:cNvSpPr>
+            <a:spLocks noGrp="1"/>
+          </p:cNvSpPr>
+          <p:nvPr isPhoto="0" userDrawn="0">
+            <p:ph type="title" hasCustomPrompt="0"/>
+          </p:nvPr>
+        </p:nvSpPr>
+        <p:spPr bwMode="auto"/>
         <p:txBody>
           <a:bodyPr/>
           <a:lstStyle/>
           <a:p>
-            <a:r>
-              <a:rPr lang="es-ES" smtClean="0"/>
+            <a:pPr>
+              <a:defRPr/>
+            </a:pPr>
+            <a:r>
+              <a:rPr lang="es-ES"/>
               <a:t>Haga clic para modificar el estilo de título del patrón</a:t>
             </a:r>
-            <a:endParaRPr lang="en-US" dirty="0"/>
-          </a:p>
-        </p:txBody>
-      </p:sp>
-      <p:sp>
-        <p:nvSpPr>
-          <p:cNvPr id="3" name="Content Placeholder 2"/>
-          <p:cNvSpPr>
-            <a:spLocks noGrp="1"/>
-          </p:cNvSpPr>
-          <p:nvPr>
-            <p:ph sz="half" idx="1"/>
-          </p:nvPr>
-        </p:nvSpPr>
-        <p:spPr>
+            <a:endParaRPr lang="en-US"/>
+          </a:p>
+        </p:txBody>
+      </p:sp>
+      <p:sp>
+        <p:nvSpPr>
+          <p:cNvPr id="6" name="Content Placeholder 2" hidden="0"/>
+          <p:cNvSpPr>
+            <a:spLocks noGrp="1"/>
+          </p:cNvSpPr>
+          <p:nvPr isPhoto="0" userDrawn="0">
+            <p:ph sz="half" idx="1" hasCustomPrompt="0"/>
+          </p:nvPr>
+        </p:nvSpPr>
+        <p:spPr bwMode="auto">
           <a:xfrm>
             <a:off x="1298448" y="2560320"/>
-            <a:ext cx="4718304" cy="3310128"/>
+            <a:ext cx="4718304" cy="3310127"/>
           </a:xfrm>
         </p:spPr>
         <p:txBody>
@@ -3636,57 +3797,71 @@
           </a:bodyPr>
           <a:lstStyle/>
           <a:p>
-            <a:pPr lvl="0"/>
-            <a:r>
-              <a:rPr lang="es-ES" smtClean="0"/>
+            <a:pPr lvl="0">
+              <a:defRPr/>
+            </a:pPr>
+            <a:r>
+              <a:rPr lang="es-ES"/>
               <a:t>Editar el estilo de texto del patrón</a:t>
             </a:r>
-          </a:p>
-          <a:p>
-            <a:pPr lvl="1"/>
-            <a:r>
-              <a:rPr lang="es-ES" smtClean="0"/>
+            <a:endParaRPr/>
+          </a:p>
+          <a:p>
+            <a:pPr lvl="1">
+              <a:defRPr/>
+            </a:pPr>
+            <a:r>
+              <a:rPr lang="es-ES"/>
               <a:t>Segundo nivel</a:t>
             </a:r>
-          </a:p>
-          <a:p>
-            <a:pPr lvl="2"/>
-            <a:r>
-              <a:rPr lang="es-ES" smtClean="0"/>
+            <a:endParaRPr/>
+          </a:p>
+          <a:p>
+            <a:pPr lvl="2">
+              <a:defRPr/>
+            </a:pPr>
+            <a:r>
+              <a:rPr lang="es-ES"/>
               <a:t>Tercer nivel</a:t>
             </a:r>
-          </a:p>
-          <a:p>
-            <a:pPr lvl="3"/>
-            <a:r>
-              <a:rPr lang="es-ES" smtClean="0"/>
+            <a:endParaRPr/>
+          </a:p>
+          <a:p>
+            <a:pPr lvl="3">
+              <a:defRPr/>
+            </a:pPr>
+            <a:r>
+              <a:rPr lang="es-ES"/>
               <a:t>Cuarto nivel</a:t>
             </a:r>
-          </a:p>
-          <a:p>
-            <a:pPr lvl="4"/>
-            <a:r>
-              <a:rPr lang="es-ES" smtClean="0"/>
+            <a:endParaRPr/>
+          </a:p>
+          <a:p>
+            <a:pPr lvl="4">
+              <a:defRPr/>
+            </a:pPr>
+            <a:r>
+              <a:rPr lang="es-ES"/>
               <a:t>Quinto nivel</a:t>
             </a:r>
-            <a:endParaRPr lang="en-US" dirty="0"/>
-          </a:p>
-        </p:txBody>
-      </p:sp>
-      <p:sp>
-        <p:nvSpPr>
-          <p:cNvPr id="4" name="Content Placeholder 3"/>
-          <p:cNvSpPr>
-            <a:spLocks noGrp="1"/>
-          </p:cNvSpPr>
-          <p:nvPr>
-            <p:ph sz="half" idx="2"/>
-          </p:nvPr>
-        </p:nvSpPr>
-        <p:spPr>
+            <a:endParaRPr lang="en-US"/>
+          </a:p>
+        </p:txBody>
+      </p:sp>
+      <p:sp>
+        <p:nvSpPr>
+          <p:cNvPr id="7" name="Content Placeholder 3" hidden="0"/>
+          <p:cNvSpPr>
+            <a:spLocks noGrp="1"/>
+          </p:cNvSpPr>
+          <p:nvPr isPhoto="0" userDrawn="0">
+            <p:ph sz="half" idx="2" hasCustomPrompt="0"/>
+          </p:nvPr>
+        </p:nvSpPr>
+        <p:spPr bwMode="auto">
           <a:xfrm>
             <a:off x="6181344" y="2560320"/>
-            <a:ext cx="4718304" cy="3310128"/>
+            <a:ext cx="4718304" cy="3310127"/>
           </a:xfrm>
         </p:spPr>
         <p:txBody>
@@ -3695,114 +3870,132 @@
           </a:bodyPr>
           <a:lstStyle/>
           <a:p>
-            <a:pPr lvl="0"/>
-            <a:r>
-              <a:rPr lang="es-ES" smtClean="0"/>
+            <a:pPr lvl="0">
+              <a:defRPr/>
+            </a:pPr>
+            <a:r>
+              <a:rPr lang="es-ES"/>
               <a:t>Editar el estilo de texto del patrón</a:t>
             </a:r>
-          </a:p>
-          <a:p>
-            <a:pPr lvl="1"/>
-            <a:r>
-              <a:rPr lang="es-ES" smtClean="0"/>
+            <a:endParaRPr/>
+          </a:p>
+          <a:p>
+            <a:pPr lvl="1">
+              <a:defRPr/>
+            </a:pPr>
+            <a:r>
+              <a:rPr lang="es-ES"/>
               <a:t>Segundo nivel</a:t>
             </a:r>
-          </a:p>
-          <a:p>
-            <a:pPr lvl="2"/>
-            <a:r>
-              <a:rPr lang="es-ES" smtClean="0"/>
+            <a:endParaRPr/>
+          </a:p>
+          <a:p>
+            <a:pPr lvl="2">
+              <a:defRPr/>
+            </a:pPr>
+            <a:r>
+              <a:rPr lang="es-ES"/>
               <a:t>Tercer nivel</a:t>
             </a:r>
-          </a:p>
-          <a:p>
-            <a:pPr lvl="3"/>
-            <a:r>
-              <a:rPr lang="es-ES" smtClean="0"/>
+            <a:endParaRPr/>
+          </a:p>
+          <a:p>
+            <a:pPr lvl="3">
+              <a:defRPr/>
+            </a:pPr>
+            <a:r>
+              <a:rPr lang="es-ES"/>
               <a:t>Cuarto nivel</a:t>
             </a:r>
-          </a:p>
-          <a:p>
-            <a:pPr lvl="4"/>
-            <a:r>
-              <a:rPr lang="es-ES" smtClean="0"/>
+            <a:endParaRPr/>
+          </a:p>
+          <a:p>
+            <a:pPr lvl="4">
+              <a:defRPr/>
+            </a:pPr>
+            <a:r>
+              <a:rPr lang="es-ES"/>
               <a:t>Quinto nivel</a:t>
             </a:r>
-            <a:endParaRPr lang="en-US" dirty="0"/>
-          </a:p>
-        </p:txBody>
-      </p:sp>
-      <p:sp>
-        <p:nvSpPr>
-          <p:cNvPr id="5" name="Date Placeholder 4"/>
-          <p:cNvSpPr>
-            <a:spLocks noGrp="1"/>
-          </p:cNvSpPr>
-          <p:nvPr>
-            <p:ph type="dt" sz="half" idx="10"/>
-          </p:nvPr>
-        </p:nvSpPr>
-        <p:spPr/>
+            <a:endParaRPr lang="en-US"/>
+          </a:p>
+        </p:txBody>
+      </p:sp>
+      <p:sp>
+        <p:nvSpPr>
+          <p:cNvPr id="8" name="Date Placeholder 4" hidden="0"/>
+          <p:cNvSpPr>
+            <a:spLocks noGrp="1"/>
+          </p:cNvSpPr>
+          <p:nvPr isPhoto="0" userDrawn="0">
+            <p:ph type="dt" sz="half" idx="10" hasCustomPrompt="0"/>
+          </p:nvPr>
+        </p:nvSpPr>
+        <p:spPr bwMode="auto"/>
         <p:txBody>
           <a:bodyPr/>
           <a:lstStyle/>
           <a:p>
+            <a:pPr>
+              <a:defRPr/>
+            </a:pPr>
             <a:fld id="{48A87A34-81AB-432B-8DAE-1953F412C126}" type="datetimeFigureOut">
-              <a:rPr lang="en-US" smtClean="0"/>
-              <a:t>2/28/2020</a:t>
+              <a:rPr lang="en-US"/>
+              <a:t/>
             </a:fld>
-            <a:endParaRPr lang="en-US" dirty="0"/>
-          </a:p>
-        </p:txBody>
-      </p:sp>
-      <p:sp>
-        <p:nvSpPr>
-          <p:cNvPr id="6" name="Footer Placeholder 5"/>
-          <p:cNvSpPr>
-            <a:spLocks noGrp="1"/>
-          </p:cNvSpPr>
-          <p:nvPr>
-            <p:ph type="ftr" sz="quarter" idx="11"/>
-          </p:nvPr>
-        </p:nvSpPr>
-        <p:spPr/>
+            <a:endParaRPr lang="en-US"/>
+          </a:p>
+        </p:txBody>
+      </p:sp>
+      <p:sp>
+        <p:nvSpPr>
+          <p:cNvPr id="9" name="Footer Placeholder 5" hidden="0"/>
+          <p:cNvSpPr>
+            <a:spLocks noGrp="1"/>
+          </p:cNvSpPr>
+          <p:nvPr isPhoto="0" userDrawn="0">
+            <p:ph type="ftr" sz="quarter" idx="11" hasCustomPrompt="0"/>
+          </p:nvPr>
+        </p:nvSpPr>
+        <p:spPr bwMode="auto"/>
         <p:txBody>
           <a:bodyPr/>
           <a:lstStyle/>
           <a:p>
-            <a:endParaRPr lang="en-US" dirty="0"/>
-          </a:p>
-        </p:txBody>
-      </p:sp>
-      <p:sp>
-        <p:nvSpPr>
-          <p:cNvPr id="7" name="Slide Number Placeholder 6"/>
-          <p:cNvSpPr>
-            <a:spLocks noGrp="1"/>
-          </p:cNvSpPr>
-          <p:nvPr>
-            <p:ph type="sldNum" sz="quarter" idx="12"/>
-          </p:nvPr>
-        </p:nvSpPr>
-        <p:spPr/>
+            <a:pPr>
+              <a:defRPr/>
+            </a:pPr>
+            <a:endParaRPr lang="en-US"/>
+          </a:p>
+        </p:txBody>
+      </p:sp>
+      <p:sp>
+        <p:nvSpPr>
+          <p:cNvPr id="10" name="Slide Number Placeholder 6" hidden="0"/>
+          <p:cNvSpPr>
+            <a:spLocks noGrp="1"/>
+          </p:cNvSpPr>
+          <p:nvPr isPhoto="0" userDrawn="0">
+            <p:ph type="sldNum" sz="quarter" idx="12" hasCustomPrompt="0"/>
+          </p:nvPr>
+        </p:nvSpPr>
+        <p:spPr bwMode="auto"/>
         <p:txBody>
           <a:bodyPr/>
           <a:lstStyle/>
           <a:p>
+            <a:pPr>
+              <a:defRPr/>
+            </a:pPr>
             <a:fld id="{6D22F896-40B5-4ADD-8801-0D06FADFA095}" type="slidenum">
-              <a:rPr lang="en-US" smtClean="0"/>
-              <a:t>‹Nº›</a:t>
+              <a:rPr lang="en-US"/>
+              <a:t/>
             </a:fld>
-            <a:endParaRPr lang="en-US" dirty="0"/>
+            <a:endParaRPr lang="en-US"/>
           </a:p>
         </p:txBody>
       </p:sp>
     </p:spTree>
-    <p:extLst>
-      <p:ext uri="{BB962C8B-B14F-4D97-AF65-F5344CB8AC3E}">
-        <p14:creationId xmlns:p14="http://schemas.microsoft.com/office/powerpoint/2010/main" val="2254850046"/>
-      </p:ext>
-    </p:extLst>
   </p:cSld>
   <p:clrMapOvr>
     <a:masterClrMapping/>
@@ -3811,15 +4004,15 @@
 </file>
 
 <file path=ppt/slideLayouts/slideLayout5.xml><?xml version="1.0" encoding="utf-8"?>
-<p:sldLayout xmlns:a="http://schemas.openxmlformats.org/drawingml/2006/main" xmlns:r="http://schemas.openxmlformats.org/officeDocument/2006/relationships" xmlns:p="http://schemas.openxmlformats.org/presentationml/2006/main" type="twoTxTwoObj" preserve="1">
+<p:sldLayout xmlns:a="http://schemas.openxmlformats.org/drawingml/2006/main" xmlns:r="http://schemas.openxmlformats.org/officeDocument/2006/relationships" xmlns:p="http://schemas.openxmlformats.org/presentationml/2006/main" xmlns:m="http://schemas.openxmlformats.org/officeDocument/2006/math" xmlns:w="http://schemas.openxmlformats.org/wordprocessingml/2006/main" matchingName="" preserve="1" showMasterPhAnim="0" type="twoTxTwoObj" userDrawn="1">
   <p:cSld name="Comparación">
     <p:spTree>
       <p:nvGrpSpPr>
-        <p:cNvPr id="1" name=""/>
+        <p:cNvPr id="1" name="" hidden="0"/>
         <p:cNvGrpSpPr/>
-        <p:nvPr/>
+        <p:nvPr isPhoto="0" userDrawn="0"/>
       </p:nvGrpSpPr>
-      <p:grpSpPr>
+      <p:grpSpPr bwMode="auto">
         <a:xfrm>
           <a:off x="0" y="0"/>
           <a:ext cx="0" cy="0"/>
@@ -3829,15 +4022,15 @@
       </p:grpSpPr>
       <p:sp>
         <p:nvSpPr>
-          <p:cNvPr id="2" name="Title 1"/>
-          <p:cNvSpPr>
-            <a:spLocks noGrp="1"/>
-          </p:cNvSpPr>
-          <p:nvPr>
-            <p:ph type="title"/>
-          </p:nvPr>
-        </p:nvSpPr>
-        <p:spPr/>
+          <p:cNvPr id="4" name="Title 1" hidden="0"/>
+          <p:cNvSpPr>
+            <a:spLocks noGrp="1"/>
+          </p:cNvSpPr>
+          <p:nvPr isPhoto="0" userDrawn="0">
+            <p:ph type="title" hasCustomPrompt="0"/>
+          </p:nvPr>
+        </p:nvSpPr>
+        <p:spPr bwMode="auto"/>
         <p:txBody>
           <a:bodyPr/>
           <a:lstStyle>
@@ -3846,25 +4039,28 @@
             </a:lvl1pPr>
           </a:lstStyle>
           <a:p>
-            <a:r>
-              <a:rPr lang="es-ES" smtClean="0"/>
+            <a:pPr>
+              <a:defRPr/>
+            </a:pPr>
+            <a:r>
+              <a:rPr lang="es-ES"/>
               <a:t>Haga clic para modificar el estilo de título del patrón</a:t>
             </a:r>
-            <a:endParaRPr lang="en-US" dirty="0"/>
-          </a:p>
-        </p:txBody>
-      </p:sp>
-      <p:sp>
-        <p:nvSpPr>
-          <p:cNvPr id="3" name="Text Placeholder 2"/>
-          <p:cNvSpPr>
-            <a:spLocks noGrp="1"/>
-          </p:cNvSpPr>
-          <p:nvPr>
-            <p:ph type="body" idx="1"/>
-          </p:nvPr>
-        </p:nvSpPr>
-        <p:spPr>
+            <a:endParaRPr lang="en-US"/>
+          </a:p>
+        </p:txBody>
+      </p:sp>
+      <p:sp>
+        <p:nvSpPr>
+          <p:cNvPr id="5" name="Text Placeholder 2" hidden="0"/>
+          <p:cNvSpPr>
+            <a:spLocks noGrp="1"/>
+          </p:cNvSpPr>
+          <p:nvPr isPhoto="0" userDrawn="0">
+            <p:ph type="body" idx="1" hasCustomPrompt="0"/>
+          </p:nvPr>
+        </p:nvSpPr>
+        <p:spPr bwMode="auto">
           <a:xfrm>
             <a:off x="1295400" y="2658533"/>
             <a:ext cx="4718304" cy="576262"/>
@@ -3923,25 +4119,28 @@
             </a:lvl9pPr>
           </a:lstStyle>
           <a:p>
-            <a:pPr lvl="0"/>
-            <a:r>
-              <a:rPr lang="es-ES" smtClean="0"/>
+            <a:pPr lvl="0">
+              <a:defRPr/>
+            </a:pPr>
+            <a:r>
+              <a:rPr lang="es-ES"/>
               <a:t>Editar el estilo de texto del patrón</a:t>
             </a:r>
-          </a:p>
-        </p:txBody>
-      </p:sp>
-      <p:sp>
-        <p:nvSpPr>
-          <p:cNvPr id="4" name="Content Placeholder 3"/>
-          <p:cNvSpPr>
-            <a:spLocks noGrp="1"/>
-          </p:cNvSpPr>
-          <p:nvPr>
-            <p:ph sz="half" idx="2"/>
-          </p:nvPr>
-        </p:nvSpPr>
-        <p:spPr>
+            <a:endParaRPr/>
+          </a:p>
+        </p:txBody>
+      </p:sp>
+      <p:sp>
+        <p:nvSpPr>
+          <p:cNvPr id="6" name="Content Placeholder 3" hidden="0"/>
+          <p:cNvSpPr>
+            <a:spLocks noGrp="1"/>
+          </p:cNvSpPr>
+          <p:nvPr isPhoto="0" userDrawn="0">
+            <p:ph sz="half" idx="2" hasCustomPrompt="0"/>
+          </p:nvPr>
+        </p:nvSpPr>
+        <p:spPr bwMode="auto">
           <a:xfrm>
             <a:off x="1295400" y="3243262"/>
             <a:ext cx="4718304" cy="2632605"/>
@@ -3953,54 +4152,68 @@
           </a:bodyPr>
           <a:lstStyle/>
           <a:p>
-            <a:pPr lvl="0"/>
-            <a:r>
-              <a:rPr lang="es-ES" smtClean="0"/>
+            <a:pPr lvl="0">
+              <a:defRPr/>
+            </a:pPr>
+            <a:r>
+              <a:rPr lang="es-ES"/>
               <a:t>Editar el estilo de texto del patrón</a:t>
             </a:r>
-          </a:p>
-          <a:p>
-            <a:pPr lvl="1"/>
-            <a:r>
-              <a:rPr lang="es-ES" smtClean="0"/>
+            <a:endParaRPr/>
+          </a:p>
+          <a:p>
+            <a:pPr lvl="1">
+              <a:defRPr/>
+            </a:pPr>
+            <a:r>
+              <a:rPr lang="es-ES"/>
               <a:t>Segundo nivel</a:t>
             </a:r>
-          </a:p>
-          <a:p>
-            <a:pPr lvl="2"/>
-            <a:r>
-              <a:rPr lang="es-ES" smtClean="0"/>
+            <a:endParaRPr/>
+          </a:p>
+          <a:p>
+            <a:pPr lvl="2">
+              <a:defRPr/>
+            </a:pPr>
+            <a:r>
+              <a:rPr lang="es-ES"/>
               <a:t>Tercer nivel</a:t>
             </a:r>
-          </a:p>
-          <a:p>
-            <a:pPr lvl="3"/>
-            <a:r>
-              <a:rPr lang="es-ES" smtClean="0"/>
+            <a:endParaRPr/>
+          </a:p>
+          <a:p>
+            <a:pPr lvl="3">
+              <a:defRPr/>
+            </a:pPr>
+            <a:r>
+              <a:rPr lang="es-ES"/>
               <a:t>Cuarto nivel</a:t>
             </a:r>
-          </a:p>
-          <a:p>
-            <a:pPr lvl="4"/>
-            <a:r>
-              <a:rPr lang="es-ES" smtClean="0"/>
+            <a:endParaRPr/>
+          </a:p>
+          <a:p>
+            <a:pPr lvl="4">
+              <a:defRPr/>
+            </a:pPr>
+            <a:r>
+              <a:rPr lang="es-ES"/>
               <a:t>Quinto nivel</a:t>
             </a:r>
-            <a:endParaRPr lang="en-US" dirty="0"/>
-          </a:p>
-        </p:txBody>
-      </p:sp>
-      <p:sp>
-        <p:nvSpPr>
-          <p:cNvPr id="5" name="Text Placeholder 4"/>
-          <p:cNvSpPr>
-            <a:spLocks noGrp="1"/>
-          </p:cNvSpPr>
-          <p:nvPr>
-            <p:ph type="body" sz="quarter" idx="3"/>
-          </p:nvPr>
-        </p:nvSpPr>
-        <p:spPr>
+            <a:endParaRPr lang="en-US"/>
+          </a:p>
+        </p:txBody>
+      </p:sp>
+      <p:sp>
+        <p:nvSpPr>
+          <p:cNvPr id="7" name="Text Placeholder 4" hidden="0"/>
+          <p:cNvSpPr>
+            <a:spLocks noGrp="1"/>
+          </p:cNvSpPr>
+          <p:nvPr isPhoto="0" userDrawn="0">
+            <p:ph type="body" sz="quarter" idx="3" hasCustomPrompt="0"/>
+          </p:nvPr>
+        </p:nvSpPr>
+        <p:spPr bwMode="auto">
           <a:xfrm>
             <a:off x="6180670" y="2658533"/>
             <a:ext cx="4718304" cy="576262"/>
@@ -4059,25 +4272,28 @@
             </a:lvl9pPr>
           </a:lstStyle>
           <a:p>
-            <a:pPr lvl="0"/>
-            <a:r>
-              <a:rPr lang="es-ES" smtClean="0"/>
+            <a:pPr lvl="0">
+              <a:defRPr/>
+            </a:pPr>
+            <a:r>
+              <a:rPr lang="es-ES"/>
               <a:t>Editar el estilo de texto del patrón</a:t>
             </a:r>
-          </a:p>
-        </p:txBody>
-      </p:sp>
-      <p:sp>
-        <p:nvSpPr>
-          <p:cNvPr id="6" name="Content Placeholder 5"/>
-          <p:cNvSpPr>
-            <a:spLocks noGrp="1"/>
-          </p:cNvSpPr>
-          <p:nvPr>
-            <p:ph sz="quarter" idx="4"/>
-          </p:nvPr>
-        </p:nvSpPr>
-        <p:spPr>
+            <a:endParaRPr/>
+          </a:p>
+        </p:txBody>
+      </p:sp>
+      <p:sp>
+        <p:nvSpPr>
+          <p:cNvPr id="8" name="Content Placeholder 5" hidden="0"/>
+          <p:cNvSpPr>
+            <a:spLocks noGrp="1"/>
+          </p:cNvSpPr>
+          <p:nvPr isPhoto="0" userDrawn="0">
+            <p:ph sz="quarter" idx="4" hasCustomPrompt="0"/>
+          </p:nvPr>
+        </p:nvSpPr>
+        <p:spPr bwMode="auto">
           <a:xfrm>
             <a:off x="6180670" y="3243262"/>
             <a:ext cx="4718304" cy="2632605"/>
@@ -4089,115 +4305,140 @@
           </a:bodyPr>
           <a:lstStyle/>
           <a:p>
-            <a:pPr lvl="0"/>
-            <a:r>
-              <a:rPr lang="es-ES" smtClean="0"/>
+            <a:pPr lvl="0">
+              <a:defRPr/>
+            </a:pPr>
+            <a:r>
+              <a:rPr lang="es-ES"/>
               <a:t>Editar el estilo de texto del patrón</a:t>
             </a:r>
-          </a:p>
-          <a:p>
-            <a:pPr lvl="1"/>
-            <a:r>
-              <a:rPr lang="es-ES" smtClean="0"/>
+            <a:endParaRPr/>
+          </a:p>
+          <a:p>
+            <a:pPr lvl="1">
+              <a:defRPr/>
+            </a:pPr>
+            <a:r>
+              <a:rPr lang="es-ES"/>
               <a:t>Segundo nivel</a:t>
             </a:r>
-          </a:p>
-          <a:p>
-            <a:pPr lvl="2"/>
-            <a:r>
-              <a:rPr lang="es-ES" smtClean="0"/>
+            <a:endParaRPr/>
+          </a:p>
+          <a:p>
+            <a:pPr lvl="2">
+              <a:defRPr/>
+            </a:pPr>
+            <a:r>
+              <a:rPr lang="es-ES"/>
               <a:t>Tercer nivel</a:t>
             </a:r>
-          </a:p>
-          <a:p>
-            <a:pPr lvl="3"/>
-            <a:r>
-              <a:rPr lang="es-ES" smtClean="0"/>
+            <a:endParaRPr/>
+          </a:p>
+          <a:p>
+            <a:pPr lvl="3">
+              <a:defRPr/>
+            </a:pPr>
+            <a:r>
+              <a:rPr lang="es-ES"/>
               <a:t>Cuarto nivel</a:t>
             </a:r>
-          </a:p>
-          <a:p>
-            <a:pPr lvl="4"/>
-            <a:r>
-              <a:rPr lang="es-ES" smtClean="0"/>
+            <a:endParaRPr/>
+          </a:p>
+          <a:p>
+            <a:pPr lvl="4">
+              <a:defRPr/>
+            </a:pPr>
+            <a:r>
+              <a:rPr lang="es-ES"/>
               <a:t>Quinto nivel</a:t>
             </a:r>
-            <a:endParaRPr lang="en-US" dirty="0"/>
-          </a:p>
-        </p:txBody>
-      </p:sp>
-      <p:sp>
-        <p:nvSpPr>
-          <p:cNvPr id="7" name="Date Placeholder 6"/>
-          <p:cNvSpPr>
-            <a:spLocks noGrp="1"/>
-          </p:cNvSpPr>
-          <p:nvPr>
-            <p:ph type="dt" sz="half" idx="10"/>
-          </p:nvPr>
-        </p:nvSpPr>
-        <p:spPr/>
+            <a:endParaRPr lang="en-US"/>
+          </a:p>
+        </p:txBody>
+      </p:sp>
+      <p:sp>
+        <p:nvSpPr>
+          <p:cNvPr id="9" name="Date Placeholder 6" hidden="0"/>
+          <p:cNvSpPr>
+            <a:spLocks noGrp="1"/>
+          </p:cNvSpPr>
+          <p:nvPr isPhoto="0" userDrawn="0">
+            <p:ph type="dt" sz="half" idx="10" hasCustomPrompt="0"/>
+          </p:nvPr>
+        </p:nvSpPr>
+        <p:spPr bwMode="auto"/>
         <p:txBody>
           <a:bodyPr/>
           <a:lstStyle/>
           <a:p>
+            <a:pPr>
+              <a:defRPr/>
+            </a:pPr>
             <a:fld id="{48A87A34-81AB-432B-8DAE-1953F412C126}" type="datetimeFigureOut">
-              <a:rPr lang="en-US" smtClean="0"/>
-              <a:t>2/28/2020</a:t>
+              <a:rPr lang="en-US"/>
+              <a:t/>
             </a:fld>
-            <a:endParaRPr lang="en-US" dirty="0"/>
-          </a:p>
-        </p:txBody>
-      </p:sp>
-      <p:sp>
-        <p:nvSpPr>
-          <p:cNvPr id="8" name="Footer Placeholder 7"/>
-          <p:cNvSpPr>
-            <a:spLocks noGrp="1"/>
-          </p:cNvSpPr>
-          <p:nvPr>
-            <p:ph type="ftr" sz="quarter" idx="11"/>
-          </p:nvPr>
-        </p:nvSpPr>
-        <p:spPr/>
+            <a:endParaRPr lang="en-US"/>
+          </a:p>
+        </p:txBody>
+      </p:sp>
+      <p:sp>
+        <p:nvSpPr>
+          <p:cNvPr id="10" name="Footer Placeholder 7" hidden="0"/>
+          <p:cNvSpPr>
+            <a:spLocks noGrp="1"/>
+          </p:cNvSpPr>
+          <p:nvPr isPhoto="0" userDrawn="0">
+            <p:ph type="ftr" sz="quarter" idx="11" hasCustomPrompt="0"/>
+          </p:nvPr>
+        </p:nvSpPr>
+        <p:spPr bwMode="auto"/>
         <p:txBody>
           <a:bodyPr/>
           <a:lstStyle/>
           <a:p>
-            <a:endParaRPr lang="en-US" dirty="0"/>
-          </a:p>
-        </p:txBody>
-      </p:sp>
-      <p:sp>
-        <p:nvSpPr>
-          <p:cNvPr id="9" name="Slide Number Placeholder 8"/>
-          <p:cNvSpPr>
-            <a:spLocks noGrp="1"/>
-          </p:cNvSpPr>
-          <p:nvPr>
-            <p:ph type="sldNum" sz="quarter" idx="12"/>
-          </p:nvPr>
-        </p:nvSpPr>
-        <p:spPr/>
+            <a:pPr>
+              <a:defRPr/>
+            </a:pPr>
+            <a:endParaRPr lang="en-US"/>
+          </a:p>
+        </p:txBody>
+      </p:sp>
+      <p:sp>
+        <p:nvSpPr>
+          <p:cNvPr id="11" name="Slide Number Placeholder 8" hidden="0"/>
+          <p:cNvSpPr>
+            <a:spLocks noGrp="1"/>
+          </p:cNvSpPr>
+          <p:nvPr isPhoto="0" userDrawn="0">
+            <p:ph type="sldNum" sz="quarter" idx="12" hasCustomPrompt="0"/>
+          </p:nvPr>
+        </p:nvSpPr>
+        <p:spPr bwMode="auto"/>
         <p:txBody>
           <a:bodyPr/>
           <a:lstStyle/>
           <a:p>
+            <a:pPr>
+              <a:defRPr/>
+            </a:pPr>
             <a:fld id="{6D22F896-40B5-4ADD-8801-0D06FADFA095}" type="slidenum">
-              <a:rPr lang="en-US" smtClean="0"/>
-              <a:t>‹Nº›</a:t>
+              <a:rPr lang="en-US"/>
+              <a:t/>
             </a:fld>
-            <a:endParaRPr lang="en-US" dirty="0"/>
+            <a:endParaRPr lang="en-US"/>
           </a:p>
         </p:txBody>
       </p:sp>
       <p:cxnSp>
         <p:nvCxnSpPr>
-          <p:cNvPr id="18" name="Straight Connector 17"/>
-          <p:cNvCxnSpPr/>
-          <p:nvPr/>
+          <p:cNvPr id="12" name="Straight Connector 17" hidden="0"/>
+          <p:cNvCxnSpPr>
+            <a:cxnSpLocks/>
+          </p:cNvCxnSpPr>
+          <p:nvPr isPhoto="0" userDrawn="0"/>
         </p:nvCxnSpPr>
-        <p:spPr>
+        <p:spPr bwMode="auto">
           <a:xfrm>
             <a:off x="1396169" y="2421466"/>
             <a:ext cx="9407298" cy="0"/>
@@ -4223,11 +4464,6 @@
         </p:style>
       </p:cxnSp>
     </p:spTree>
-    <p:extLst>
-      <p:ext uri="{BB962C8B-B14F-4D97-AF65-F5344CB8AC3E}">
-        <p14:creationId xmlns:p14="http://schemas.microsoft.com/office/powerpoint/2010/main" val="4101516514"/>
-      </p:ext>
-    </p:extLst>
   </p:cSld>
   <p:clrMapOvr>
     <a:masterClrMapping/>
@@ -4236,15 +4472,15 @@
 </file>
 
 <file path=ppt/slideLayouts/slideLayout6.xml><?xml version="1.0" encoding="utf-8"?>
-<p:sldLayout xmlns:a="http://schemas.openxmlformats.org/drawingml/2006/main" xmlns:r="http://schemas.openxmlformats.org/officeDocument/2006/relationships" xmlns:p="http://schemas.openxmlformats.org/presentationml/2006/main" type="titleOnly" preserve="1">
+<p:sldLayout xmlns:a="http://schemas.openxmlformats.org/drawingml/2006/main" xmlns:r="http://schemas.openxmlformats.org/officeDocument/2006/relationships" xmlns:p="http://schemas.openxmlformats.org/presentationml/2006/main" xmlns:m="http://schemas.openxmlformats.org/officeDocument/2006/math" xmlns:w="http://schemas.openxmlformats.org/wordprocessingml/2006/main" matchingName="" preserve="1" showMasterPhAnim="0" type="titleOnly" userDrawn="1">
   <p:cSld name="Solo el título">
     <p:spTree>
       <p:nvGrpSpPr>
-        <p:cNvPr id="1" name=""/>
+        <p:cNvPr id="1" name="" hidden="0"/>
         <p:cNvGrpSpPr/>
-        <p:nvPr/>
+        <p:nvPr isPhoto="0" userDrawn="0"/>
       </p:nvGrpSpPr>
-      <p:grpSpPr>
+      <p:grpSpPr bwMode="auto">
         <a:xfrm>
           <a:off x="0" y="0"/>
           <a:ext cx="0" cy="0"/>
@@ -4254,99 +4490,113 @@
       </p:grpSpPr>
       <p:sp>
         <p:nvSpPr>
-          <p:cNvPr id="2" name="Title 1"/>
-          <p:cNvSpPr>
-            <a:spLocks noGrp="1"/>
-          </p:cNvSpPr>
-          <p:nvPr>
-            <p:ph type="title"/>
-          </p:nvPr>
-        </p:nvSpPr>
-        <p:spPr/>
+          <p:cNvPr id="4" name="Title 1" hidden="0"/>
+          <p:cNvSpPr>
+            <a:spLocks noGrp="1"/>
+          </p:cNvSpPr>
+          <p:nvPr isPhoto="0" userDrawn="0">
+            <p:ph type="title" hasCustomPrompt="0"/>
+          </p:nvPr>
+        </p:nvSpPr>
+        <p:spPr bwMode="auto"/>
         <p:txBody>
           <a:bodyPr/>
           <a:lstStyle/>
           <a:p>
-            <a:r>
-              <a:rPr lang="es-ES" smtClean="0"/>
+            <a:pPr>
+              <a:defRPr/>
+            </a:pPr>
+            <a:r>
+              <a:rPr lang="es-ES"/>
               <a:t>Haga clic para modificar el estilo de título del patrón</a:t>
             </a:r>
-            <a:endParaRPr lang="en-US" dirty="0"/>
-          </a:p>
-        </p:txBody>
-      </p:sp>
-      <p:sp>
-        <p:nvSpPr>
-          <p:cNvPr id="3" name="Date Placeholder 2"/>
-          <p:cNvSpPr>
-            <a:spLocks noGrp="1"/>
-          </p:cNvSpPr>
-          <p:nvPr>
-            <p:ph type="dt" sz="half" idx="10"/>
-          </p:nvPr>
-        </p:nvSpPr>
-        <p:spPr/>
+            <a:endParaRPr lang="en-US"/>
+          </a:p>
+        </p:txBody>
+      </p:sp>
+      <p:sp>
+        <p:nvSpPr>
+          <p:cNvPr id="5" name="Date Placeholder 2" hidden="0"/>
+          <p:cNvSpPr>
+            <a:spLocks noGrp="1"/>
+          </p:cNvSpPr>
+          <p:nvPr isPhoto="0" userDrawn="0">
+            <p:ph type="dt" sz="half" idx="10" hasCustomPrompt="0"/>
+          </p:nvPr>
+        </p:nvSpPr>
+        <p:spPr bwMode="auto"/>
         <p:txBody>
           <a:bodyPr/>
           <a:lstStyle/>
           <a:p>
+            <a:pPr>
+              <a:defRPr/>
+            </a:pPr>
             <a:fld id="{48A87A34-81AB-432B-8DAE-1953F412C126}" type="datetimeFigureOut">
-              <a:rPr lang="en-US" smtClean="0"/>
-              <a:t>2/28/2020</a:t>
+              <a:rPr lang="en-US"/>
+              <a:t/>
             </a:fld>
-            <a:endParaRPr lang="en-US" dirty="0"/>
-          </a:p>
-        </p:txBody>
-      </p:sp>
-      <p:sp>
-        <p:nvSpPr>
-          <p:cNvPr id="4" name="Footer Placeholder 3"/>
-          <p:cNvSpPr>
-            <a:spLocks noGrp="1"/>
-          </p:cNvSpPr>
-          <p:nvPr>
-            <p:ph type="ftr" sz="quarter" idx="11"/>
-          </p:nvPr>
-        </p:nvSpPr>
-        <p:spPr/>
+            <a:endParaRPr lang="en-US"/>
+          </a:p>
+        </p:txBody>
+      </p:sp>
+      <p:sp>
+        <p:nvSpPr>
+          <p:cNvPr id="6" name="Footer Placeholder 3" hidden="0"/>
+          <p:cNvSpPr>
+            <a:spLocks noGrp="1"/>
+          </p:cNvSpPr>
+          <p:nvPr isPhoto="0" userDrawn="0">
+            <p:ph type="ftr" sz="quarter" idx="11" hasCustomPrompt="0"/>
+          </p:nvPr>
+        </p:nvSpPr>
+        <p:spPr bwMode="auto"/>
         <p:txBody>
           <a:bodyPr/>
           <a:lstStyle/>
           <a:p>
-            <a:endParaRPr lang="en-US" dirty="0"/>
-          </a:p>
-        </p:txBody>
-      </p:sp>
-      <p:sp>
-        <p:nvSpPr>
-          <p:cNvPr id="5" name="Slide Number Placeholder 4"/>
-          <p:cNvSpPr>
-            <a:spLocks noGrp="1"/>
-          </p:cNvSpPr>
-          <p:nvPr>
-            <p:ph type="sldNum" sz="quarter" idx="12"/>
-          </p:nvPr>
-        </p:nvSpPr>
-        <p:spPr/>
+            <a:pPr>
+              <a:defRPr/>
+            </a:pPr>
+            <a:endParaRPr lang="en-US"/>
+          </a:p>
+        </p:txBody>
+      </p:sp>
+      <p:sp>
+        <p:nvSpPr>
+          <p:cNvPr id="7" name="Slide Number Placeholder 4" hidden="0"/>
+          <p:cNvSpPr>
+            <a:spLocks noGrp="1"/>
+          </p:cNvSpPr>
+          <p:nvPr isPhoto="0" userDrawn="0">
+            <p:ph type="sldNum" sz="quarter" idx="12" hasCustomPrompt="0"/>
+          </p:nvPr>
+        </p:nvSpPr>
+        <p:spPr bwMode="auto"/>
         <p:txBody>
           <a:bodyPr/>
           <a:lstStyle/>
           <a:p>
+            <a:pPr>
+              <a:defRPr/>
+            </a:pPr>
             <a:fld id="{6D22F896-40B5-4ADD-8801-0D06FADFA095}" type="slidenum">
-              <a:rPr lang="en-US" smtClean="0"/>
-              <a:t>‹Nº›</a:t>
+              <a:rPr lang="en-US"/>
+              <a:t/>
             </a:fld>
-            <a:endParaRPr lang="en-US" dirty="0"/>
+            <a:endParaRPr lang="en-US"/>
           </a:p>
         </p:txBody>
       </p:sp>
       <p:cxnSp>
         <p:nvCxnSpPr>
-          <p:cNvPr id="14" name="Straight Connector 13"/>
-          <p:cNvCxnSpPr/>
-          <p:nvPr/>
+          <p:cNvPr id="8" name="Straight Connector 13" hidden="0"/>
+          <p:cNvCxnSpPr>
+            <a:cxnSpLocks/>
+          </p:cNvCxnSpPr>
+          <p:nvPr isPhoto="0" userDrawn="0"/>
         </p:nvCxnSpPr>
-        <p:spPr>
+        <p:spPr bwMode="auto">
           <a:xfrm>
             <a:off x="1396169" y="2421466"/>
             <a:ext cx="9407298" cy="0"/>
@@ -4372,11 +4622,6 @@
         </p:style>
       </p:cxnSp>
     </p:spTree>
-    <p:extLst>
-      <p:ext uri="{BB962C8B-B14F-4D97-AF65-F5344CB8AC3E}">
-        <p14:creationId xmlns:p14="http://schemas.microsoft.com/office/powerpoint/2010/main" val="287709018"/>
-      </p:ext>
-    </p:extLst>
   </p:cSld>
   <p:clrMapOvr>
     <a:masterClrMapping/>
@@ -4385,15 +4630,15 @@
 </file>
 
 <file path=ppt/slideLayouts/slideLayout7.xml><?xml version="1.0" encoding="utf-8"?>
-<p:sldLayout xmlns:a="http://schemas.openxmlformats.org/drawingml/2006/main" xmlns:r="http://schemas.openxmlformats.org/officeDocument/2006/relationships" xmlns:p="http://schemas.openxmlformats.org/presentationml/2006/main" type="blank" preserve="1">
+<p:sldLayout xmlns:a="http://schemas.openxmlformats.org/drawingml/2006/main" xmlns:r="http://schemas.openxmlformats.org/officeDocument/2006/relationships" xmlns:p="http://schemas.openxmlformats.org/presentationml/2006/main" xmlns:m="http://schemas.openxmlformats.org/officeDocument/2006/math" xmlns:w="http://schemas.openxmlformats.org/wordprocessingml/2006/main" matchingName="" preserve="1" showMasterPhAnim="0" type="blank" userDrawn="1">
   <p:cSld name="En blanco">
     <p:spTree>
       <p:nvGrpSpPr>
-        <p:cNvPr id="1" name=""/>
+        <p:cNvPr id="1" name="" hidden="0"/>
         <p:cNvGrpSpPr/>
-        <p:nvPr/>
+        <p:nvPr isPhoto="0" userDrawn="0"/>
       </p:nvGrpSpPr>
-      <p:grpSpPr>
+      <p:grpSpPr bwMode="auto">
         <a:xfrm>
           <a:off x="0" y="0"/>
           <a:ext cx="0" cy="0"/>
@@ -4403,75 +4648,79 @@
       </p:grpSpPr>
       <p:sp>
         <p:nvSpPr>
-          <p:cNvPr id="2" name="Date Placeholder 1"/>
-          <p:cNvSpPr>
-            <a:spLocks noGrp="1"/>
-          </p:cNvSpPr>
-          <p:nvPr>
-            <p:ph type="dt" sz="half" idx="10"/>
-          </p:nvPr>
-        </p:nvSpPr>
-        <p:spPr/>
+          <p:cNvPr id="4" name="Date Placeholder 1" hidden="0"/>
+          <p:cNvSpPr>
+            <a:spLocks noGrp="1"/>
+          </p:cNvSpPr>
+          <p:nvPr isPhoto="0" userDrawn="0">
+            <p:ph type="dt" sz="half" idx="10" hasCustomPrompt="0"/>
+          </p:nvPr>
+        </p:nvSpPr>
+        <p:spPr bwMode="auto"/>
         <p:txBody>
           <a:bodyPr/>
           <a:lstStyle/>
           <a:p>
+            <a:pPr>
+              <a:defRPr/>
+            </a:pPr>
             <a:fld id="{48A87A34-81AB-432B-8DAE-1953F412C126}" type="datetimeFigureOut">
-              <a:rPr lang="en-US" smtClean="0"/>
-              <a:t>2/28/2020</a:t>
+              <a:rPr lang="en-US"/>
+              <a:t/>
             </a:fld>
-            <a:endParaRPr lang="en-US" dirty="0"/>
-          </a:p>
-        </p:txBody>
-      </p:sp>
-      <p:sp>
-        <p:nvSpPr>
-          <p:cNvPr id="3" name="Footer Placeholder 2"/>
-          <p:cNvSpPr>
-            <a:spLocks noGrp="1"/>
-          </p:cNvSpPr>
-          <p:nvPr>
-            <p:ph type="ftr" sz="quarter" idx="11"/>
-          </p:nvPr>
-        </p:nvSpPr>
-        <p:spPr/>
+            <a:endParaRPr lang="en-US"/>
+          </a:p>
+        </p:txBody>
+      </p:sp>
+      <p:sp>
+        <p:nvSpPr>
+          <p:cNvPr id="5" name="Footer Placeholder 2" hidden="0"/>
+          <p:cNvSpPr>
+            <a:spLocks noGrp="1"/>
+          </p:cNvSpPr>
+          <p:nvPr isPhoto="0" userDrawn="0">
+            <p:ph type="ftr" sz="quarter" idx="11" hasCustomPrompt="0"/>
+          </p:nvPr>
+        </p:nvSpPr>
+        <p:spPr bwMode="auto"/>
         <p:txBody>
           <a:bodyPr/>
           <a:lstStyle/>
           <a:p>
-            <a:endParaRPr lang="en-US" dirty="0"/>
-          </a:p>
-        </p:txBody>
-      </p:sp>
-      <p:sp>
-        <p:nvSpPr>
-          <p:cNvPr id="4" name="Slide Number Placeholder 3"/>
-          <p:cNvSpPr>
-            <a:spLocks noGrp="1"/>
-          </p:cNvSpPr>
-          <p:nvPr>
-            <p:ph type="sldNum" sz="quarter" idx="12"/>
-          </p:nvPr>
-        </p:nvSpPr>
-        <p:spPr/>
+            <a:pPr>
+              <a:defRPr/>
+            </a:pPr>
+            <a:endParaRPr lang="en-US"/>
+          </a:p>
+        </p:txBody>
+      </p:sp>
+      <p:sp>
+        <p:nvSpPr>
+          <p:cNvPr id="6" name="Slide Number Placeholder 3" hidden="0"/>
+          <p:cNvSpPr>
+            <a:spLocks noGrp="1"/>
+          </p:cNvSpPr>
+          <p:nvPr isPhoto="0" userDrawn="0">
+            <p:ph type="sldNum" sz="quarter" idx="12" hasCustomPrompt="0"/>
+          </p:nvPr>
+        </p:nvSpPr>
+        <p:spPr bwMode="auto"/>
         <p:txBody>
           <a:bodyPr/>
           <a:lstStyle/>
           <a:p>
+            <a:pPr>
+              <a:defRPr/>
+            </a:pPr>
             <a:fld id="{6D22F896-40B5-4ADD-8801-0D06FADFA095}" type="slidenum">
-              <a:rPr lang="en-US" smtClean="0"/>
-              <a:t>‹Nº›</a:t>
+              <a:rPr lang="en-US"/>
+              <a:t/>
             </a:fld>
-            <a:endParaRPr lang="en-US" dirty="0"/>
+            <a:endParaRPr lang="en-US"/>
           </a:p>
         </p:txBody>
       </p:sp>
     </p:spTree>
-    <p:extLst>
-      <p:ext uri="{BB962C8B-B14F-4D97-AF65-F5344CB8AC3E}">
-        <p14:creationId xmlns:p14="http://schemas.microsoft.com/office/powerpoint/2010/main" val="1902303487"/>
-      </p:ext>
-    </p:extLst>
   </p:cSld>
   <p:clrMapOvr>
     <a:masterClrMapping/>
@@ -4480,15 +4729,15 @@
 </file>
 
 <file path=ppt/slideLayouts/slideLayout8.xml><?xml version="1.0" encoding="utf-8"?>
-<p:sldLayout xmlns:a="http://schemas.openxmlformats.org/drawingml/2006/main" xmlns:r="http://schemas.openxmlformats.org/officeDocument/2006/relationships" xmlns:p="http://schemas.openxmlformats.org/presentationml/2006/main" type="objTx" preserve="1">
+<p:sldLayout xmlns:a="http://schemas.openxmlformats.org/drawingml/2006/main" xmlns:r="http://schemas.openxmlformats.org/officeDocument/2006/relationships" xmlns:p="http://schemas.openxmlformats.org/presentationml/2006/main" xmlns:m="http://schemas.openxmlformats.org/officeDocument/2006/math" xmlns:w="http://schemas.openxmlformats.org/wordprocessingml/2006/main" matchingName="" preserve="1" showMasterPhAnim="0" type="objTx" userDrawn="1">
   <p:cSld name="Contenido con título">
     <p:spTree>
       <p:nvGrpSpPr>
-        <p:cNvPr id="1" name=""/>
+        <p:cNvPr id="1" name="" hidden="0"/>
         <p:cNvGrpSpPr/>
-        <p:nvPr/>
+        <p:nvPr isPhoto="0" userDrawn="0"/>
       </p:nvGrpSpPr>
-      <p:grpSpPr>
+      <p:grpSpPr bwMode="auto">
         <a:xfrm>
           <a:off x="0" y="0"/>
           <a:ext cx="0" cy="0"/>
@@ -4498,17 +4747,17 @@
       </p:grpSpPr>
       <p:sp>
         <p:nvSpPr>
-          <p:cNvPr id="2" name="Title 1"/>
-          <p:cNvSpPr>
-            <a:spLocks noGrp="1"/>
-          </p:cNvSpPr>
-          <p:nvPr>
-            <p:ph type="title"/>
-          </p:nvPr>
-        </p:nvSpPr>
-        <p:spPr>
-          <a:xfrm>
-            <a:off x="1293811" y="1388534"/>
+          <p:cNvPr id="4" name="Title 1" hidden="0"/>
+          <p:cNvSpPr>
+            <a:spLocks noGrp="1"/>
+          </p:cNvSpPr>
+          <p:nvPr isPhoto="0" userDrawn="0">
+            <p:ph type="title" hasCustomPrompt="0"/>
+          </p:nvPr>
+        </p:nvSpPr>
+        <p:spPr bwMode="auto">
+          <a:xfrm>
+            <a:off x="1293811" y="1388533"/>
             <a:ext cx="3718455" cy="1371600"/>
           </a:xfrm>
         </p:spPr>
@@ -4522,25 +4771,28 @@
             </a:lvl1pPr>
           </a:lstStyle>
           <a:p>
-            <a:r>
-              <a:rPr lang="es-ES" smtClean="0"/>
+            <a:pPr>
+              <a:defRPr/>
+            </a:pPr>
+            <a:r>
+              <a:rPr lang="es-ES"/>
               <a:t>Haga clic para modificar el estilo de título del patrón</a:t>
             </a:r>
-            <a:endParaRPr lang="en-US" dirty="0"/>
-          </a:p>
-        </p:txBody>
-      </p:sp>
-      <p:sp>
-        <p:nvSpPr>
-          <p:cNvPr id="3" name="Content Placeholder 2"/>
-          <p:cNvSpPr>
-            <a:spLocks noGrp="1"/>
-          </p:cNvSpPr>
-          <p:nvPr>
-            <p:ph idx="1"/>
-          </p:nvPr>
-        </p:nvSpPr>
-        <p:spPr>
+            <a:endParaRPr lang="en-US"/>
+          </a:p>
+        </p:txBody>
+      </p:sp>
+      <p:sp>
+        <p:nvSpPr>
+          <p:cNvPr id="5" name="Content Placeholder 2" hidden="0"/>
+          <p:cNvSpPr>
+            <a:spLocks noGrp="1"/>
+          </p:cNvSpPr>
+          <p:nvPr isPhoto="0" userDrawn="0">
+            <p:ph idx="1" hasCustomPrompt="0"/>
+          </p:nvPr>
+        </p:nvSpPr>
+        <p:spPr bwMode="auto">
           <a:xfrm>
             <a:off x="5418668" y="982131"/>
             <a:ext cx="5469466" cy="4893735"/>
@@ -4552,54 +4804,68 @@
           </a:bodyPr>
           <a:lstStyle/>
           <a:p>
-            <a:pPr lvl="0"/>
-            <a:r>
-              <a:rPr lang="es-ES" smtClean="0"/>
+            <a:pPr lvl="0">
+              <a:defRPr/>
+            </a:pPr>
+            <a:r>
+              <a:rPr lang="es-ES"/>
               <a:t>Editar el estilo de texto del patrón</a:t>
             </a:r>
-          </a:p>
-          <a:p>
-            <a:pPr lvl="1"/>
-            <a:r>
-              <a:rPr lang="es-ES" smtClean="0"/>
+            <a:endParaRPr/>
+          </a:p>
+          <a:p>
+            <a:pPr lvl="1">
+              <a:defRPr/>
+            </a:pPr>
+            <a:r>
+              <a:rPr lang="es-ES"/>
               <a:t>Segundo nivel</a:t>
             </a:r>
-          </a:p>
-          <a:p>
-            <a:pPr lvl="2"/>
-            <a:r>
-              <a:rPr lang="es-ES" smtClean="0"/>
+            <a:endParaRPr/>
+          </a:p>
+          <a:p>
+            <a:pPr lvl="2">
+              <a:defRPr/>
+            </a:pPr>
+            <a:r>
+              <a:rPr lang="es-ES"/>
               <a:t>Tercer nivel</a:t>
             </a:r>
-          </a:p>
-          <a:p>
-            <a:pPr lvl="3"/>
-            <a:r>
-              <a:rPr lang="es-ES" smtClean="0"/>
+            <a:endParaRPr/>
+          </a:p>
+          <a:p>
+            <a:pPr lvl="3">
+              <a:defRPr/>
+            </a:pPr>
+            <a:r>
+              <a:rPr lang="es-ES"/>
               <a:t>Cuarto nivel</a:t>
             </a:r>
-          </a:p>
-          <a:p>
-            <a:pPr lvl="4"/>
-            <a:r>
-              <a:rPr lang="es-ES" smtClean="0"/>
+            <a:endParaRPr/>
+          </a:p>
+          <a:p>
+            <a:pPr lvl="4">
+              <a:defRPr/>
+            </a:pPr>
+            <a:r>
+              <a:rPr lang="es-ES"/>
               <a:t>Quinto nivel</a:t>
             </a:r>
-            <a:endParaRPr lang="en-US" dirty="0"/>
-          </a:p>
-        </p:txBody>
-      </p:sp>
-      <p:sp>
-        <p:nvSpPr>
-          <p:cNvPr id="4" name="Text Placeholder 3"/>
-          <p:cNvSpPr>
-            <a:spLocks noGrp="1"/>
-          </p:cNvSpPr>
-          <p:nvPr>
-            <p:ph type="body" sz="half" idx="2"/>
-          </p:nvPr>
-        </p:nvSpPr>
-        <p:spPr>
+            <a:endParaRPr lang="en-US"/>
+          </a:p>
+        </p:txBody>
+      </p:sp>
+      <p:sp>
+        <p:nvSpPr>
+          <p:cNvPr id="6" name="Text Placeholder 3" hidden="0"/>
+          <p:cNvSpPr>
+            <a:spLocks noGrp="1"/>
+          </p:cNvSpPr>
+          <p:nvPr isPhoto="0" userDrawn="0">
+            <p:ph type="body" sz="half" idx="2" hasCustomPrompt="0"/>
+          </p:nvPr>
+        </p:nvSpPr>
+        <p:spPr bwMode="auto">
           <a:xfrm>
             <a:off x="1293811" y="3031065"/>
             <a:ext cx="3718455" cy="2438404"/>
@@ -4648,89 +4914,103 @@
             </a:lvl9pPr>
           </a:lstStyle>
           <a:p>
-            <a:pPr lvl="0"/>
-            <a:r>
-              <a:rPr lang="es-ES" smtClean="0"/>
+            <a:pPr lvl="0">
+              <a:defRPr/>
+            </a:pPr>
+            <a:r>
+              <a:rPr lang="es-ES"/>
               <a:t>Editar el estilo de texto del patrón</a:t>
             </a:r>
-          </a:p>
-        </p:txBody>
-      </p:sp>
-      <p:sp>
-        <p:nvSpPr>
-          <p:cNvPr id="5" name="Date Placeholder 4"/>
-          <p:cNvSpPr>
-            <a:spLocks noGrp="1"/>
-          </p:cNvSpPr>
-          <p:nvPr>
-            <p:ph type="dt" sz="half" idx="10"/>
-          </p:nvPr>
-        </p:nvSpPr>
-        <p:spPr/>
+            <a:endParaRPr/>
+          </a:p>
+        </p:txBody>
+      </p:sp>
+      <p:sp>
+        <p:nvSpPr>
+          <p:cNvPr id="7" name="Date Placeholder 4" hidden="0"/>
+          <p:cNvSpPr>
+            <a:spLocks noGrp="1"/>
+          </p:cNvSpPr>
+          <p:nvPr isPhoto="0" userDrawn="0">
+            <p:ph type="dt" sz="half" idx="10" hasCustomPrompt="0"/>
+          </p:nvPr>
+        </p:nvSpPr>
+        <p:spPr bwMode="auto"/>
         <p:txBody>
           <a:bodyPr/>
           <a:lstStyle/>
           <a:p>
+            <a:pPr>
+              <a:defRPr/>
+            </a:pPr>
             <a:fld id="{48A87A34-81AB-432B-8DAE-1953F412C126}" type="datetimeFigureOut">
-              <a:rPr lang="en-US" smtClean="0"/>
-              <a:t>2/28/2020</a:t>
+              <a:rPr lang="en-US"/>
+              <a:t/>
             </a:fld>
-            <a:endParaRPr lang="en-US" dirty="0"/>
-          </a:p>
-        </p:txBody>
-      </p:sp>
-      <p:sp>
-        <p:nvSpPr>
-          <p:cNvPr id="6" name="Footer Placeholder 5"/>
-          <p:cNvSpPr>
-            <a:spLocks noGrp="1"/>
-          </p:cNvSpPr>
-          <p:nvPr>
-            <p:ph type="ftr" sz="quarter" idx="11"/>
-          </p:nvPr>
-        </p:nvSpPr>
-        <p:spPr/>
+            <a:endParaRPr lang="en-US"/>
+          </a:p>
+        </p:txBody>
+      </p:sp>
+      <p:sp>
+        <p:nvSpPr>
+          <p:cNvPr id="8" name="Footer Placeholder 5" hidden="0"/>
+          <p:cNvSpPr>
+            <a:spLocks noGrp="1"/>
+          </p:cNvSpPr>
+          <p:nvPr isPhoto="0" userDrawn="0">
+            <p:ph type="ftr" sz="quarter" idx="11" hasCustomPrompt="0"/>
+          </p:nvPr>
+        </p:nvSpPr>
+        <p:spPr bwMode="auto"/>
         <p:txBody>
           <a:bodyPr/>
           <a:lstStyle/>
           <a:p>
-            <a:endParaRPr lang="en-US" dirty="0"/>
-          </a:p>
-        </p:txBody>
-      </p:sp>
-      <p:sp>
-        <p:nvSpPr>
-          <p:cNvPr id="7" name="Slide Number Placeholder 6"/>
-          <p:cNvSpPr>
-            <a:spLocks noGrp="1"/>
-          </p:cNvSpPr>
-          <p:nvPr>
-            <p:ph type="sldNum" sz="quarter" idx="12"/>
-          </p:nvPr>
-        </p:nvSpPr>
-        <p:spPr/>
+            <a:pPr>
+              <a:defRPr/>
+            </a:pPr>
+            <a:endParaRPr lang="en-US"/>
+          </a:p>
+        </p:txBody>
+      </p:sp>
+      <p:sp>
+        <p:nvSpPr>
+          <p:cNvPr id="9" name="Slide Number Placeholder 6" hidden="0"/>
+          <p:cNvSpPr>
+            <a:spLocks noGrp="1"/>
+          </p:cNvSpPr>
+          <p:nvPr isPhoto="0" userDrawn="0">
+            <p:ph type="sldNum" sz="quarter" idx="12" hasCustomPrompt="0"/>
+          </p:nvPr>
+        </p:nvSpPr>
+        <p:spPr bwMode="auto"/>
         <p:txBody>
           <a:bodyPr/>
           <a:lstStyle/>
           <a:p>
+            <a:pPr>
+              <a:defRPr/>
+            </a:pPr>
             <a:fld id="{6D22F896-40B5-4ADD-8801-0D06FADFA095}" type="slidenum">
-              <a:rPr lang="en-US" smtClean="0"/>
-              <a:t>‹Nº›</a:t>
+              <a:rPr lang="en-US"/>
+              <a:t/>
             </a:fld>
-            <a:endParaRPr lang="en-US" dirty="0"/>
+            <a:endParaRPr lang="en-US"/>
           </a:p>
         </p:txBody>
       </p:sp>
       <p:cxnSp>
         <p:nvCxnSpPr>
-          <p:cNvPr id="16" name="Straight Connector 15"/>
-          <p:cNvCxnSpPr/>
-          <p:nvPr/>
+          <p:cNvPr id="10" name="Straight Connector 15" hidden="0"/>
+          <p:cNvCxnSpPr>
+            <a:cxnSpLocks/>
+          </p:cNvCxnSpPr>
+          <p:nvPr isPhoto="0" userDrawn="0"/>
         </p:nvCxnSpPr>
-        <p:spPr>
+        <p:spPr bwMode="auto">
           <a:xfrm>
             <a:off x="1396169" y="2912533"/>
-            <a:ext cx="3514498" cy="0"/>
+            <a:ext cx="3514497" cy="0"/>
           </a:xfrm>
           <a:prstGeom prst="line">
             <a:avLst/>
@@ -4753,11 +5033,6 @@
         </p:style>
       </p:cxnSp>
     </p:spTree>
-    <p:extLst>
-      <p:ext uri="{BB962C8B-B14F-4D97-AF65-F5344CB8AC3E}">
-        <p14:creationId xmlns:p14="http://schemas.microsoft.com/office/powerpoint/2010/main" val="526481763"/>
-      </p:ext>
-    </p:extLst>
   </p:cSld>
   <p:clrMapOvr>
     <a:masterClrMapping/>
@@ -4766,15 +5041,15 @@
 </file>
 
 <file path=ppt/slideLayouts/slideLayout9.xml><?xml version="1.0" encoding="utf-8"?>
-<p:sldLayout xmlns:a="http://schemas.openxmlformats.org/drawingml/2006/main" xmlns:r="http://schemas.openxmlformats.org/officeDocument/2006/relationships" xmlns:p="http://schemas.openxmlformats.org/presentationml/2006/main" type="picTx" preserve="1">
+<p:sldLayout xmlns:a="http://schemas.openxmlformats.org/drawingml/2006/main" xmlns:r="http://schemas.openxmlformats.org/officeDocument/2006/relationships" xmlns:p="http://schemas.openxmlformats.org/presentationml/2006/main" xmlns:m="http://schemas.openxmlformats.org/officeDocument/2006/math" xmlns:w="http://schemas.openxmlformats.org/wordprocessingml/2006/main" matchingName="" preserve="1" showMasterPhAnim="0" type="picTx" userDrawn="1">
   <p:cSld name="Imagen con título">
     <p:spTree>
       <p:nvGrpSpPr>
-        <p:cNvPr id="1" name=""/>
+        <p:cNvPr id="1" name="" hidden="0"/>
         <p:cNvGrpSpPr/>
-        <p:nvPr/>
+        <p:nvPr isPhoto="0" userDrawn="0"/>
       </p:nvGrpSpPr>
-      <p:grpSpPr>
+      <p:grpSpPr bwMode="auto">
         <a:xfrm>
           <a:off x="0" y="0"/>
           <a:ext cx="0" cy="0"/>
@@ -4784,17 +5059,17 @@
       </p:grpSpPr>
       <p:sp>
         <p:nvSpPr>
-          <p:cNvPr id="2" name="Title 1"/>
-          <p:cNvSpPr>
-            <a:spLocks noGrp="1"/>
-          </p:cNvSpPr>
-          <p:nvPr>
-            <p:ph type="title"/>
-          </p:nvPr>
-        </p:nvSpPr>
-        <p:spPr>
-          <a:xfrm>
-            <a:off x="1295399" y="1883832"/>
+          <p:cNvPr id="4" name="Title 1" hidden="0"/>
+          <p:cNvSpPr>
+            <a:spLocks noGrp="1"/>
+          </p:cNvSpPr>
+          <p:nvPr isPhoto="0" userDrawn="0">
+            <p:ph type="title" hasCustomPrompt="0"/>
+          </p:nvPr>
+        </p:nvSpPr>
+        <p:spPr bwMode="auto">
+          <a:xfrm>
+            <a:off x="1295399" y="1883831"/>
             <a:ext cx="6241816" cy="1371600"/>
           </a:xfrm>
         </p:spPr>
@@ -4808,28 +5083,31 @@
             </a:lvl1pPr>
           </a:lstStyle>
           <a:p>
-            <a:r>
-              <a:rPr lang="es-ES" smtClean="0"/>
+            <a:pPr>
+              <a:defRPr/>
+            </a:pPr>
+            <a:r>
+              <a:rPr lang="es-ES"/>
               <a:t>Haga clic para modificar el estilo de título del patrón</a:t>
             </a:r>
-            <a:endParaRPr lang="en-US" dirty="0"/>
-          </a:p>
-        </p:txBody>
-      </p:sp>
-      <p:sp>
-        <p:nvSpPr>
-          <p:cNvPr id="17" name="Picture Placeholder 2"/>
-          <p:cNvSpPr>
-            <a:spLocks noGrp="1" noChangeAspect="1"/>
-          </p:cNvSpPr>
-          <p:nvPr>
-            <p:ph type="pic" idx="1"/>
-          </p:nvPr>
-        </p:nvSpPr>
-        <p:spPr>
+            <a:endParaRPr lang="en-US"/>
+          </a:p>
+        </p:txBody>
+      </p:sp>
+      <p:sp>
+        <p:nvSpPr>
+          <p:cNvPr id="5" name="Picture Placeholder 2" hidden="0"/>
+          <p:cNvSpPr>
+            <a:spLocks noChangeAspect="1" noGrp="1"/>
+          </p:cNvSpPr>
+          <p:nvPr isPhoto="0" userDrawn="0">
+            <p:ph type="pic" idx="1" hasCustomPrompt="0"/>
+          </p:nvPr>
+        </p:nvSpPr>
+        <p:spPr bwMode="auto">
           <a:xfrm>
             <a:off x="8094831" y="1041400"/>
-            <a:ext cx="3063347" cy="4775200"/>
+            <a:ext cx="3063346" cy="4775200"/>
           </a:xfrm>
           <a:prstGeom prst="roundRect">
             <a:avLst>
@@ -4896,25 +5174,28 @@
             </a:lvl9pPr>
           </a:lstStyle>
           <a:p>
-            <a:r>
-              <a:rPr lang="es-ES" smtClean="0"/>
+            <a:pPr>
+              <a:defRPr/>
+            </a:pPr>
+            <a:r>
+              <a:rPr lang="es-ES"/>
               <a:t>Haga clic en el icono para agregar una imagen</a:t>
             </a:r>
-            <a:endParaRPr lang="en-US" dirty="0"/>
-          </a:p>
-        </p:txBody>
-      </p:sp>
-      <p:sp>
-        <p:nvSpPr>
-          <p:cNvPr id="4" name="Text Placeholder 3"/>
-          <p:cNvSpPr>
-            <a:spLocks noGrp="1"/>
-          </p:cNvSpPr>
-          <p:nvPr>
-            <p:ph type="body" sz="half" idx="2"/>
-          </p:nvPr>
-        </p:nvSpPr>
-        <p:spPr>
+            <a:endParaRPr lang="en-US"/>
+          </a:p>
+        </p:txBody>
+      </p:sp>
+      <p:sp>
+        <p:nvSpPr>
+          <p:cNvPr id="6" name="Text Placeholder 3" hidden="0"/>
+          <p:cNvSpPr>
+            <a:spLocks noGrp="1"/>
+          </p:cNvSpPr>
+          <p:nvPr isPhoto="0" userDrawn="0">
+            <p:ph type="body" sz="half" idx="2" hasCustomPrompt="0"/>
+          </p:nvPr>
+        </p:nvSpPr>
+        <p:spPr bwMode="auto">
           <a:xfrm>
             <a:off x="1295399" y="3255432"/>
             <a:ext cx="6241816" cy="1828800"/>
@@ -4963,85 +5244,92 @@
             </a:lvl9pPr>
           </a:lstStyle>
           <a:p>
-            <a:pPr lvl="0"/>
-            <a:r>
-              <a:rPr lang="es-ES" smtClean="0"/>
+            <a:pPr lvl="0">
+              <a:defRPr/>
+            </a:pPr>
+            <a:r>
+              <a:rPr lang="es-ES"/>
               <a:t>Editar el estilo de texto del patrón</a:t>
             </a:r>
-          </a:p>
-        </p:txBody>
-      </p:sp>
-      <p:sp>
-        <p:nvSpPr>
-          <p:cNvPr id="5" name="Date Placeholder 4"/>
-          <p:cNvSpPr>
-            <a:spLocks noGrp="1"/>
-          </p:cNvSpPr>
-          <p:nvPr>
-            <p:ph type="dt" sz="half" idx="10"/>
-          </p:nvPr>
-        </p:nvSpPr>
-        <p:spPr/>
+            <a:endParaRPr/>
+          </a:p>
+        </p:txBody>
+      </p:sp>
+      <p:sp>
+        <p:nvSpPr>
+          <p:cNvPr id="7" name="Date Placeholder 4" hidden="0"/>
+          <p:cNvSpPr>
+            <a:spLocks noGrp="1"/>
+          </p:cNvSpPr>
+          <p:nvPr isPhoto="0" userDrawn="0">
+            <p:ph type="dt" sz="half" idx="10" hasCustomPrompt="0"/>
+          </p:nvPr>
+        </p:nvSpPr>
+        <p:spPr bwMode="auto"/>
         <p:txBody>
           <a:bodyPr/>
           <a:lstStyle/>
           <a:p>
+            <a:pPr>
+              <a:defRPr/>
+            </a:pPr>
             <a:fld id="{48A87A34-81AB-432B-8DAE-1953F412C126}" type="datetimeFigureOut">
-              <a:rPr lang="en-US" smtClean="0"/>
-              <a:t>2/28/2020</a:t>
+              <a:rPr lang="en-US"/>
+              <a:t/>
             </a:fld>
-            <a:endParaRPr lang="en-US" dirty="0"/>
-          </a:p>
-        </p:txBody>
-      </p:sp>
-      <p:sp>
-        <p:nvSpPr>
-          <p:cNvPr id="6" name="Footer Placeholder 5"/>
-          <p:cNvSpPr>
-            <a:spLocks noGrp="1"/>
-          </p:cNvSpPr>
-          <p:nvPr>
-            <p:ph type="ftr" sz="quarter" idx="11"/>
-          </p:nvPr>
-        </p:nvSpPr>
-        <p:spPr/>
+            <a:endParaRPr lang="en-US"/>
+          </a:p>
+        </p:txBody>
+      </p:sp>
+      <p:sp>
+        <p:nvSpPr>
+          <p:cNvPr id="8" name="Footer Placeholder 5" hidden="0"/>
+          <p:cNvSpPr>
+            <a:spLocks noGrp="1"/>
+          </p:cNvSpPr>
+          <p:nvPr isPhoto="0" userDrawn="0">
+            <p:ph type="ftr" sz="quarter" idx="11" hasCustomPrompt="0"/>
+          </p:nvPr>
+        </p:nvSpPr>
+        <p:spPr bwMode="auto"/>
         <p:txBody>
           <a:bodyPr/>
           <a:lstStyle/>
           <a:p>
-            <a:endParaRPr lang="en-US" dirty="0"/>
-          </a:p>
-        </p:txBody>
-      </p:sp>
-      <p:sp>
-        <p:nvSpPr>
-          <p:cNvPr id="7" name="Slide Number Placeholder 6"/>
-          <p:cNvSpPr>
-            <a:spLocks noGrp="1"/>
-          </p:cNvSpPr>
-          <p:nvPr>
-            <p:ph type="sldNum" sz="quarter" idx="12"/>
-          </p:nvPr>
-        </p:nvSpPr>
-        <p:spPr/>
+            <a:pPr>
+              <a:defRPr/>
+            </a:pPr>
+            <a:endParaRPr lang="en-US"/>
+          </a:p>
+        </p:txBody>
+      </p:sp>
+      <p:sp>
+        <p:nvSpPr>
+          <p:cNvPr id="9" name="Slide Number Placeholder 6" hidden="0"/>
+          <p:cNvSpPr>
+            <a:spLocks noGrp="1"/>
+          </p:cNvSpPr>
+          <p:nvPr isPhoto="0" userDrawn="0">
+            <p:ph type="sldNum" sz="quarter" idx="12" hasCustomPrompt="0"/>
+          </p:nvPr>
+        </p:nvSpPr>
+        <p:spPr bwMode="auto"/>
         <p:txBody>
           <a:bodyPr/>
           <a:lstStyle/>
           <a:p>
+            <a:pPr>
+              <a:defRPr/>
+            </a:pPr>
             <a:fld id="{6D22F896-40B5-4ADD-8801-0D06FADFA095}" type="slidenum">
-              <a:rPr lang="en-US" smtClean="0"/>
-              <a:t>‹Nº›</a:t>
+              <a:rPr lang="en-US"/>
+              <a:t/>
             </a:fld>
-            <a:endParaRPr lang="en-US" dirty="0"/>
+            <a:endParaRPr lang="en-US"/>
           </a:p>
         </p:txBody>
       </p:sp>
     </p:spTree>
-    <p:extLst>
-      <p:ext uri="{BB962C8B-B14F-4D97-AF65-F5344CB8AC3E}">
-        <p14:creationId xmlns:p14="http://schemas.microsoft.com/office/powerpoint/2010/main" val="989005097"/>
-      </p:ext>
-    </p:extLst>
   </p:cSld>
   <p:clrMapOvr>
     <a:masterClrMapping/>
@@ -5050,8 +5338,8 @@
 </file>
 
 <file path=ppt/slideMasters/slideMaster1.xml><?xml version="1.0" encoding="utf-8"?>
-<p:sldMaster xmlns:a="http://schemas.openxmlformats.org/drawingml/2006/main" xmlns:r="http://schemas.openxmlformats.org/officeDocument/2006/relationships" xmlns:p="http://schemas.openxmlformats.org/presentationml/2006/main">
-  <p:cSld>
+<p:sldMaster xmlns:a="http://schemas.openxmlformats.org/drawingml/2006/main" xmlns:r="http://schemas.openxmlformats.org/officeDocument/2006/relationships" xmlns:p="http://schemas.openxmlformats.org/presentationml/2006/main" xmlns:m="http://schemas.openxmlformats.org/officeDocument/2006/math" xmlns:w="http://schemas.openxmlformats.org/wordprocessingml/2006/main" preserve="0">
+  <p:cSld name="">
     <p:bg>
       <p:bgRef idx="1003">
         <a:schemeClr val="bg1"/>
@@ -5059,11 +5347,11 @@
     </p:bg>
     <p:spTree>
       <p:nvGrpSpPr>
-        <p:cNvPr id="1" name=""/>
+        <p:cNvPr id="1" name="" hidden="0"/>
         <p:cNvGrpSpPr/>
-        <p:nvPr/>
+        <p:nvPr isPhoto="0" userDrawn="0"/>
       </p:nvGrpSpPr>
-      <p:grpSpPr>
+      <p:grpSpPr bwMode="auto">
         <a:xfrm>
           <a:off x="0" y="0"/>
           <a:ext cx="0" cy="0"/>
@@ -5073,11 +5361,11 @@
       </p:grpSpPr>
       <p:grpSp>
         <p:nvGrpSpPr>
-          <p:cNvPr id="7" name="Group 6"/>
+          <p:cNvPr id="4" name="Group 6" hidden="0"/>
           <p:cNvGrpSpPr/>
-          <p:nvPr/>
+          <p:nvPr isPhoto="0" userDrawn="0"/>
         </p:nvGrpSpPr>
-        <p:grpSpPr>
+        <p:grpSpPr bwMode="auto">
           <a:xfrm>
             <a:off x="-15736" y="0"/>
             <a:ext cx="12229962" cy="6856214"/>
@@ -5087,25 +5375,17 @@
         </p:grpSpPr>
         <p:pic>
           <p:nvPicPr>
-            <p:cNvPr id="8" name="Picture 7" descr="HD-PanelContent.png"/>
+            <p:cNvPr id="5" name="Picture 7" descr="HD-PanelContent.png" hidden="0"/>
             <p:cNvPicPr>
               <a:picLocks noChangeAspect="1"/>
             </p:cNvPicPr>
-            <p:nvPr/>
+            <p:nvPr isPhoto="0" userDrawn="0"/>
           </p:nvPicPr>
           <p:blipFill>
-            <a:blip r:embed="rId19">
-              <a:extLst>
-                <a:ext uri="{28A0092B-C50C-407E-A947-70E740481C1C}">
-                  <a14:useLocalDpi xmlns:a14="http://schemas.microsoft.com/office/drawing/2010/main" val="0"/>
-                </a:ext>
-              </a:extLst>
-            </a:blip>
-            <a:stretch>
-              <a:fillRect/>
-            </a:stretch>
+            <a:blip r:embed="rId19"/>
+            <a:stretch/>
           </p:blipFill>
-          <p:spPr>
+          <p:spPr bwMode="auto">
             <a:xfrm>
               <a:off x="0" y="0"/>
               <a:ext cx="12188825" cy="6856214"/>
@@ -5117,11 +5397,11 @@
         </p:pic>
         <p:sp>
           <p:nvSpPr>
-            <p:cNvPr id="9" name="Rectangle 8"/>
+            <p:cNvPr id="6" name="Rectangle 8" hidden="0"/>
             <p:cNvSpPr/>
-            <p:nvPr/>
+            <p:nvPr isPhoto="0" userDrawn="0"/>
           </p:nvSpPr>
-          <p:spPr>
+          <p:spPr bwMode="auto">
             <a:xfrm>
               <a:off x="608012" y="609600"/>
               <a:ext cx="10972800" cy="5638800"/>
@@ -5151,24 +5431,17 @@
         </p:sp>
         <p:pic>
           <p:nvPicPr>
-            <p:cNvPr id="10" name="Picture 9" descr="HDRibbonContent-UniformTrim.png"/>
+            <p:cNvPr id="7" name="Picture 9" descr="HDRibbonContent-UniformTrim.png" hidden="0"/>
             <p:cNvPicPr>
               <a:picLocks noChangeAspect="1"/>
             </p:cNvPicPr>
-            <p:nvPr/>
+            <p:nvPr isPhoto="0" userDrawn="0"/>
           </p:nvPicPr>
-          <p:blipFill rotWithShape="1">
-            <a:blip r:embed="rId20">
-              <a:extLst>
-                <a:ext uri="{28A0092B-C50C-407E-A947-70E740481C1C}">
-                  <a14:useLocalDpi xmlns:a14="http://schemas.microsoft.com/office/drawing/2010/main" val="0"/>
-                </a:ext>
-              </a:extLst>
-            </a:blip>
-            <a:srcRect/>
+          <p:blipFill>
+            <a:blip r:embed="rId20"/>
             <a:stretch/>
           </p:blipFill>
-          <p:spPr>
+          <p:spPr bwMode="auto">
             <a:xfrm>
               <a:off x="-15736" y="3153832"/>
               <a:ext cx="777240" cy="606425"/>
@@ -5180,24 +5453,17 @@
         </p:pic>
         <p:pic>
           <p:nvPicPr>
-            <p:cNvPr id="11" name="Picture 10" descr="HDRibbonContent-UniformTrim.png"/>
+            <p:cNvPr id="8" name="Picture 10" descr="HDRibbonContent-UniformTrim.png" hidden="0"/>
             <p:cNvPicPr>
               <a:picLocks noChangeAspect="1"/>
             </p:cNvPicPr>
-            <p:nvPr/>
+            <p:nvPr isPhoto="0" userDrawn="0"/>
           </p:nvPicPr>
-          <p:blipFill rotWithShape="1">
-            <a:blip r:embed="rId20">
-              <a:extLst>
-                <a:ext uri="{28A0092B-C50C-407E-A947-70E740481C1C}">
-                  <a14:useLocalDpi xmlns:a14="http://schemas.microsoft.com/office/drawing/2010/main" val="0"/>
-                </a:ext>
-              </a:extLst>
-            </a:blip>
-            <a:srcRect/>
+          <p:blipFill>
+            <a:blip r:embed="rId20"/>
             <a:stretch/>
           </p:blipFill>
-          <p:spPr>
+          <p:spPr bwMode="auto">
             <a:xfrm>
               <a:off x="11436986" y="3153832"/>
               <a:ext cx="777240" cy="606425"/>
@@ -5210,15 +5476,15 @@
       </p:grpSp>
       <p:sp>
         <p:nvSpPr>
-          <p:cNvPr id="2" name="Title Placeholder 1"/>
-          <p:cNvSpPr>
-            <a:spLocks noGrp="1"/>
-          </p:cNvSpPr>
-          <p:nvPr>
-            <p:ph type="title"/>
-          </p:nvPr>
-        </p:nvSpPr>
-        <p:spPr>
+          <p:cNvPr id="9" name="Title Placeholder 1" hidden="0"/>
+          <p:cNvSpPr>
+            <a:spLocks noGrp="1"/>
+          </p:cNvSpPr>
+          <p:nvPr isPhoto="0" userDrawn="0">
+            <p:ph type="title" hasCustomPrompt="0"/>
+          </p:nvPr>
+        </p:nvSpPr>
+        <p:spPr bwMode="auto">
           <a:xfrm>
             <a:off x="1295402" y="982132"/>
             <a:ext cx="9601196" cy="1303867"/>
@@ -5226,7 +5492,6 @@
           <a:prstGeom prst="rect">
             <a:avLst/>
           </a:prstGeom>
-          <a:effectLst/>
         </p:spPr>
         <p:txBody>
           <a:bodyPr vert="horz" lIns="91440" tIns="45720" rIns="91440" bIns="45720" rtlCol="0" anchor="ctr">
@@ -5234,25 +5499,28 @@
           </a:bodyPr>
           <a:lstStyle/>
           <a:p>
-            <a:r>
-              <a:rPr lang="es-ES" smtClean="0"/>
+            <a:pPr>
+              <a:defRPr/>
+            </a:pPr>
+            <a:r>
+              <a:rPr lang="es-ES"/>
               <a:t>Haga clic para modificar el estilo de título del patrón</a:t>
             </a:r>
-            <a:endParaRPr lang="en-US" dirty="0"/>
-          </a:p>
-        </p:txBody>
-      </p:sp>
-      <p:sp>
-        <p:nvSpPr>
-          <p:cNvPr id="3" name="Text Placeholder 2"/>
-          <p:cNvSpPr>
-            <a:spLocks noGrp="1"/>
-          </p:cNvSpPr>
-          <p:nvPr>
-            <p:ph type="body" idx="1"/>
-          </p:nvPr>
-        </p:nvSpPr>
-        <p:spPr>
+            <a:endParaRPr lang="en-US"/>
+          </a:p>
+        </p:txBody>
+      </p:sp>
+      <p:sp>
+        <p:nvSpPr>
+          <p:cNvPr id="10" name="Text Placeholder 2" hidden="0"/>
+          <p:cNvSpPr>
+            <a:spLocks noGrp="1"/>
+          </p:cNvSpPr>
+          <p:nvPr isPhoto="0" userDrawn="0">
+            <p:ph type="body" idx="1" hasCustomPrompt="0"/>
+          </p:nvPr>
+        </p:nvSpPr>
+        <p:spPr bwMode="auto">
           <a:xfrm>
             <a:off x="1295401" y="2556932"/>
             <a:ext cx="9601196" cy="3318936"/>
@@ -5267,54 +5535,68 @@
           </a:bodyPr>
           <a:lstStyle/>
           <a:p>
-            <a:pPr lvl="0"/>
-            <a:r>
-              <a:rPr lang="es-ES" smtClean="0"/>
+            <a:pPr lvl="0">
+              <a:defRPr/>
+            </a:pPr>
+            <a:r>
+              <a:rPr lang="es-ES"/>
               <a:t>Editar el estilo de texto del patrón</a:t>
             </a:r>
-          </a:p>
-          <a:p>
-            <a:pPr lvl="1"/>
-            <a:r>
-              <a:rPr lang="es-ES" smtClean="0"/>
+            <a:endParaRPr/>
+          </a:p>
+          <a:p>
+            <a:pPr lvl="1">
+              <a:defRPr/>
+            </a:pPr>
+            <a:r>
+              <a:rPr lang="es-ES"/>
               <a:t>Segundo nivel</a:t>
             </a:r>
-          </a:p>
-          <a:p>
-            <a:pPr lvl="2"/>
-            <a:r>
-              <a:rPr lang="es-ES" smtClean="0"/>
+            <a:endParaRPr/>
+          </a:p>
+          <a:p>
+            <a:pPr lvl="2">
+              <a:defRPr/>
+            </a:pPr>
+            <a:r>
+              <a:rPr lang="es-ES"/>
               <a:t>Tercer nivel</a:t>
             </a:r>
-          </a:p>
-          <a:p>
-            <a:pPr lvl="3"/>
-            <a:r>
-              <a:rPr lang="es-ES" smtClean="0"/>
+            <a:endParaRPr/>
+          </a:p>
+          <a:p>
+            <a:pPr lvl="3">
+              <a:defRPr/>
+            </a:pPr>
+            <a:r>
+              <a:rPr lang="es-ES"/>
               <a:t>Cuarto nivel</a:t>
             </a:r>
-          </a:p>
-          <a:p>
-            <a:pPr lvl="4"/>
-            <a:r>
-              <a:rPr lang="es-ES" smtClean="0"/>
+            <a:endParaRPr/>
+          </a:p>
+          <a:p>
+            <a:pPr lvl="4">
+              <a:defRPr/>
+            </a:pPr>
+            <a:r>
+              <a:rPr lang="es-ES"/>
               <a:t>Quinto nivel</a:t>
             </a:r>
-            <a:endParaRPr lang="en-US" dirty="0"/>
-          </a:p>
-        </p:txBody>
-      </p:sp>
-      <p:sp>
-        <p:nvSpPr>
-          <p:cNvPr id="4" name="Date Placeholder 3"/>
-          <p:cNvSpPr>
-            <a:spLocks noGrp="1"/>
-          </p:cNvSpPr>
-          <p:nvPr>
-            <p:ph type="dt" sz="half" idx="2"/>
-          </p:nvPr>
-        </p:nvSpPr>
-        <p:spPr>
+            <a:endParaRPr lang="en-US"/>
+          </a:p>
+        </p:txBody>
+      </p:sp>
+      <p:sp>
+        <p:nvSpPr>
+          <p:cNvPr id="11" name="Date Placeholder 3" hidden="0"/>
+          <p:cNvSpPr>
+            <a:spLocks noGrp="1"/>
+          </p:cNvSpPr>
+          <p:nvPr isPhoto="0" userDrawn="0">
+            <p:ph type="dt" sz="half" idx="2" hasCustomPrompt="0"/>
+          </p:nvPr>
+        </p:nvSpPr>
+        <p:spPr bwMode="auto">
           <a:xfrm>
             <a:off x="8677501" y="5969000"/>
             <a:ext cx="1600200" cy="279400"/>
@@ -5331,32 +5613,33 @@
                 <a:solidFill>
                   <a:schemeClr val="tx1"/>
                 </a:solidFill>
-                <a:effectLst/>
                 <a:latin typeface="+mn-lt"/>
               </a:defRPr>
             </a:lvl1pPr>
           </a:lstStyle>
           <a:p>
+            <a:pPr>
+              <a:defRPr/>
+            </a:pPr>
             <a:fld id="{48A87A34-81AB-432B-8DAE-1953F412C126}" type="datetimeFigureOut">
-              <a:rPr lang="en-US" smtClean="0"/>
-              <a:pPr/>
-              <a:t>2/28/2020</a:t>
+              <a:rPr lang="en-US"/>
+              <a:t/>
             </a:fld>
-            <a:endParaRPr lang="en-US" dirty="0"/>
-          </a:p>
-        </p:txBody>
-      </p:sp>
-      <p:sp>
-        <p:nvSpPr>
-          <p:cNvPr id="5" name="Footer Placeholder 4"/>
-          <p:cNvSpPr>
-            <a:spLocks noGrp="1"/>
-          </p:cNvSpPr>
-          <p:nvPr>
-            <p:ph type="ftr" sz="quarter" idx="3"/>
-          </p:nvPr>
-        </p:nvSpPr>
-        <p:spPr>
+            <a:endParaRPr lang="en-US"/>
+          </a:p>
+        </p:txBody>
+      </p:sp>
+      <p:sp>
+        <p:nvSpPr>
+          <p:cNvPr id="12" name="Footer Placeholder 4" hidden="0"/>
+          <p:cNvSpPr>
+            <a:spLocks noGrp="1"/>
+          </p:cNvSpPr>
+          <p:nvPr isPhoto="0" userDrawn="0">
+            <p:ph type="ftr" sz="quarter" idx="3" hasCustomPrompt="0"/>
+          </p:nvPr>
+        </p:nvSpPr>
+        <p:spPr bwMode="auto">
           <a:xfrm>
             <a:off x="1295401" y="5969000"/>
             <a:ext cx="7305900" cy="279400"/>
@@ -5373,27 +5656,29 @@
                 <a:solidFill>
                   <a:schemeClr val="tx1"/>
                 </a:solidFill>
-                <a:effectLst/>
                 <a:latin typeface="+mn-lt"/>
               </a:defRPr>
             </a:lvl1pPr>
           </a:lstStyle>
           <a:p>
-            <a:endParaRPr lang="en-US" dirty="0"/>
-          </a:p>
-        </p:txBody>
-      </p:sp>
-      <p:sp>
-        <p:nvSpPr>
-          <p:cNvPr id="6" name="Slide Number Placeholder 5"/>
-          <p:cNvSpPr>
-            <a:spLocks noGrp="1"/>
-          </p:cNvSpPr>
-          <p:nvPr>
-            <p:ph type="sldNum" sz="quarter" idx="4"/>
-          </p:nvPr>
-        </p:nvSpPr>
-        <p:spPr>
+            <a:pPr>
+              <a:defRPr/>
+            </a:pPr>
+            <a:endParaRPr lang="en-US"/>
+          </a:p>
+        </p:txBody>
+      </p:sp>
+      <p:sp>
+        <p:nvSpPr>
+          <p:cNvPr id="13" name="Slide Number Placeholder 5" hidden="0"/>
+          <p:cNvSpPr>
+            <a:spLocks noGrp="1"/>
+          </p:cNvSpPr>
+          <p:nvPr isPhoto="0" userDrawn="0">
+            <p:ph type="sldNum" sz="quarter" idx="4" hasCustomPrompt="0"/>
+          </p:nvPr>
+        </p:nvSpPr>
+        <p:spPr bwMode="auto">
           <a:xfrm>
             <a:off x="10353901" y="5969000"/>
             <a:ext cx="542697" cy="279400"/>
@@ -5410,56 +5695,52 @@
                 <a:solidFill>
                   <a:schemeClr val="tx1"/>
                 </a:solidFill>
-                <a:effectLst/>
                 <a:latin typeface="+mn-lt"/>
               </a:defRPr>
             </a:lvl1pPr>
           </a:lstStyle>
           <a:p>
+            <a:pPr>
+              <a:defRPr/>
+            </a:pPr>
             <a:fld id="{6D22F896-40B5-4ADD-8801-0D06FADFA095}" type="slidenum">
-              <a:rPr lang="en-US" smtClean="0"/>
-              <a:pPr/>
-              <a:t>‹Nº›</a:t>
+              <a:rPr lang="en-US"/>
+              <a:t/>
             </a:fld>
-            <a:endParaRPr lang="en-US" dirty="0"/>
+            <a:endParaRPr lang="en-US"/>
           </a:p>
         </p:txBody>
       </p:sp>
     </p:spTree>
-    <p:extLst>
-      <p:ext uri="{BB962C8B-B14F-4D97-AF65-F5344CB8AC3E}">
-        <p14:creationId xmlns:p14="http://schemas.microsoft.com/office/powerpoint/2010/main" val="1647577896"/>
-      </p:ext>
-    </p:extLst>
   </p:cSld>
-  <p:clrMap bg1="lt1" tx1="dk1" bg2="lt2" tx2="dk2" accent1="accent1" accent2="accent2" accent3="accent3" accent4="accent4" accent5="accent5" accent6="accent6" hlink="hlink" folHlink="folHlink"/>
+  <p:clrMap accent1="accent1" accent2="accent2" accent3="accent3" accent4="accent4" accent5="accent5" accent6="accent6" bg1="lt1" bg2="lt2" folHlink="folHlink" hlink="hlink" tx1="dk1" tx2="dk2"/>
   <p:sldLayoutIdLst>
-    <p:sldLayoutId id="2147483670" r:id="rId1"/>
-    <p:sldLayoutId id="2147483671" r:id="rId2"/>
-    <p:sldLayoutId id="2147483672" r:id="rId3"/>
-    <p:sldLayoutId id="2147483673" r:id="rId4"/>
-    <p:sldLayoutId id="2147483674" r:id="rId5"/>
-    <p:sldLayoutId id="2147483675" r:id="rId6"/>
-    <p:sldLayoutId id="2147483676" r:id="rId7"/>
-    <p:sldLayoutId id="2147483677" r:id="rId8"/>
-    <p:sldLayoutId id="2147483678" r:id="rId9"/>
-    <p:sldLayoutId id="2147483679" r:id="rId10"/>
-    <p:sldLayoutId id="2147483680" r:id="rId11"/>
-    <p:sldLayoutId id="2147483681" r:id="rId12"/>
-    <p:sldLayoutId id="2147483682" r:id="rId13"/>
-    <p:sldLayoutId id="2147483683" r:id="rId14"/>
-    <p:sldLayoutId id="2147483684" r:id="rId15"/>
-    <p:sldLayoutId id="2147483685" r:id="rId16"/>
-    <p:sldLayoutId id="2147483686" r:id="rId17"/>
+    <p:sldLayoutId id="2147483649" r:id="rId1"/>
+    <p:sldLayoutId id="2147483650" r:id="rId2"/>
+    <p:sldLayoutId id="2147483651" r:id="rId3"/>
+    <p:sldLayoutId id="2147483652" r:id="rId4"/>
+    <p:sldLayoutId id="2147483653" r:id="rId5"/>
+    <p:sldLayoutId id="2147483654" r:id="rId6"/>
+    <p:sldLayoutId id="2147483655" r:id="rId7"/>
+    <p:sldLayoutId id="2147483656" r:id="rId8"/>
+    <p:sldLayoutId id="2147483657" r:id="rId9"/>
+    <p:sldLayoutId id="2147483658" r:id="rId10"/>
+    <p:sldLayoutId id="2147483659" r:id="rId11"/>
+    <p:sldLayoutId id="2147483660" r:id="rId12"/>
+    <p:sldLayoutId id="2147483661" r:id="rId13"/>
+    <p:sldLayoutId id="2147483662" r:id="rId14"/>
+    <p:sldLayoutId id="2147483663" r:id="rId15"/>
+    <p:sldLayoutId id="2147483664" r:id="rId16"/>
+    <p:sldLayoutId id="2147483665" r:id="rId17"/>
   </p:sldLayoutIdLst>
   <p:txStyles>
     <p:titleStyle>
-      <a:lvl1pPr algn="ctr" defTabSz="457200" rtl="0" eaLnBrk="1" latinLnBrk="0" hangingPunct="1">
+      <a:lvl1pPr algn="ctr" defTabSz="457200">
         <a:spcBef>
-          <a:spcPct val="0"/>
+          <a:spcPts val="0"/>
         </a:spcBef>
         <a:buNone/>
-        <a:defRPr sz="4400" kern="1200" cap="none">
+        <a:defRPr sz="4400" cap="none">
           <a:ln w="3175" cmpd="sng">
             <a:noFill/>
           </a:ln>
@@ -5469,62 +5750,61 @@
               <a:lumOff val="15000"/>
             </a:schemeClr>
           </a:solidFill>
-          <a:effectLst/>
           <a:latin typeface="+mj-lt"/>
           <a:ea typeface="+mj-ea"/>
           <a:cs typeface="+mj-cs"/>
         </a:defRPr>
       </a:lvl1pPr>
-      <a:lvl2pPr eaLnBrk="1" hangingPunct="1">
+      <a:lvl2pPr>
         <a:defRPr>
           <a:solidFill>
             <a:schemeClr val="tx2"/>
           </a:solidFill>
         </a:defRPr>
       </a:lvl2pPr>
-      <a:lvl3pPr eaLnBrk="1" hangingPunct="1">
+      <a:lvl3pPr>
         <a:defRPr>
           <a:solidFill>
             <a:schemeClr val="tx2"/>
           </a:solidFill>
         </a:defRPr>
       </a:lvl3pPr>
-      <a:lvl4pPr eaLnBrk="1" hangingPunct="1">
+      <a:lvl4pPr>
         <a:defRPr>
           <a:solidFill>
             <a:schemeClr val="tx2"/>
           </a:solidFill>
         </a:defRPr>
       </a:lvl4pPr>
-      <a:lvl5pPr eaLnBrk="1" hangingPunct="1">
+      <a:lvl5pPr>
         <a:defRPr>
           <a:solidFill>
             <a:schemeClr val="tx2"/>
           </a:solidFill>
         </a:defRPr>
       </a:lvl5pPr>
-      <a:lvl6pPr eaLnBrk="1" hangingPunct="1">
+      <a:lvl6pPr>
         <a:defRPr>
           <a:solidFill>
             <a:schemeClr val="tx2"/>
           </a:solidFill>
         </a:defRPr>
       </a:lvl6pPr>
-      <a:lvl7pPr eaLnBrk="1" hangingPunct="1">
+      <a:lvl7pPr>
         <a:defRPr>
           <a:solidFill>
             <a:schemeClr val="tx2"/>
           </a:solidFill>
         </a:defRPr>
       </a:lvl7pPr>
-      <a:lvl8pPr eaLnBrk="1" hangingPunct="1">
+      <a:lvl8pPr>
         <a:defRPr>
           <a:solidFill>
             <a:schemeClr val="tx2"/>
           </a:solidFill>
         </a:defRPr>
       </a:lvl8pPr>
-      <a:lvl9pPr eaLnBrk="1" hangingPunct="1">
+      <a:lvl9pPr>
         <a:defRPr>
           <a:solidFill>
             <a:schemeClr val="tx2"/>
@@ -5533,9 +5813,9 @@
       </a:lvl9pPr>
     </p:titleStyle>
     <p:bodyStyle>
-      <a:lvl1pPr marL="285750" indent="-285750" algn="l" defTabSz="457200" rtl="0" eaLnBrk="1" latinLnBrk="0" hangingPunct="1">
+      <a:lvl1pPr marL="285750" indent="-285750" algn="l" defTabSz="457200">
         <a:spcBef>
-          <a:spcPct val="20000"/>
+          <a:spcPts val="0"/>
         </a:spcBef>
         <a:spcAft>
           <a:spcPts val="600"/>
@@ -5546,22 +5826,21 @@
         <a:buSzPct val="115000"/>
         <a:buFont typeface="Arial"/>
         <a:buChar char="•"/>
-        <a:defRPr sz="2400" kern="1200" cap="none">
+        <a:defRPr sz="2400" cap="none">
           <a:solidFill>
             <a:schemeClr val="tx1">
               <a:lumMod val="85000"/>
               <a:lumOff val="15000"/>
             </a:schemeClr>
           </a:solidFill>
-          <a:effectLst/>
           <a:latin typeface="+mn-lt"/>
           <a:ea typeface="+mn-ea"/>
           <a:cs typeface="+mn-cs"/>
         </a:defRPr>
       </a:lvl1pPr>
-      <a:lvl2pPr marL="742950" indent="-285750" algn="l" defTabSz="457200" rtl="0" eaLnBrk="1" latinLnBrk="0" hangingPunct="1">
+      <a:lvl2pPr marL="742950" indent="-285750" algn="l" defTabSz="457200">
         <a:spcBef>
-          <a:spcPct val="20000"/>
+          <a:spcPts val="0"/>
         </a:spcBef>
         <a:spcAft>
           <a:spcPts val="600"/>
@@ -5572,22 +5851,21 @@
         <a:buSzPct val="115000"/>
         <a:buFont typeface="Arial"/>
         <a:buChar char="•"/>
-        <a:defRPr sz="2000" kern="1200" cap="none">
+        <a:defRPr sz="2000" cap="none">
           <a:solidFill>
             <a:schemeClr val="tx1">
               <a:lumMod val="85000"/>
               <a:lumOff val="15000"/>
             </a:schemeClr>
           </a:solidFill>
-          <a:effectLst/>
           <a:latin typeface="+mn-lt"/>
           <a:ea typeface="+mn-ea"/>
           <a:cs typeface="+mn-cs"/>
         </a:defRPr>
       </a:lvl2pPr>
-      <a:lvl3pPr marL="1200150" indent="-285750" algn="l" defTabSz="457200" rtl="0" eaLnBrk="1" latinLnBrk="0" hangingPunct="1">
+      <a:lvl3pPr marL="1200150" indent="-285750" algn="l" defTabSz="457200">
         <a:spcBef>
-          <a:spcPct val="20000"/>
+          <a:spcPts val="0"/>
         </a:spcBef>
         <a:spcAft>
           <a:spcPts val="600"/>
@@ -5598,22 +5876,21 @@
         <a:buSzPct val="115000"/>
         <a:buFont typeface="Arial"/>
         <a:buChar char="•"/>
-        <a:defRPr sz="1800" kern="1200" cap="none">
+        <a:defRPr sz="1800" cap="none">
           <a:solidFill>
             <a:schemeClr val="tx1">
               <a:lumMod val="85000"/>
               <a:lumOff val="15000"/>
             </a:schemeClr>
           </a:solidFill>
-          <a:effectLst/>
           <a:latin typeface="+mn-lt"/>
           <a:ea typeface="+mn-ea"/>
           <a:cs typeface="+mn-cs"/>
         </a:defRPr>
       </a:lvl3pPr>
-      <a:lvl4pPr marL="1543050" indent="-171450" algn="l" defTabSz="457200" rtl="0" eaLnBrk="1" latinLnBrk="0" hangingPunct="1">
+      <a:lvl4pPr marL="1543050" indent="-171450" algn="l" defTabSz="457200">
         <a:spcBef>
-          <a:spcPct val="20000"/>
+          <a:spcPts val="0"/>
         </a:spcBef>
         <a:spcAft>
           <a:spcPts val="600"/>
@@ -5624,22 +5901,21 @@
         <a:buSzPct val="115000"/>
         <a:buFont typeface="Arial"/>
         <a:buChar char="•"/>
-        <a:defRPr sz="1600" kern="1200" cap="none">
+        <a:defRPr sz="1600" cap="none">
           <a:solidFill>
             <a:schemeClr val="tx1">
               <a:lumMod val="85000"/>
               <a:lumOff val="15000"/>
             </a:schemeClr>
           </a:solidFill>
-          <a:effectLst/>
           <a:latin typeface="+mn-lt"/>
           <a:ea typeface="+mn-ea"/>
           <a:cs typeface="+mn-cs"/>
         </a:defRPr>
       </a:lvl4pPr>
-      <a:lvl5pPr marL="2000250" indent="-171450" algn="l" defTabSz="457200" rtl="0" eaLnBrk="1" latinLnBrk="0" hangingPunct="1">
+      <a:lvl5pPr marL="2000250" indent="-171450" algn="l" defTabSz="457200">
         <a:spcBef>
-          <a:spcPct val="20000"/>
+          <a:spcPts val="0"/>
         </a:spcBef>
         <a:spcAft>
           <a:spcPts val="600"/>
@@ -5650,22 +5926,21 @@
         <a:buSzPct val="115000"/>
         <a:buFont typeface="Arial"/>
         <a:buChar char="•"/>
-        <a:defRPr sz="1400" kern="1200" cap="none">
+        <a:defRPr sz="1400" cap="none">
           <a:solidFill>
             <a:schemeClr val="tx1">
               <a:lumMod val="85000"/>
               <a:lumOff val="15000"/>
             </a:schemeClr>
           </a:solidFill>
-          <a:effectLst/>
           <a:latin typeface="+mn-lt"/>
           <a:ea typeface="+mn-ea"/>
           <a:cs typeface="+mn-cs"/>
         </a:defRPr>
       </a:lvl5pPr>
-      <a:lvl6pPr marL="2514600" indent="-228600" algn="l" defTabSz="457200" rtl="0" eaLnBrk="1" latinLnBrk="0" hangingPunct="1">
+      <a:lvl6pPr marL="2514600" indent="-228600" algn="l" defTabSz="457200">
         <a:spcBef>
-          <a:spcPct val="20000"/>
+          <a:spcPts val="0"/>
         </a:spcBef>
         <a:spcAft>
           <a:spcPts val="600"/>
@@ -5676,22 +5951,21 @@
         <a:buSzPct val="115000"/>
         <a:buFont typeface="Arial"/>
         <a:buChar char="•"/>
-        <a:defRPr sz="1400" kern="1200" cap="none">
+        <a:defRPr sz="1400" cap="none">
           <a:solidFill>
             <a:schemeClr val="tx1">
               <a:lumMod val="85000"/>
               <a:lumOff val="15000"/>
             </a:schemeClr>
           </a:solidFill>
-          <a:effectLst/>
           <a:latin typeface="+mn-lt"/>
           <a:ea typeface="+mn-ea"/>
           <a:cs typeface="+mn-cs"/>
         </a:defRPr>
       </a:lvl6pPr>
-      <a:lvl7pPr marL="2971800" indent="-228600" algn="l" defTabSz="457200" rtl="0" eaLnBrk="1" latinLnBrk="0" hangingPunct="1">
+      <a:lvl7pPr marL="2971800" indent="-228600" algn="l" defTabSz="457200">
         <a:spcBef>
-          <a:spcPct val="20000"/>
+          <a:spcPts val="0"/>
         </a:spcBef>
         <a:spcAft>
           <a:spcPts val="600"/>
@@ -5702,22 +5976,21 @@
         <a:buSzPct val="115000"/>
         <a:buFont typeface="Arial"/>
         <a:buChar char="•"/>
-        <a:defRPr sz="1400" kern="1200" cap="none">
+        <a:defRPr sz="1400" cap="none">
           <a:solidFill>
             <a:schemeClr val="tx1">
               <a:lumMod val="85000"/>
               <a:lumOff val="15000"/>
             </a:schemeClr>
           </a:solidFill>
-          <a:effectLst/>
           <a:latin typeface="+mn-lt"/>
           <a:ea typeface="+mn-ea"/>
           <a:cs typeface="+mn-cs"/>
         </a:defRPr>
       </a:lvl7pPr>
-      <a:lvl8pPr marL="3429000" indent="-228600" algn="l" defTabSz="457200" rtl="0" eaLnBrk="1" latinLnBrk="0" hangingPunct="1">
+      <a:lvl8pPr marL="3429000" indent="-228600" algn="l" defTabSz="457200">
         <a:spcBef>
-          <a:spcPct val="20000"/>
+          <a:spcPts val="0"/>
         </a:spcBef>
         <a:spcAft>
           <a:spcPts val="600"/>
@@ -5728,22 +6001,21 @@
         <a:buSzPct val="115000"/>
         <a:buFont typeface="Arial"/>
         <a:buChar char="•"/>
-        <a:defRPr sz="1400" kern="1200" cap="none">
+        <a:defRPr sz="1400" cap="none">
           <a:solidFill>
             <a:schemeClr val="tx1">
               <a:lumMod val="85000"/>
               <a:lumOff val="15000"/>
             </a:schemeClr>
           </a:solidFill>
-          <a:effectLst/>
           <a:latin typeface="+mn-lt"/>
           <a:ea typeface="+mn-ea"/>
           <a:cs typeface="+mn-cs"/>
         </a:defRPr>
       </a:lvl8pPr>
-      <a:lvl9pPr marL="3886200" indent="-228600" algn="l" defTabSz="457200" rtl="0" eaLnBrk="1" latinLnBrk="0" hangingPunct="1">
+      <a:lvl9pPr marL="3886200" indent="-228600" algn="l" defTabSz="457200">
         <a:spcBef>
-          <a:spcPct val="20000"/>
+          <a:spcPts val="0"/>
         </a:spcBef>
         <a:spcAft>
           <a:spcPts val="600"/>
@@ -5754,14 +6026,13 @@
         <a:buSzPct val="115000"/>
         <a:buFont typeface="Arial"/>
         <a:buChar char="•"/>
-        <a:defRPr sz="1400" kern="1200" cap="none">
+        <a:defRPr sz="1400" cap="none">
           <a:solidFill>
             <a:schemeClr val="tx1">
               <a:lumMod val="85000"/>
               <a:lumOff val="15000"/>
             </a:schemeClr>
           </a:solidFill>
-          <a:effectLst/>
           <a:latin typeface="+mn-lt"/>
           <a:ea typeface="+mn-ea"/>
           <a:cs typeface="+mn-cs"/>
@@ -5772,8 +6043,8 @@
       <a:defPPr>
         <a:defRPr lang="en-US"/>
       </a:defPPr>
-      <a:lvl1pPr marL="0" algn="l" defTabSz="457200" rtl="0" eaLnBrk="1" latinLnBrk="0" hangingPunct="1">
-        <a:defRPr sz="1800" kern="1200">
+      <a:lvl1pPr marL="0" algn="l" defTabSz="457200">
+        <a:defRPr sz="1800">
           <a:solidFill>
             <a:schemeClr val="tx1"/>
           </a:solidFill>
@@ -5782,8 +6053,8 @@
           <a:cs typeface="+mn-cs"/>
         </a:defRPr>
       </a:lvl1pPr>
-      <a:lvl2pPr marL="457200" algn="l" defTabSz="457200" rtl="0" eaLnBrk="1" latinLnBrk="0" hangingPunct="1">
-        <a:defRPr sz="1800" kern="1200">
+      <a:lvl2pPr marL="457200" algn="l" defTabSz="457200">
+        <a:defRPr sz="1800">
           <a:solidFill>
             <a:schemeClr val="tx1"/>
           </a:solidFill>
@@ -5792,8 +6063,8 @@
           <a:cs typeface="+mn-cs"/>
         </a:defRPr>
       </a:lvl2pPr>
-      <a:lvl3pPr marL="914400" algn="l" defTabSz="457200" rtl="0" eaLnBrk="1" latinLnBrk="0" hangingPunct="1">
-        <a:defRPr sz="1800" kern="1200">
+      <a:lvl3pPr marL="914400" algn="l" defTabSz="457200">
+        <a:defRPr sz="1800">
           <a:solidFill>
             <a:schemeClr val="tx1"/>
           </a:solidFill>
@@ -5802,8 +6073,8 @@
           <a:cs typeface="+mn-cs"/>
         </a:defRPr>
       </a:lvl3pPr>
-      <a:lvl4pPr marL="1371600" algn="l" defTabSz="457200" rtl="0" eaLnBrk="1" latinLnBrk="0" hangingPunct="1">
-        <a:defRPr sz="1800" kern="1200">
+      <a:lvl4pPr marL="1371600" algn="l" defTabSz="457200">
+        <a:defRPr sz="1800">
           <a:solidFill>
             <a:schemeClr val="tx1"/>
           </a:solidFill>
@@ -5812,8 +6083,8 @@
           <a:cs typeface="+mn-cs"/>
         </a:defRPr>
       </a:lvl4pPr>
-      <a:lvl5pPr marL="1828800" algn="l" defTabSz="457200" rtl="0" eaLnBrk="1" latinLnBrk="0" hangingPunct="1">
-        <a:defRPr sz="1800" kern="1200">
+      <a:lvl5pPr marL="1828800" algn="l" defTabSz="457200">
+        <a:defRPr sz="1800">
           <a:solidFill>
             <a:schemeClr val="tx1"/>
           </a:solidFill>
@@ -5822,8 +6093,8 @@
           <a:cs typeface="+mn-cs"/>
         </a:defRPr>
       </a:lvl5pPr>
-      <a:lvl6pPr marL="2286000" algn="l" defTabSz="457200" rtl="0" eaLnBrk="1" latinLnBrk="0" hangingPunct="1">
-        <a:defRPr sz="1800" kern="1200">
+      <a:lvl6pPr marL="2286000" algn="l" defTabSz="457200">
+        <a:defRPr sz="1800">
           <a:solidFill>
             <a:schemeClr val="tx1"/>
           </a:solidFill>
@@ -5832,8 +6103,8 @@
           <a:cs typeface="+mn-cs"/>
         </a:defRPr>
       </a:lvl6pPr>
-      <a:lvl7pPr marL="2743200" algn="l" defTabSz="457200" rtl="0" eaLnBrk="1" latinLnBrk="0" hangingPunct="1">
-        <a:defRPr sz="1800" kern="1200">
+      <a:lvl7pPr marL="2743200" algn="l" defTabSz="457200">
+        <a:defRPr sz="1800">
           <a:solidFill>
             <a:schemeClr val="tx1"/>
           </a:solidFill>
@@ -5842,8 +6113,8 @@
           <a:cs typeface="+mn-cs"/>
         </a:defRPr>
       </a:lvl7pPr>
-      <a:lvl8pPr marL="3200400" algn="l" defTabSz="457200" rtl="0" eaLnBrk="1" latinLnBrk="0" hangingPunct="1">
-        <a:defRPr sz="1800" kern="1200">
+      <a:lvl8pPr marL="3200400" algn="l" defTabSz="457200">
+        <a:defRPr sz="1800">
           <a:solidFill>
             <a:schemeClr val="tx1"/>
           </a:solidFill>
@@ -5852,8 +6123,8 @@
           <a:cs typeface="+mn-cs"/>
         </a:defRPr>
       </a:lvl8pPr>
-      <a:lvl9pPr marL="3657600" algn="l" defTabSz="457200" rtl="0" eaLnBrk="1" latinLnBrk="0" hangingPunct="1">
-        <a:defRPr sz="1800" kern="1200">
+      <a:lvl9pPr marL="3657600" algn="l" defTabSz="457200">
+        <a:defRPr sz="1800">
           <a:solidFill>
             <a:schemeClr val="tx1"/>
           </a:solidFill>
@@ -5868,15 +6139,15 @@
 </file>
 
 <file path=ppt/slides/slide1.xml><?xml version="1.0" encoding="utf-8"?>
-<p:sld xmlns:a="http://schemas.openxmlformats.org/drawingml/2006/main" xmlns:r="http://schemas.openxmlformats.org/officeDocument/2006/relationships" xmlns:p="http://schemas.openxmlformats.org/presentationml/2006/main">
-  <p:cSld>
+<p:sld xmlns:a="http://schemas.openxmlformats.org/drawingml/2006/main" xmlns:r="http://schemas.openxmlformats.org/officeDocument/2006/relationships" xmlns:p="http://schemas.openxmlformats.org/presentationml/2006/main" xmlns:m="http://schemas.openxmlformats.org/officeDocument/2006/math" xmlns:w="http://schemas.openxmlformats.org/wordprocessingml/2006/main" showMasterPhAnim="0" show="1">
+  <p:cSld name="">
     <p:spTree>
       <p:nvGrpSpPr>
-        <p:cNvPr id="1" name=""/>
+        <p:cNvPr id="1" name="" hidden="0"/>
         <p:cNvGrpSpPr/>
-        <p:nvPr/>
+        <p:nvPr isPhoto="0" userDrawn="0"/>
       </p:nvGrpSpPr>
-      <p:grpSpPr>
+      <p:grpSpPr bwMode="auto">
         <a:xfrm>
           <a:off x="0" y="0"/>
           <a:ext cx="0" cy="0"/>
@@ -5884,157 +6155,32 @@
           <a:chExt cx="0" cy="0"/>
         </a:xfrm>
       </p:grpSpPr>
-      <p:sp>
-        <p:nvSpPr>
-          <p:cNvPr id="2" name="Título 1"/>
-          <p:cNvSpPr>
-            <a:spLocks noGrp="1"/>
-          </p:cNvSpPr>
-          <p:nvPr>
-            <p:ph type="ctrTitle"/>
-          </p:nvPr>
-        </p:nvSpPr>
-        <p:spPr>
-          <a:xfrm>
-            <a:off x="2099256" y="1626091"/>
-            <a:ext cx="8049811" cy="1179347"/>
-          </a:xfrm>
-        </p:spPr>
-        <p:txBody>
-          <a:bodyPr>
-            <a:normAutofit fontScale="90000"/>
-          </a:bodyPr>
-          <a:lstStyle/>
-          <a:p>
-            <a:r>
-              <a:rPr lang="es-ES" sz="6000" b="1" dirty="0" smtClean="0">
-                <a:solidFill>
-                  <a:schemeClr val="tx1"/>
-                </a:solidFill>
-                <a:latin typeface="Century Schoolbook" panose="02040604050505020304" pitchFamily="18" charset="0"/>
-                <a:cs typeface="Bangla Sangam MN" panose="02000000000000000000" pitchFamily="2" charset="0"/>
-              </a:rPr>
-              <a:t>Sistema Bibliotecario</a:t>
-            </a:r>
-            <a:endParaRPr lang="es-EC" sz="6000" b="1" dirty="0">
-              <a:solidFill>
-                <a:schemeClr val="tx1"/>
-              </a:solidFill>
-              <a:latin typeface="Century Schoolbook" panose="02040604050505020304" pitchFamily="18" charset="0"/>
-              <a:cs typeface="Bangla Sangam MN" panose="02000000000000000000" pitchFamily="2" charset="0"/>
-            </a:endParaRPr>
-          </a:p>
-        </p:txBody>
-      </p:sp>
-      <p:sp>
-        <p:nvSpPr>
-          <p:cNvPr id="3" name="Subtítulo 2"/>
-          <p:cNvSpPr>
-            <a:spLocks noGrp="1"/>
-          </p:cNvSpPr>
-          <p:nvPr>
-            <p:ph type="subTitle" idx="1"/>
-          </p:nvPr>
-        </p:nvSpPr>
-        <p:spPr>
-          <a:xfrm>
-            <a:off x="2601532" y="3490175"/>
-            <a:ext cx="6599379" cy="1947042"/>
-          </a:xfrm>
-        </p:spPr>
-        <p:txBody>
-          <a:bodyPr>
-            <a:normAutofit/>
-          </a:bodyPr>
-          <a:lstStyle/>
-          <a:p>
-            <a:pPr algn="l"/>
-            <a:r>
-              <a:rPr lang="es-ES" sz="3200" b="1" dirty="0">
-                <a:latin typeface="Century Schoolbook" panose="02040604050505020304" pitchFamily="18" charset="0"/>
-              </a:rPr>
-              <a:t>Integrantes: </a:t>
-            </a:r>
-          </a:p>
-          <a:p>
-            <a:pPr algn="l"/>
-            <a:r>
-              <a:rPr lang="es-ES" sz="3200" b="1" dirty="0">
-                <a:latin typeface="Century Schoolbook" panose="02040604050505020304" pitchFamily="18" charset="0"/>
-              </a:rPr>
-              <a:t>			</a:t>
-            </a:r>
-            <a:r>
-              <a:rPr lang="es-ES" sz="3200" b="1" dirty="0" err="1" smtClean="0">
-                <a:latin typeface="Century Schoolbook" panose="02040604050505020304" pitchFamily="18" charset="0"/>
-              </a:rPr>
-              <a:t>Perlaza</a:t>
-            </a:r>
-            <a:r>
-              <a:rPr lang="es-ES" sz="3200" b="1" dirty="0" smtClean="0">
-                <a:latin typeface="Century Schoolbook" panose="02040604050505020304" pitchFamily="18" charset="0"/>
-              </a:rPr>
-              <a:t> </a:t>
-            </a:r>
-            <a:r>
-              <a:rPr lang="es-ES" sz="3200" b="1" dirty="0" err="1" smtClean="0">
-                <a:latin typeface="Century Schoolbook" panose="02040604050505020304" pitchFamily="18" charset="0"/>
-              </a:rPr>
-              <a:t>Johao</a:t>
-            </a:r>
-            <a:endParaRPr lang="es-ES" sz="3200" b="1" dirty="0">
-              <a:latin typeface="Century Schoolbook" panose="02040604050505020304" pitchFamily="18" charset="0"/>
-            </a:endParaRPr>
-          </a:p>
-          <a:p>
-            <a:pPr algn="l"/>
-            <a:r>
-              <a:rPr lang="es-ES" sz="3200" b="1" dirty="0">
-                <a:latin typeface="Century Schoolbook" panose="02040604050505020304" pitchFamily="18" charset="0"/>
-              </a:rPr>
-              <a:t>			</a:t>
-            </a:r>
-            <a:r>
-              <a:rPr lang="es-ES" sz="3200" b="1" dirty="0" smtClean="0">
-                <a:latin typeface="Century Schoolbook" panose="02040604050505020304" pitchFamily="18" charset="0"/>
-              </a:rPr>
-              <a:t>Simba</a:t>
-            </a:r>
-            <a:r>
-              <a:rPr lang="es-EC" sz="3200" b="1" dirty="0" smtClean="0">
-                <a:latin typeface="Century Schoolbook" panose="02040604050505020304" pitchFamily="18" charset="0"/>
-              </a:rPr>
-              <a:t>ña Joel</a:t>
-            </a:r>
-            <a:endParaRPr lang="es-EC" sz="3200" b="1" dirty="0">
-              <a:latin typeface="Century Schoolbook" panose="02040604050505020304" pitchFamily="18" charset="0"/>
-            </a:endParaRPr>
-          </a:p>
-        </p:txBody>
-      </p:sp>
     </p:spTree>
-    <p:extLst>
-      <p:ext uri="{BB962C8B-B14F-4D97-AF65-F5344CB8AC3E}">
-        <p14:creationId xmlns:p14="http://schemas.microsoft.com/office/powerpoint/2010/main" val="2354788801"/>
-      </p:ext>
-    </p:extLst>
   </p:cSld>
   <p:clrMapOvr>
     <a:masterClrMapping/>
   </p:clrMapOvr>
+  <mc:AlternateContent xmlns:mc="http://schemas.openxmlformats.org/markup-compatibility/2006">
+    <mc:Choice xmlns:p14="http://schemas.microsoft.com/office/powerpoint/2010/main" Requires="p14">
+      <p:transition p14:dur="2000" advClick="1"/>
+    </mc:Choice>
+    <mc:Fallback>
+      <p:transition advClick="1"/>
+    </mc:Fallback>
+  </mc:AlternateContent>
 </p:sld>
 </file>
 
 <file path=ppt/slides/slide2.xml><?xml version="1.0" encoding="utf-8"?>
-<p:sld xmlns:a="http://schemas.openxmlformats.org/drawingml/2006/main" xmlns:r="http://schemas.openxmlformats.org/officeDocument/2006/relationships" xmlns:p="http://schemas.openxmlformats.org/presentationml/2006/main">
-  <p:cSld>
+<p:sld xmlns:a="http://schemas.openxmlformats.org/drawingml/2006/main" xmlns:r="http://schemas.openxmlformats.org/officeDocument/2006/relationships" xmlns:p="http://schemas.openxmlformats.org/presentationml/2006/main" xmlns:m="http://schemas.openxmlformats.org/officeDocument/2006/math" xmlns:w="http://schemas.openxmlformats.org/wordprocessingml/2006/main" showMasterPhAnim="0" show="1">
+  <p:cSld name="">
     <p:spTree>
       <p:nvGrpSpPr>
-        <p:cNvPr id="1" name=""/>
+        <p:cNvPr id="1" name="" hidden="0"/>
         <p:cNvGrpSpPr/>
-        <p:nvPr/>
+        <p:nvPr isPhoto="0" userDrawn="0"/>
       </p:nvGrpSpPr>
-      <p:grpSpPr>
+      <p:grpSpPr bwMode="auto">
         <a:xfrm>
           <a:off x="0" y="0"/>
           <a:ext cx="0" cy="0"/>
@@ -6044,119 +6190,164 @@
       </p:grpSpPr>
       <p:sp>
         <p:nvSpPr>
-          <p:cNvPr id="2" name="Título 1"/>
-          <p:cNvSpPr>
-            <a:spLocks noGrp="1"/>
-          </p:cNvSpPr>
-          <p:nvPr>
-            <p:ph type="title"/>
-          </p:nvPr>
-        </p:nvSpPr>
-        <p:spPr>
-          <a:xfrm>
-            <a:off x="913149" y="770915"/>
-            <a:ext cx="10364451" cy="1596177"/>
-          </a:xfrm>
-        </p:spPr>
-        <p:txBody>
-          <a:bodyPr>
-            <a:normAutofit/>
-          </a:bodyPr>
-          <a:lstStyle/>
-          <a:p>
-            <a:r>
-              <a:rPr lang="es-ES" sz="4800" dirty="0"/>
-              <a:t>INTRODUCCIÓN</a:t>
-            </a:r>
-            <a:endParaRPr lang="es-EC" sz="4800" dirty="0"/>
-          </a:p>
-        </p:txBody>
-      </p:sp>
-      <p:sp>
-        <p:nvSpPr>
-          <p:cNvPr id="3" name="Marcador de contenido 2"/>
-          <p:cNvSpPr>
-            <a:spLocks noGrp="1"/>
-          </p:cNvSpPr>
-          <p:nvPr>
-            <p:ph idx="1"/>
-          </p:nvPr>
-        </p:nvSpPr>
-        <p:spPr>
-          <a:xfrm>
-            <a:off x="913774" y="2367092"/>
-            <a:ext cx="10363826" cy="3344450"/>
-          </a:xfrm>
-        </p:spPr>
-        <p:txBody>
-          <a:bodyPr>
-            <a:normAutofit/>
-          </a:bodyPr>
-          <a:lstStyle/>
-          <a:p>
-            <a:pPr marL="0" indent="0" algn="just">
-              <a:buNone/>
-            </a:pPr>
-            <a:r>
-              <a:rPr lang="es-EC" dirty="0"/>
-              <a:t>La Biblioteca cuenta con una gran variedad de libros en donde los estudiantes pueden ir a consultar la información necesaria para sus respectivas actividades académicas, pero sabiendo que los estudiantes tienen poco tiempo para visitar la biblioteca y receso, necesitan hacer una reservación para concluir con sus respectivas investigaciones</a:t>
-            </a:r>
-            <a:r>
-              <a:rPr lang="es-EC" dirty="0" smtClean="0"/>
-              <a:t>.</a:t>
-            </a:r>
-          </a:p>
-          <a:p>
-            <a:pPr marL="0" indent="0" algn="just">
-              <a:buNone/>
-            </a:pPr>
-            <a:r>
-              <a:rPr lang="es-ES_tradnl" dirty="0" smtClean="0"/>
-              <a:t>Se espera que el </a:t>
-            </a:r>
-            <a:r>
-              <a:rPr lang="es-ES_tradnl" dirty="0"/>
-              <a:t>desarrollo del Sistema de Biblioteca Escolar </a:t>
-            </a:r>
-            <a:r>
-              <a:rPr lang="es-ES_tradnl" dirty="0" smtClean="0"/>
-              <a:t>permita </a:t>
-            </a:r>
-            <a:r>
-              <a:rPr lang="es-ES_tradnl" dirty="0"/>
-              <a:t>mejorar los procesos actuales de reservación y búsqueda de </a:t>
-            </a:r>
-            <a:r>
-              <a:rPr lang="es-ES_tradnl" dirty="0" smtClean="0"/>
-              <a:t>libros.</a:t>
-            </a:r>
-            <a:endParaRPr lang="es-EC" dirty="0"/>
+          <p:cNvPr id="4" name="Título 1" hidden="0"/>
+          <p:cNvSpPr>
+            <a:spLocks noGrp="1"/>
+          </p:cNvSpPr>
+          <p:nvPr isPhoto="0" userDrawn="0">
+            <p:ph type="ctrTitle" hasCustomPrompt="0"/>
+          </p:nvPr>
+        </p:nvSpPr>
+        <p:spPr bwMode="auto">
+          <a:xfrm>
+            <a:off x="2099256" y="1626091"/>
+            <a:ext cx="8049811" cy="1179347"/>
+          </a:xfrm>
+        </p:spPr>
+        <p:txBody>
+          <a:bodyPr/>
+          <a:lstStyle/>
+          <a:p>
+            <a:pPr>
+              <a:defRPr/>
+            </a:pPr>
+            <a:r>
+              <a:rPr lang="es-ES" sz="5400" b="1">
+                <a:solidFill>
+                  <a:schemeClr val="tx1"/>
+                </a:solidFill>
+                <a:latin typeface="Century Schoolbook"/>
+                <a:cs typeface="Bangla Sangam MN"/>
+              </a:rPr>
+              <a:t>Sistema Bibliotecario</a:t>
+            </a:r>
+            <a:endParaRPr lang="es-EC" sz="5400" b="1">
+              <a:solidFill>
+                <a:schemeClr val="tx1"/>
+              </a:solidFill>
+              <a:latin typeface="Century Schoolbook"/>
+              <a:cs typeface="Bangla Sangam MN"/>
+            </a:endParaRPr>
+          </a:p>
+        </p:txBody>
+      </p:sp>
+      <p:sp>
+        <p:nvSpPr>
+          <p:cNvPr id="5" name="Subtítulo 2" hidden="0"/>
+          <p:cNvSpPr>
+            <a:spLocks noGrp="1"/>
+          </p:cNvSpPr>
+          <p:nvPr isPhoto="0" userDrawn="0">
+            <p:ph type="subTitle" idx="1" hasCustomPrompt="0"/>
+          </p:nvPr>
+        </p:nvSpPr>
+        <p:spPr bwMode="auto">
+          <a:xfrm>
+            <a:off x="2601532" y="3490175"/>
+            <a:ext cx="6599379" cy="1947042"/>
+          </a:xfrm>
+        </p:spPr>
+        <p:txBody>
+          <a:bodyPr/>
+          <a:lstStyle/>
+          <a:p>
+            <a:pPr algn="l">
+              <a:defRPr/>
+            </a:pPr>
+            <a:r>
+              <a:rPr lang="es-ES" sz="3200" b="1">
+                <a:latin typeface="Century Schoolbook"/>
+              </a:rPr>
+              <a:t>Integrantes: </a:t>
+            </a:r>
+            <a:endParaRPr/>
+          </a:p>
+          <a:p>
+            <a:pPr algn="l">
+              <a:defRPr/>
+            </a:pPr>
+            <a:r>
+              <a:rPr lang="es-ES" sz="3200" b="1">
+                <a:latin typeface="Century Schoolbook"/>
+              </a:rPr>
+              <a:t>			</a:t>
+            </a:r>
+            <a:r>
+              <a:rPr lang="es-ES" sz="3200" b="1">
+                <a:latin typeface="Century Schoolbook"/>
+              </a:rPr>
+              <a:t>Perlaza</a:t>
+            </a:r>
+            <a:r>
+              <a:rPr lang="es-ES" sz="3200" b="1">
+                <a:latin typeface="Century Schoolbook"/>
+              </a:rPr>
+              <a:t> </a:t>
+            </a:r>
+            <a:r>
+              <a:rPr lang="es-ES" sz="3200" b="1">
+                <a:latin typeface="Century Schoolbook"/>
+              </a:rPr>
+              <a:t>Johao</a:t>
+            </a:r>
+            <a:endParaRPr lang="es-ES" sz="3200" b="1">
+              <a:latin typeface="Century Schoolbook"/>
+            </a:endParaRPr>
+          </a:p>
+          <a:p>
+            <a:pPr algn="l">
+              <a:defRPr/>
+            </a:pPr>
+            <a:r>
+              <a:rPr lang="es-ES" sz="3200" b="1">
+                <a:latin typeface="Century Schoolbook"/>
+              </a:rPr>
+              <a:t>			</a:t>
+            </a:r>
+            <a:r>
+              <a:rPr lang="es-ES" sz="3200" b="1">
+                <a:latin typeface="Century Schoolbook"/>
+              </a:rPr>
+              <a:t>Simba</a:t>
+            </a:r>
+            <a:r>
+              <a:rPr lang="es-EC" sz="3200" b="1">
+                <a:latin typeface="Century Schoolbook"/>
+              </a:rPr>
+              <a:t>ña Joel</a:t>
+            </a:r>
+            <a:endParaRPr lang="es-EC" sz="3200" b="1">
+              <a:latin typeface="Century Schoolbook"/>
+            </a:endParaRPr>
           </a:p>
         </p:txBody>
       </p:sp>
     </p:spTree>
-    <p:extLst>
-      <p:ext uri="{BB962C8B-B14F-4D97-AF65-F5344CB8AC3E}">
-        <p14:creationId xmlns:p14="http://schemas.microsoft.com/office/powerpoint/2010/main" val="72425998"/>
-      </p:ext>
-    </p:extLst>
   </p:cSld>
   <p:clrMapOvr>
     <a:masterClrMapping/>
   </p:clrMapOvr>
+  <mc:AlternateContent xmlns:mc="http://schemas.openxmlformats.org/markup-compatibility/2006">
+    <mc:Choice xmlns:p14="http://schemas.microsoft.com/office/powerpoint/2010/main" Requires="p14">
+      <p:transition p14:dur="2000" advClick="1"/>
+    </mc:Choice>
+    <mc:Fallback>
+      <p:transition advClick="1"/>
+    </mc:Fallback>
+  </mc:AlternateContent>
 </p:sld>
 </file>
 
 <file path=ppt/slides/slide3.xml><?xml version="1.0" encoding="utf-8"?>
-<p:sld xmlns:a="http://schemas.openxmlformats.org/drawingml/2006/main" xmlns:r="http://schemas.openxmlformats.org/officeDocument/2006/relationships" xmlns:p="http://schemas.openxmlformats.org/presentationml/2006/main">
-  <p:cSld>
+<p:sld xmlns:a="http://schemas.openxmlformats.org/drawingml/2006/main" xmlns:r="http://schemas.openxmlformats.org/officeDocument/2006/relationships" xmlns:p="http://schemas.openxmlformats.org/presentationml/2006/main" xmlns:m="http://schemas.openxmlformats.org/officeDocument/2006/math" xmlns:w="http://schemas.openxmlformats.org/wordprocessingml/2006/main" showMasterPhAnim="0" show="1">
+  <p:cSld name="">
     <p:spTree>
       <p:nvGrpSpPr>
-        <p:cNvPr id="1" name=""/>
+        <p:cNvPr id="1" name="" hidden="0"/>
         <p:cNvGrpSpPr/>
-        <p:nvPr/>
+        <p:nvPr isPhoto="0" userDrawn="0"/>
       </p:nvGrpSpPr>
-      <p:grpSpPr>
+      <p:grpSpPr bwMode="auto">
         <a:xfrm>
           <a:off x="0" y="0"/>
           <a:ext cx="0" cy="0"/>
@@ -6166,112 +6357,124 @@
       </p:grpSpPr>
       <p:sp>
         <p:nvSpPr>
-          <p:cNvPr id="2" name="Título 1"/>
-          <p:cNvSpPr>
-            <a:spLocks noGrp="1"/>
-          </p:cNvSpPr>
-          <p:nvPr>
-            <p:ph type="title"/>
-          </p:nvPr>
-        </p:nvSpPr>
-        <p:spPr>
-          <a:xfrm>
-            <a:off x="913775" y="705603"/>
+          <p:cNvPr id="4" name="Título 1" hidden="0"/>
+          <p:cNvSpPr>
+            <a:spLocks noGrp="1"/>
+          </p:cNvSpPr>
+          <p:nvPr isPhoto="0" userDrawn="0">
+            <p:ph type="title" hasCustomPrompt="0"/>
+          </p:nvPr>
+        </p:nvSpPr>
+        <p:spPr bwMode="auto">
+          <a:xfrm>
+            <a:off x="913149" y="770915"/>
             <a:ext cx="10364451" cy="1596177"/>
           </a:xfrm>
         </p:spPr>
         <p:txBody>
-          <a:bodyPr>
-            <a:normAutofit/>
-          </a:bodyPr>
-          <a:lstStyle/>
-          <a:p>
-            <a:r>
-              <a:rPr lang="es-ES" sz="4800" dirty="0"/>
-              <a:t>OBJETIVO GENERAL</a:t>
-            </a:r>
-            <a:endParaRPr lang="es-EC" sz="4800" dirty="0"/>
-          </a:p>
-        </p:txBody>
-      </p:sp>
-      <p:sp>
-        <p:nvSpPr>
-          <p:cNvPr id="6" name="Marcador de contenido 5">
-            <a:extLst>
-              <a:ext uri="{FF2B5EF4-FFF2-40B4-BE49-F238E27FC236}">
-                <a16:creationId xmlns:a16="http://schemas.microsoft.com/office/drawing/2014/main" id="{E7B22872-EF82-0348-8BD6-2DBA58188BDA}"/>
-              </a:ext>
-            </a:extLst>
-          </p:cNvPr>
-          <p:cNvSpPr>
-            <a:spLocks noGrp="1"/>
-          </p:cNvSpPr>
-          <p:nvPr>
-            <p:ph idx="1"/>
-          </p:nvPr>
-        </p:nvSpPr>
-        <p:spPr>
-          <a:xfrm>
-            <a:off x="914400" y="2542457"/>
-            <a:ext cx="10363826" cy="3424107"/>
-          </a:xfrm>
-        </p:spPr>
-        <p:txBody>
-          <a:bodyPr>
-            <a:normAutofit/>
-          </a:bodyPr>
+          <a:bodyPr/>
+          <a:lstStyle/>
+          <a:p>
+            <a:pPr>
+              <a:defRPr/>
+            </a:pPr>
+            <a:r>
+              <a:rPr lang="es-ES" sz="4800"/>
+              <a:t>INTRODUCCIÓN</a:t>
+            </a:r>
+            <a:endParaRPr lang="es-EC" sz="4800"/>
+          </a:p>
+        </p:txBody>
+      </p:sp>
+      <p:sp>
+        <p:nvSpPr>
+          <p:cNvPr id="5" name="Marcador de contenido 2" hidden="0"/>
+          <p:cNvSpPr>
+            <a:spLocks noGrp="1"/>
+          </p:cNvSpPr>
+          <p:nvPr isPhoto="0" userDrawn="0">
+            <p:ph idx="1" hasCustomPrompt="0"/>
+          </p:nvPr>
+        </p:nvSpPr>
+        <p:spPr bwMode="auto">
+          <a:xfrm>
+            <a:off x="913774" y="2367092"/>
+            <a:ext cx="10363826" cy="3344450"/>
+          </a:xfrm>
+        </p:spPr>
+        <p:txBody>
+          <a:bodyPr/>
           <a:lstStyle/>
           <a:p>
             <a:pPr marL="0" indent="0" algn="just">
               <a:buNone/>
-            </a:pPr>
-            <a:r>
-              <a:rPr lang="es-EC" dirty="0"/>
-              <a:t>Diseñar y programar un Sistema de Biblioteca Escolar mediante el desarrollo de una página web administrativa para </a:t>
-            </a:r>
-            <a:r>
-              <a:rPr lang="es-EC" dirty="0" smtClean="0"/>
-              <a:t>el/los bibliotecario/s </a:t>
-            </a:r>
-            <a:r>
-              <a:rPr lang="es-EC" dirty="0"/>
-              <a:t>y los estudiantes una app </a:t>
-            </a:r>
-            <a:r>
-              <a:rPr lang="es-EC" dirty="0" smtClean="0"/>
-              <a:t>móvil Android </a:t>
-            </a:r>
-            <a:r>
-              <a:rPr lang="es-EC" dirty="0"/>
-              <a:t>para la reserva de libros.</a:t>
-            </a:r>
-            <a:endParaRPr lang="es-EC" sz="2400" dirty="0"/>
+              <a:defRPr/>
+            </a:pPr>
+            <a:r>
+              <a:rPr lang="es-EC"/>
+              <a:t>La Biblioteca cuenta con una gran variedad de libros en donde los estudiantes pueden ir a consultar la información necesaria para sus respectivas actividades académicas, pero sabiendo que los estudiantes tienen poco tiempo para visitar la biblioteca y receso, necesitan hacer una reservación para concluir con sus respectivas investigaciones</a:t>
+            </a:r>
+            <a:r>
+              <a:rPr lang="es-EC"/>
+              <a:t>.</a:t>
+            </a:r>
+            <a:endParaRPr/>
+          </a:p>
+          <a:p>
+            <a:pPr marL="0" indent="0" algn="just">
+              <a:buNone/>
+              <a:defRPr/>
+            </a:pPr>
+            <a:r>
+              <a:rPr lang="es-ES_tradnl"/>
+              <a:t>Se espera que el </a:t>
+            </a:r>
+            <a:r>
+              <a:rPr lang="es-ES_tradnl"/>
+              <a:t>desarrollo del Sistema de Biblioteca Escolar </a:t>
+            </a:r>
+            <a:r>
+              <a:rPr lang="es-ES_tradnl"/>
+              <a:t>permita </a:t>
+            </a:r>
+            <a:r>
+              <a:rPr lang="es-ES_tradnl"/>
+              <a:t>mejorar los procesos actuales de reservación y búsqueda de </a:t>
+            </a:r>
+            <a:r>
+              <a:rPr lang="es-ES_tradnl"/>
+              <a:t>libros.</a:t>
+            </a:r>
+            <a:endParaRPr lang="es-EC"/>
           </a:p>
         </p:txBody>
       </p:sp>
     </p:spTree>
-    <p:extLst>
-      <p:ext uri="{BB962C8B-B14F-4D97-AF65-F5344CB8AC3E}">
-        <p14:creationId xmlns:p14="http://schemas.microsoft.com/office/powerpoint/2010/main" val="521830376"/>
-      </p:ext>
-    </p:extLst>
   </p:cSld>
   <p:clrMapOvr>
     <a:masterClrMapping/>
   </p:clrMapOvr>
+  <mc:AlternateContent xmlns:mc="http://schemas.openxmlformats.org/markup-compatibility/2006">
+    <mc:Choice xmlns:p14="http://schemas.microsoft.com/office/powerpoint/2010/main" Requires="p14">
+      <p:transition p14:dur="2000" advClick="1"/>
+    </mc:Choice>
+    <mc:Fallback>
+      <p:transition advClick="1"/>
+    </mc:Fallback>
+  </mc:AlternateContent>
 </p:sld>
 </file>
 
 <file path=ppt/slides/slide4.xml><?xml version="1.0" encoding="utf-8"?>
-<p:sld xmlns:a="http://schemas.openxmlformats.org/drawingml/2006/main" xmlns:r="http://schemas.openxmlformats.org/officeDocument/2006/relationships" xmlns:p="http://schemas.openxmlformats.org/presentationml/2006/main">
-  <p:cSld>
+<p:sld xmlns:a="http://schemas.openxmlformats.org/drawingml/2006/main" xmlns:r="http://schemas.openxmlformats.org/officeDocument/2006/relationships" xmlns:p="http://schemas.openxmlformats.org/presentationml/2006/main" xmlns:m="http://schemas.openxmlformats.org/officeDocument/2006/math" xmlns:w="http://schemas.openxmlformats.org/wordprocessingml/2006/main" showMasterPhAnim="0" show="1">
+  <p:cSld name="">
     <p:spTree>
       <p:nvGrpSpPr>
-        <p:cNvPr id="1" name=""/>
+        <p:cNvPr id="1" name="" hidden="0"/>
         <p:cNvGrpSpPr/>
-        <p:nvPr/>
+        <p:nvPr isPhoto="0" userDrawn="0"/>
       </p:nvGrpSpPr>
-      <p:grpSpPr>
+      <p:grpSpPr bwMode="auto">
         <a:xfrm>
           <a:off x="0" y="0"/>
           <a:ext cx="0" cy="0"/>
@@ -6281,120 +6484,109 @@
       </p:grpSpPr>
       <p:sp>
         <p:nvSpPr>
-          <p:cNvPr id="2" name="Título 1"/>
-          <p:cNvSpPr>
-            <a:spLocks noGrp="1"/>
-          </p:cNvSpPr>
-          <p:nvPr>
-            <p:ph type="title"/>
-          </p:nvPr>
-        </p:nvSpPr>
-        <p:spPr>
-          <a:xfrm>
-            <a:off x="913149" y="937081"/>
+          <p:cNvPr id="4" name="Título 1" hidden="0"/>
+          <p:cNvSpPr>
+            <a:spLocks noGrp="1"/>
+          </p:cNvSpPr>
+          <p:nvPr isPhoto="0" userDrawn="0">
+            <p:ph type="title" hasCustomPrompt="0"/>
+          </p:nvPr>
+        </p:nvSpPr>
+        <p:spPr bwMode="auto">
+          <a:xfrm>
+            <a:off x="913775" y="705603"/>
             <a:ext cx="10364451" cy="1596177"/>
           </a:xfrm>
         </p:spPr>
         <p:txBody>
-          <a:bodyPr>
-            <a:normAutofit/>
-          </a:bodyPr>
-          <a:lstStyle/>
-          <a:p>
-            <a:r>
-              <a:rPr lang="es-ES" sz="4800" dirty="0"/>
-              <a:t>OBJETIVOS ESPECÍFICOS</a:t>
-            </a:r>
-            <a:endParaRPr lang="es-EC" sz="4800" dirty="0"/>
-          </a:p>
-        </p:txBody>
-      </p:sp>
-      <p:sp>
-        <p:nvSpPr>
-          <p:cNvPr id="5" name="Marcador de contenido 4">
-            <a:extLst>
-              <a:ext uri="{FF2B5EF4-FFF2-40B4-BE49-F238E27FC236}">
-                <a16:creationId xmlns:a16="http://schemas.microsoft.com/office/drawing/2014/main" id="{97106402-A0CC-9E43-94CD-EE6A5CC79326}"/>
-              </a:ext>
-            </a:extLst>
-          </p:cNvPr>
-          <p:cNvSpPr>
-            <a:spLocks noGrp="1"/>
-          </p:cNvSpPr>
-          <p:nvPr>
-            <p:ph idx="1"/>
-          </p:nvPr>
-        </p:nvSpPr>
-        <p:spPr>
-          <a:xfrm>
-            <a:off x="913774" y="2533258"/>
-            <a:ext cx="10363826" cy="3197842"/>
-          </a:xfrm>
-        </p:spPr>
-        <p:txBody>
-          <a:bodyPr>
-            <a:normAutofit/>
-          </a:bodyPr>
-          <a:lstStyle/>
-          <a:p>
-            <a:pPr lvl="0"/>
-            <a:r>
-              <a:rPr lang="es-ES_tradnl" dirty="0"/>
-              <a:t>Desarrollar la aplicación con el establecimiento de </a:t>
-            </a:r>
-            <a:r>
-              <a:rPr lang="es-ES_tradnl" dirty="0" smtClean="0"/>
-              <a:t>diversas herramientas y procesos adquiridas en el semestre para </a:t>
-            </a:r>
-            <a:r>
-              <a:rPr lang="es-ES_tradnl" dirty="0"/>
-              <a:t>lograr la culminación del proyecto.</a:t>
-            </a:r>
-            <a:endParaRPr lang="es-EC" dirty="0"/>
-          </a:p>
-          <a:p>
-            <a:pPr lvl="0"/>
-            <a:r>
-              <a:rPr lang="es-ES_tradnl" dirty="0"/>
-              <a:t>Determinar tareas específicas en el equipo de trabajo para facilitar el desarrollo </a:t>
-            </a:r>
-            <a:r>
-              <a:rPr lang="es-ES_tradnl" dirty="0" smtClean="0"/>
-              <a:t>del sistema. </a:t>
-            </a:r>
-            <a:endParaRPr lang="es-EC" dirty="0"/>
-          </a:p>
+          <a:bodyPr/>
+          <a:lstStyle/>
+          <a:p>
+            <a:pPr>
+              <a:defRPr/>
+            </a:pPr>
+            <a:r>
+              <a:rPr lang="es-ES" sz="4800"/>
+              <a:t>OBJETIVO GENERAL</a:t>
+            </a:r>
+            <a:endParaRPr lang="es-EC" sz="4800"/>
+          </a:p>
+        </p:txBody>
+      </p:sp>
+      <p:sp>
+        <p:nvSpPr>
+          <p:cNvPr id="5" name="Marcador de contenido 5" hidden="0"/>
+          <p:cNvSpPr>
+            <a:spLocks noGrp="1"/>
+          </p:cNvSpPr>
+          <p:nvPr isPhoto="0" userDrawn="0">
+            <p:ph idx="1" hasCustomPrompt="0"/>
+          </p:nvPr>
+        </p:nvSpPr>
+        <p:spPr bwMode="auto">
+          <a:xfrm>
+            <a:off x="914400" y="2542456"/>
+            <a:ext cx="10363826" cy="3424107"/>
+          </a:xfrm>
+        </p:spPr>
+        <p:txBody>
+          <a:bodyPr/>
+          <a:lstStyle/>
           <a:p>
             <a:pPr marL="0" indent="0" algn="just">
               <a:buNone/>
-            </a:pPr>
-            <a:endParaRPr lang="es-EC" sz="2400" dirty="0"/>
+              <a:defRPr/>
+            </a:pPr>
+            <a:r>
+              <a:rPr lang="es-EC"/>
+              <a:t>Diseñar y programar un Sistema de Biblioteca Escolar mediante el desarrollo de una página web administrativa para </a:t>
+            </a:r>
+            <a:r>
+              <a:rPr lang="es-EC"/>
+              <a:t>el/los bibliotecario/s </a:t>
+            </a:r>
+            <a:r>
+              <a:rPr lang="es-EC"/>
+              <a:t>y los estudiantes una app </a:t>
+            </a:r>
+            <a:r>
+              <a:rPr lang="es-EC"/>
+              <a:t>móvil Android </a:t>
+            </a:r>
+            <a:r>
+              <a:rPr lang="es-EC"/>
+              <a:t>para la reserva de libros.</a:t>
+            </a:r>
+            <a:endParaRPr lang="es-EC" sz="2400"/>
           </a:p>
         </p:txBody>
       </p:sp>
     </p:spTree>
-    <p:extLst>
-      <p:ext uri="{BB962C8B-B14F-4D97-AF65-F5344CB8AC3E}">
-        <p14:creationId xmlns:p14="http://schemas.microsoft.com/office/powerpoint/2010/main" val="1463063702"/>
-      </p:ext>
-    </p:extLst>
   </p:cSld>
   <p:clrMapOvr>
     <a:masterClrMapping/>
   </p:clrMapOvr>
+  <mc:AlternateContent xmlns:mc="http://schemas.openxmlformats.org/markup-compatibility/2006">
+    <mc:Choice xmlns:p14="http://schemas.microsoft.com/office/powerpoint/2010/main" Requires="p14">
+      <p:transition p14:dur="2000" advClick="1"/>
+    </mc:Choice>
+    <mc:Fallback>
+      <p:transition advClick="1"/>
+    </mc:Fallback>
+  </mc:AlternateContent>
 </p:sld>
 </file>
 
 <file path=ppt/slides/slide5.xml><?xml version="1.0" encoding="utf-8"?>
-<p:sld xmlns:a="http://schemas.openxmlformats.org/drawingml/2006/main" xmlns:r="http://schemas.openxmlformats.org/officeDocument/2006/relationships" xmlns:p="http://schemas.openxmlformats.org/presentationml/2006/main">
-  <p:cSld>
+<p:sld xmlns:a="http://schemas.openxmlformats.org/drawingml/2006/main" xmlns:r="http://schemas.openxmlformats.org/officeDocument/2006/relationships" xmlns:p="http://schemas.openxmlformats.org/presentationml/2006/main" xmlns:m="http://schemas.openxmlformats.org/officeDocument/2006/math" xmlns:w="http://schemas.openxmlformats.org/wordprocessingml/2006/main" showMasterPhAnim="0" show="1">
+  <p:cSld name="">
     <p:spTree>
       <p:nvGrpSpPr>
-        <p:cNvPr id="1" name=""/>
+        <p:cNvPr id="1" name="" hidden="0"/>
         <p:cNvGrpSpPr/>
-        <p:nvPr/>
+        <p:nvPr isPhoto="0" userDrawn="0"/>
       </p:nvGrpSpPr>
-      <p:grpSpPr>
+      <p:grpSpPr bwMode="auto">
         <a:xfrm>
           <a:off x="0" y="0"/>
           <a:ext cx="0" cy="0"/>
@@ -6404,116 +6596,121 @@
       </p:grpSpPr>
       <p:sp>
         <p:nvSpPr>
-          <p:cNvPr id="2" name="Título 1"/>
-          <p:cNvSpPr>
-            <a:spLocks noGrp="1"/>
-          </p:cNvSpPr>
-          <p:nvPr>
-            <p:ph type="title"/>
-          </p:nvPr>
-        </p:nvSpPr>
-        <p:spPr>
-          <a:xfrm>
-            <a:off x="913774" y="920730"/>
+          <p:cNvPr id="4" name="Título 1" hidden="0"/>
+          <p:cNvSpPr>
+            <a:spLocks noGrp="1"/>
+          </p:cNvSpPr>
+          <p:nvPr isPhoto="0" userDrawn="0">
+            <p:ph type="title" hasCustomPrompt="0"/>
+          </p:nvPr>
+        </p:nvSpPr>
+        <p:spPr bwMode="auto">
+          <a:xfrm>
+            <a:off x="913149" y="937081"/>
             <a:ext cx="10364451" cy="1596177"/>
           </a:xfrm>
         </p:spPr>
         <p:txBody>
-          <a:bodyPr>
-            <a:normAutofit/>
-          </a:bodyPr>
-          <a:lstStyle/>
-          <a:p>
-            <a:r>
-              <a:rPr lang="es-ES" sz="4800" dirty="0"/>
-              <a:t>ALCANCES</a:t>
-            </a:r>
-            <a:endParaRPr lang="es-EC" sz="4800" dirty="0"/>
-          </a:p>
-        </p:txBody>
-      </p:sp>
-      <p:sp>
-        <p:nvSpPr>
-          <p:cNvPr id="3" name="Marcador de contenido 2"/>
-          <p:cNvSpPr>
-            <a:spLocks noGrp="1"/>
-          </p:cNvSpPr>
-          <p:nvPr>
-            <p:ph idx="1"/>
-          </p:nvPr>
-        </p:nvSpPr>
-        <p:spPr>
-          <a:xfrm>
-            <a:off x="914399" y="2838116"/>
-            <a:ext cx="10363826" cy="2892983"/>
-          </a:xfrm>
-        </p:spPr>
-        <p:txBody>
-          <a:bodyPr>
-            <a:normAutofit/>
-          </a:bodyPr>
-          <a:lstStyle/>
+          <a:bodyPr/>
+          <a:lstStyle/>
+          <a:p>
+            <a:pPr>
+              <a:defRPr/>
+            </a:pPr>
+            <a:r>
+              <a:rPr lang="es-ES" sz="4800"/>
+              <a:t>OBJETIVOS ESPECÍFICOS</a:t>
+            </a:r>
+            <a:endParaRPr lang="es-EC" sz="4800"/>
+          </a:p>
+        </p:txBody>
+      </p:sp>
+      <p:sp>
+        <p:nvSpPr>
+          <p:cNvPr id="5" name="Marcador de contenido 4" hidden="0"/>
+          <p:cNvSpPr>
+            <a:spLocks noGrp="1"/>
+          </p:cNvSpPr>
+          <p:nvPr isPhoto="0" userDrawn="0">
+            <p:ph idx="1" hasCustomPrompt="0"/>
+          </p:nvPr>
+        </p:nvSpPr>
+        <p:spPr bwMode="auto">
+          <a:xfrm>
+            <a:off x="913774" y="2533258"/>
+            <a:ext cx="10363826" cy="3197842"/>
+          </a:xfrm>
+        </p:spPr>
+        <p:txBody>
+          <a:bodyPr/>
+          <a:lstStyle/>
+          <a:p>
+            <a:pPr lvl="0">
+              <a:defRPr/>
+            </a:pPr>
+            <a:r>
+              <a:rPr lang="es-ES_tradnl"/>
+              <a:t>Desarrollar la aplicación con el establecimiento de </a:t>
+            </a:r>
+            <a:r>
+              <a:rPr lang="es-ES_tradnl"/>
+              <a:t>diversas herramientas y procesos adquiridas en el semestre para </a:t>
+            </a:r>
+            <a:r>
+              <a:rPr lang="es-ES_tradnl"/>
+              <a:t>lograr la culminación del proyecto.</a:t>
+            </a:r>
+            <a:endParaRPr lang="es-EC"/>
+          </a:p>
+          <a:p>
+            <a:pPr lvl="0">
+              <a:defRPr/>
+            </a:pPr>
+            <a:r>
+              <a:rPr lang="es-ES_tradnl"/>
+              <a:t>Determinar tareas específicas en el equipo de trabajo para facilitar el desarrollo </a:t>
+            </a:r>
+            <a:r>
+              <a:rPr lang="es-ES_tradnl"/>
+              <a:t>del sistema. </a:t>
+            </a:r>
+            <a:endParaRPr lang="es-EC"/>
+          </a:p>
           <a:p>
             <a:pPr marL="0" indent="0" algn="just">
               <a:buNone/>
-            </a:pPr>
-            <a:r>
-              <a:rPr lang="es-EC" dirty="0" smtClean="0"/>
-              <a:t>El </a:t>
-            </a:r>
-            <a:r>
-              <a:rPr lang="es-EC" dirty="0"/>
-              <a:t>Sistema de Biblioteca Escolar permitirá al estudiante realizar la reservación de libros, ingresando al sistema y visualizando todo el contenido de libros disponibles, seleccionando el que desean </a:t>
-            </a:r>
-            <a:r>
-              <a:rPr lang="es-EC" dirty="0" smtClean="0"/>
-              <a:t>reservar. </a:t>
-            </a:r>
-          </a:p>
-          <a:p>
-            <a:pPr marL="0" indent="0" algn="just">
-              <a:buNone/>
-            </a:pPr>
-            <a:r>
-              <a:rPr lang="es-EC" dirty="0" smtClean="0"/>
-              <a:t>El </a:t>
-            </a:r>
-            <a:r>
-              <a:rPr lang="es-EC" dirty="0"/>
-              <a:t>Bibliotecario aprobará o rechazará la petición de reserva realizada por los estudiantes, también tendrá la posibilidad de agregar nuevos libros de ser necesario.</a:t>
-            </a:r>
-          </a:p>
-          <a:p>
-            <a:pPr marL="0" indent="0" algn="just">
-              <a:buNone/>
-            </a:pPr>
-            <a:endParaRPr lang="es-EC" dirty="0"/>
+              <a:defRPr/>
+            </a:pPr>
+            <a:endParaRPr lang="es-EC" sz="2400"/>
           </a:p>
         </p:txBody>
       </p:sp>
     </p:spTree>
-    <p:extLst>
-      <p:ext uri="{BB962C8B-B14F-4D97-AF65-F5344CB8AC3E}">
-        <p14:creationId xmlns:p14="http://schemas.microsoft.com/office/powerpoint/2010/main" val="2348417496"/>
-      </p:ext>
-    </p:extLst>
   </p:cSld>
   <p:clrMapOvr>
     <a:masterClrMapping/>
   </p:clrMapOvr>
+  <mc:AlternateContent xmlns:mc="http://schemas.openxmlformats.org/markup-compatibility/2006">
+    <mc:Choice xmlns:p14="http://schemas.microsoft.com/office/powerpoint/2010/main" Requires="p14">
+      <p:transition p14:dur="2000" advClick="1"/>
+    </mc:Choice>
+    <mc:Fallback>
+      <p:transition advClick="1"/>
+    </mc:Fallback>
+  </mc:AlternateContent>
 </p:sld>
 </file>
 
 <file path=ppt/slides/slide6.xml><?xml version="1.0" encoding="utf-8"?>
-<p:sld xmlns:a="http://schemas.openxmlformats.org/drawingml/2006/main" xmlns:r="http://schemas.openxmlformats.org/officeDocument/2006/relationships" xmlns:p="http://schemas.openxmlformats.org/presentationml/2006/main">
-  <p:cSld>
+<p:sld xmlns:a="http://schemas.openxmlformats.org/drawingml/2006/main" xmlns:r="http://schemas.openxmlformats.org/officeDocument/2006/relationships" xmlns:p="http://schemas.openxmlformats.org/presentationml/2006/main" xmlns:m="http://schemas.openxmlformats.org/officeDocument/2006/math" xmlns:w="http://schemas.openxmlformats.org/wordprocessingml/2006/main" showMasterPhAnim="0" show="1">
+  <p:cSld name="">
     <p:spTree>
       <p:nvGrpSpPr>
-        <p:cNvPr id="1" name=""/>
+        <p:cNvPr id="1" name="" hidden="0"/>
         <p:cNvGrpSpPr/>
-        <p:nvPr/>
+        <p:nvPr isPhoto="0" userDrawn="0"/>
       </p:nvGrpSpPr>
-      <p:grpSpPr>
+      <p:grpSpPr bwMode="auto">
         <a:xfrm>
           <a:off x="0" y="0"/>
           <a:ext cx="0" cy="0"/>
@@ -6523,278 +6720,123 @@
       </p:grpSpPr>
       <p:sp>
         <p:nvSpPr>
-          <p:cNvPr id="2" name="Título 1"/>
-          <p:cNvSpPr>
-            <a:spLocks noGrp="1"/>
-          </p:cNvSpPr>
-          <p:nvPr>
-            <p:ph type="title"/>
-          </p:nvPr>
-        </p:nvSpPr>
-        <p:spPr>
-          <a:xfrm>
-            <a:off x="913775" y="440172"/>
-            <a:ext cx="10364451" cy="1001277"/>
-          </a:xfrm>
-        </p:spPr>
-        <p:txBody>
-          <a:bodyPr>
-            <a:normAutofit/>
-          </a:bodyPr>
-          <a:lstStyle/>
-          <a:p>
-            <a:r>
-              <a:rPr lang="es-ES" sz="5400" dirty="0"/>
-              <a:t>H</a:t>
-            </a:r>
-            <a:r>
-              <a:rPr lang="es-ES" sz="5400" dirty="0" smtClean="0"/>
-              <a:t>erramientas</a:t>
-            </a:r>
-            <a:endParaRPr lang="es-EC" sz="5400" dirty="0"/>
-          </a:p>
-        </p:txBody>
-      </p:sp>
-      <p:pic>
-        <p:nvPicPr>
-          <p:cNvPr id="10" name="Imagen14"/>
-          <p:cNvPicPr/>
-          <p:nvPr/>
-        </p:nvPicPr>
-        <p:blipFill>
-          <a:blip r:embed="rId2"/>
-          <a:stretch>
-            <a:fillRect/>
-          </a:stretch>
-        </p:blipFill>
-        <p:spPr bwMode="auto">
-          <a:xfrm>
-            <a:off x="1664375" y="3223631"/>
-            <a:ext cx="1275715" cy="1281430"/>
-          </a:xfrm>
-          <a:prstGeom prst="rect">
-            <a:avLst/>
-          </a:prstGeom>
-        </p:spPr>
-      </p:pic>
-      <p:pic>
-        <p:nvPicPr>
-          <p:cNvPr id="12" name="Imagen15"/>
-          <p:cNvPicPr/>
-          <p:nvPr/>
-        </p:nvPicPr>
-        <p:blipFill>
-          <a:blip r:embed="rId3"/>
-          <a:stretch>
-            <a:fillRect/>
-          </a:stretch>
-        </p:blipFill>
-        <p:spPr bwMode="auto">
-          <a:xfrm>
-            <a:off x="5323681" y="1534013"/>
-            <a:ext cx="2425933" cy="1314450"/>
-          </a:xfrm>
-          <a:prstGeom prst="rect">
-            <a:avLst/>
-          </a:prstGeom>
-        </p:spPr>
-      </p:pic>
-      <p:pic>
-        <p:nvPicPr>
-          <p:cNvPr id="13" name="Imagen16"/>
-          <p:cNvPicPr/>
-          <p:nvPr/>
-        </p:nvPicPr>
-        <p:blipFill>
-          <a:blip r:embed="rId4"/>
-          <a:stretch>
-            <a:fillRect/>
-          </a:stretch>
-        </p:blipFill>
-        <p:spPr bwMode="auto">
-          <a:xfrm>
-            <a:off x="1664375" y="1448231"/>
-            <a:ext cx="1295344" cy="1314450"/>
-          </a:xfrm>
-          <a:prstGeom prst="rect">
-            <a:avLst/>
-          </a:prstGeom>
-        </p:spPr>
-      </p:pic>
-      <p:pic>
-        <p:nvPicPr>
-          <p:cNvPr id="15" name="Imagen3"/>
-          <p:cNvPicPr/>
-          <p:nvPr/>
-        </p:nvPicPr>
-        <p:blipFill>
-          <a:blip r:embed="rId5"/>
-          <a:stretch>
-            <a:fillRect/>
-          </a:stretch>
-        </p:blipFill>
-        <p:spPr bwMode="auto">
-          <a:xfrm>
-            <a:off x="3404909" y="1448231"/>
-            <a:ext cx="1467859" cy="1336273"/>
-          </a:xfrm>
-          <a:prstGeom prst="rect">
-            <a:avLst/>
-          </a:prstGeom>
-        </p:spPr>
-      </p:pic>
-      <p:pic>
-        <p:nvPicPr>
-          <p:cNvPr id="16" name="Imagen4"/>
-          <p:cNvPicPr/>
-          <p:nvPr/>
-        </p:nvPicPr>
-        <p:blipFill>
-          <a:blip r:embed="rId6"/>
-          <a:stretch>
-            <a:fillRect/>
-          </a:stretch>
-        </p:blipFill>
-        <p:spPr bwMode="auto">
-          <a:xfrm>
-            <a:off x="3543020" y="3288335"/>
-            <a:ext cx="2332597" cy="1069881"/>
-          </a:xfrm>
-          <a:prstGeom prst="rect">
-            <a:avLst/>
-          </a:prstGeom>
-        </p:spPr>
-      </p:pic>
-      <p:pic>
-        <p:nvPicPr>
-          <p:cNvPr id="17" name="Imagen6"/>
-          <p:cNvPicPr/>
-          <p:nvPr/>
-        </p:nvPicPr>
-        <p:blipFill>
-          <a:blip r:embed="rId7"/>
-          <a:stretch>
-            <a:fillRect/>
-          </a:stretch>
-        </p:blipFill>
-        <p:spPr bwMode="auto">
-          <a:xfrm>
-            <a:off x="8330110" y="1562072"/>
-            <a:ext cx="2500182" cy="1311163"/>
-          </a:xfrm>
-          <a:prstGeom prst="rect">
-            <a:avLst/>
-          </a:prstGeom>
-        </p:spPr>
-      </p:pic>
-      <p:pic>
-        <p:nvPicPr>
-          <p:cNvPr id="18" name="Imagen18"/>
-          <p:cNvPicPr/>
-          <p:nvPr/>
-        </p:nvPicPr>
-        <p:blipFill>
-          <a:blip r:embed="rId8"/>
-          <a:stretch>
-            <a:fillRect/>
-          </a:stretch>
-        </p:blipFill>
-        <p:spPr bwMode="auto">
-          <a:xfrm>
-            <a:off x="6636197" y="3033591"/>
-            <a:ext cx="3409323" cy="1471470"/>
-          </a:xfrm>
-          <a:prstGeom prst="rect">
-            <a:avLst/>
-          </a:prstGeom>
-        </p:spPr>
-      </p:pic>
-      <p:pic>
-        <p:nvPicPr>
-          <p:cNvPr id="19" name="Imagen19"/>
-          <p:cNvPicPr/>
-          <p:nvPr/>
-        </p:nvPicPr>
-        <p:blipFill>
-          <a:blip r:embed="rId9"/>
-          <a:stretch>
-            <a:fillRect/>
-          </a:stretch>
-        </p:blipFill>
-        <p:spPr bwMode="auto">
-          <a:xfrm>
-            <a:off x="2284114" y="4798088"/>
-            <a:ext cx="2893193" cy="1247305"/>
-          </a:xfrm>
-          <a:prstGeom prst="rect">
-            <a:avLst/>
-          </a:prstGeom>
-        </p:spPr>
-      </p:pic>
-      <p:pic>
-        <p:nvPicPr>
-          <p:cNvPr id="1026" name="Picture 2" descr="Resultado de imagen para knex.js"/>
-          <p:cNvPicPr>
-            <a:picLocks noChangeAspect="1" noChangeArrowheads="1"/>
-          </p:cNvPicPr>
-          <p:nvPr/>
-        </p:nvPicPr>
-        <p:blipFill>
-          <a:blip r:embed="rId10">
-            <a:extLst>
-              <a:ext uri="{28A0092B-C50C-407E-A947-70E740481C1C}">
-                <a14:useLocalDpi xmlns:a14="http://schemas.microsoft.com/office/drawing/2010/main" val="0"/>
-              </a:ext>
-            </a:extLst>
-          </a:blip>
-          <a:srcRect/>
-          <a:stretch>
-            <a:fillRect/>
-          </a:stretch>
-        </p:blipFill>
-        <p:spPr bwMode="auto">
-          <a:xfrm>
-            <a:off x="5541007" y="4827392"/>
-            <a:ext cx="4208300" cy="1199365"/>
-          </a:xfrm>
-          <a:prstGeom prst="rect">
-            <a:avLst/>
-          </a:prstGeom>
-          <a:noFill/>
-          <a:extLst>
-            <a:ext uri="{909E8E84-426E-40DD-AFC4-6F175D3DCCD1}">
-              <a14:hiddenFill xmlns:a14="http://schemas.microsoft.com/office/drawing/2010/main">
-                <a:solidFill>
-                  <a:srgbClr val="FFFFFF"/>
-                </a:solidFill>
-              </a14:hiddenFill>
-            </a:ext>
-          </a:extLst>
-        </p:spPr>
-      </p:pic>
+          <p:cNvPr id="4" name="Título 1" hidden="0"/>
+          <p:cNvSpPr>
+            <a:spLocks noGrp="1"/>
+          </p:cNvSpPr>
+          <p:nvPr isPhoto="0" userDrawn="0">
+            <p:ph type="title" hasCustomPrompt="0"/>
+          </p:nvPr>
+        </p:nvSpPr>
+        <p:spPr bwMode="auto">
+          <a:xfrm>
+            <a:off x="913774" y="920730"/>
+            <a:ext cx="10364451" cy="1596177"/>
+          </a:xfrm>
+        </p:spPr>
+        <p:txBody>
+          <a:bodyPr/>
+          <a:lstStyle/>
+          <a:p>
+            <a:pPr>
+              <a:defRPr/>
+            </a:pPr>
+            <a:r>
+              <a:rPr lang="es-ES" sz="4800"/>
+              <a:t>ALCANCES</a:t>
+            </a:r>
+            <a:endParaRPr lang="es-EC" sz="4800"/>
+          </a:p>
+        </p:txBody>
+      </p:sp>
+      <p:sp>
+        <p:nvSpPr>
+          <p:cNvPr id="5" name="Marcador de contenido 2" hidden="0"/>
+          <p:cNvSpPr>
+            <a:spLocks noGrp="1"/>
+          </p:cNvSpPr>
+          <p:nvPr isPhoto="0" userDrawn="0">
+            <p:ph idx="1" hasCustomPrompt="0"/>
+          </p:nvPr>
+        </p:nvSpPr>
+        <p:spPr bwMode="auto">
+          <a:xfrm>
+            <a:off x="914399" y="2838115"/>
+            <a:ext cx="10363826" cy="2892983"/>
+          </a:xfrm>
+        </p:spPr>
+        <p:txBody>
+          <a:bodyPr/>
+          <a:lstStyle/>
+          <a:p>
+            <a:pPr marL="0" indent="0" algn="just">
+              <a:buNone/>
+              <a:defRPr/>
+            </a:pPr>
+            <a:r>
+              <a:rPr lang="es-EC"/>
+              <a:t>El </a:t>
+            </a:r>
+            <a:r>
+              <a:rPr lang="es-EC"/>
+              <a:t>Sistema de Biblioteca Escolar permitirá al estudiante realizar la reservación de libros, ingresando al sistema y visualizando todo el contenido de libros disponibles, seleccionando el que desean </a:t>
+            </a:r>
+            <a:r>
+              <a:rPr lang="es-EC"/>
+              <a:t>reservar. </a:t>
+            </a:r>
+            <a:endParaRPr/>
+          </a:p>
+          <a:p>
+            <a:pPr marL="0" indent="0" algn="just">
+              <a:buNone/>
+              <a:defRPr/>
+            </a:pPr>
+            <a:r>
+              <a:rPr lang="es-EC"/>
+              <a:t>El </a:t>
+            </a:r>
+            <a:r>
+              <a:rPr lang="es-EC"/>
+              <a:t>Bibliotecario aprobará o rechazará la petición de reserva realizada por los estudiantes, también tendrá la posibilidad de agregar nuevos libros de ser necesario.</a:t>
+            </a:r>
+            <a:endParaRPr/>
+          </a:p>
+          <a:p>
+            <a:pPr marL="0" indent="0" algn="just">
+              <a:buNone/>
+              <a:defRPr/>
+            </a:pPr>
+            <a:endParaRPr lang="es-EC"/>
+          </a:p>
+        </p:txBody>
+      </p:sp>
     </p:spTree>
-    <p:extLst>
-      <p:ext uri="{BB962C8B-B14F-4D97-AF65-F5344CB8AC3E}">
-        <p14:creationId xmlns:p14="http://schemas.microsoft.com/office/powerpoint/2010/main" val="1817973705"/>
-      </p:ext>
-    </p:extLst>
   </p:cSld>
   <p:clrMapOvr>
     <a:masterClrMapping/>
   </p:clrMapOvr>
+  <mc:AlternateContent xmlns:mc="http://schemas.openxmlformats.org/markup-compatibility/2006">
+    <mc:Choice xmlns:p14="http://schemas.microsoft.com/office/powerpoint/2010/main" Requires="p14">
+      <p:transition p14:dur="2000" advClick="1"/>
+    </mc:Choice>
+    <mc:Fallback>
+      <p:transition advClick="1"/>
+    </mc:Fallback>
+  </mc:AlternateContent>
 </p:sld>
 </file>
 
 <file path=ppt/slides/slide7.xml><?xml version="1.0" encoding="utf-8"?>
-<p:sld xmlns:a="http://schemas.openxmlformats.org/drawingml/2006/main" xmlns:r="http://schemas.openxmlformats.org/officeDocument/2006/relationships" xmlns:p="http://schemas.openxmlformats.org/presentationml/2006/main">
-  <p:cSld>
+<p:sld xmlns:a="http://schemas.openxmlformats.org/drawingml/2006/main" xmlns:r="http://schemas.openxmlformats.org/officeDocument/2006/relationships" xmlns:p="http://schemas.openxmlformats.org/presentationml/2006/main" xmlns:m="http://schemas.openxmlformats.org/officeDocument/2006/math" xmlns:w="http://schemas.openxmlformats.org/wordprocessingml/2006/main" showMasterPhAnim="0" show="1">
+  <p:cSld name="">
     <p:spTree>
       <p:nvGrpSpPr>
-        <p:cNvPr id="1" name=""/>
+        <p:cNvPr id="1" name="" hidden="0"/>
         <p:cNvGrpSpPr/>
-        <p:nvPr/>
+        <p:nvPr isPhoto="0" userDrawn="0"/>
       </p:nvGrpSpPr>
-      <p:grpSpPr>
+      <p:grpSpPr bwMode="auto">
         <a:xfrm>
           <a:off x="0" y="0"/>
           <a:ext cx="0" cy="0"/>
@@ -6804,33 +6846,281 @@
       </p:grpSpPr>
       <p:sp>
         <p:nvSpPr>
-          <p:cNvPr id="4" name="Título 1"/>
-          <p:cNvSpPr txBox="1">
-            <a:spLocks/>
-          </p:cNvSpPr>
-          <p:nvPr/>
-        </p:nvSpPr>
-        <p:spPr>
-          <a:xfrm>
-            <a:off x="1686616" y="1497302"/>
-            <a:ext cx="9054363" cy="4092129"/>
+          <p:cNvPr id="4" name="Título 1" hidden="0"/>
+          <p:cNvSpPr>
+            <a:spLocks noGrp="1"/>
+          </p:cNvSpPr>
+          <p:nvPr isPhoto="0" userDrawn="0">
+            <p:ph type="title" hasCustomPrompt="0"/>
+          </p:nvPr>
+        </p:nvSpPr>
+        <p:spPr bwMode="auto">
+          <a:xfrm>
+            <a:off x="913775" y="440172"/>
+            <a:ext cx="10364451" cy="1001277"/>
+          </a:xfrm>
+        </p:spPr>
+        <p:txBody>
+          <a:bodyPr/>
+          <a:lstStyle/>
+          <a:p>
+            <a:pPr>
+              <a:defRPr/>
+            </a:pPr>
+            <a:r>
+              <a:rPr lang="es-ES" sz="5400"/>
+              <a:t>H</a:t>
+            </a:r>
+            <a:r>
+              <a:rPr lang="es-ES" sz="5400"/>
+              <a:t>erramientas</a:t>
+            </a:r>
+            <a:endParaRPr lang="es-EC" sz="5400"/>
+          </a:p>
+        </p:txBody>
+      </p:sp>
+      <p:pic>
+        <p:nvPicPr>
+          <p:cNvPr id="5" name="Imagen14" hidden="0"/>
+          <p:cNvPicPr/>
+          <p:nvPr isPhoto="0" userDrawn="0"/>
+        </p:nvPicPr>
+        <p:blipFill>
+          <a:blip r:embed="rId2"/>
+          <a:stretch/>
+        </p:blipFill>
+        <p:spPr bwMode="auto">
+          <a:xfrm>
+            <a:off x="1664375" y="3223631"/>
+            <a:ext cx="1275715" cy="1281430"/>
           </a:xfrm>
           <a:prstGeom prst="rect">
             <a:avLst/>
           </a:prstGeom>
-          <a:effectLst/>
-        </p:spPr>
-        <p:txBody>
-          <a:bodyPr vert="horz" lIns="91440" tIns="45720" rIns="91440" bIns="45720" rtlCol="0" anchor="ctr">
-            <a:normAutofit fontScale="92500" lnSpcReduction="10000"/>
-          </a:bodyPr>
+        </p:spPr>
+      </p:pic>
+      <p:pic>
+        <p:nvPicPr>
+          <p:cNvPr id="6" name="Imagen15" hidden="0"/>
+          <p:cNvPicPr/>
+          <p:nvPr isPhoto="0" userDrawn="0"/>
+        </p:nvPicPr>
+        <p:blipFill>
+          <a:blip r:embed="rId3"/>
+          <a:stretch/>
+        </p:blipFill>
+        <p:spPr bwMode="auto">
+          <a:xfrm>
+            <a:off x="5323681" y="1534013"/>
+            <a:ext cx="2425933" cy="1314450"/>
+          </a:xfrm>
+          <a:prstGeom prst="rect">
+            <a:avLst/>
+          </a:prstGeom>
+        </p:spPr>
+      </p:pic>
+      <p:pic>
+        <p:nvPicPr>
+          <p:cNvPr id="7" name="Imagen16" hidden="0"/>
+          <p:cNvPicPr/>
+          <p:nvPr isPhoto="0" userDrawn="0"/>
+        </p:nvPicPr>
+        <p:blipFill>
+          <a:blip r:embed="rId4"/>
+          <a:stretch/>
+        </p:blipFill>
+        <p:spPr bwMode="auto">
+          <a:xfrm>
+            <a:off x="1664375" y="1448231"/>
+            <a:ext cx="1295344" cy="1314450"/>
+          </a:xfrm>
+          <a:prstGeom prst="rect">
+            <a:avLst/>
+          </a:prstGeom>
+        </p:spPr>
+      </p:pic>
+      <p:pic>
+        <p:nvPicPr>
+          <p:cNvPr id="8" name="Imagen3" hidden="0"/>
+          <p:cNvPicPr/>
+          <p:nvPr isPhoto="0" userDrawn="0"/>
+        </p:nvPicPr>
+        <p:blipFill>
+          <a:blip r:embed="rId5"/>
+          <a:stretch/>
+        </p:blipFill>
+        <p:spPr bwMode="auto">
+          <a:xfrm>
+            <a:off x="3404909" y="1448231"/>
+            <a:ext cx="1467859" cy="1336273"/>
+          </a:xfrm>
+          <a:prstGeom prst="rect">
+            <a:avLst/>
+          </a:prstGeom>
+        </p:spPr>
+      </p:pic>
+      <p:pic>
+        <p:nvPicPr>
+          <p:cNvPr id="9" name="Imagen4" hidden="0"/>
+          <p:cNvPicPr/>
+          <p:nvPr isPhoto="0" userDrawn="0"/>
+        </p:nvPicPr>
+        <p:blipFill>
+          <a:blip r:embed="rId6"/>
+          <a:stretch/>
+        </p:blipFill>
+        <p:spPr bwMode="auto">
+          <a:xfrm>
+            <a:off x="3543020" y="3288335"/>
+            <a:ext cx="2332597" cy="1069881"/>
+          </a:xfrm>
+          <a:prstGeom prst="rect">
+            <a:avLst/>
+          </a:prstGeom>
+        </p:spPr>
+      </p:pic>
+      <p:pic>
+        <p:nvPicPr>
+          <p:cNvPr id="10" name="Imagen6" hidden="0"/>
+          <p:cNvPicPr/>
+          <p:nvPr isPhoto="0" userDrawn="0"/>
+        </p:nvPicPr>
+        <p:blipFill>
+          <a:blip r:embed="rId7"/>
+          <a:stretch/>
+        </p:blipFill>
+        <p:spPr bwMode="auto">
+          <a:xfrm>
+            <a:off x="8330110" y="1562072"/>
+            <a:ext cx="2500182" cy="1311163"/>
+          </a:xfrm>
+          <a:prstGeom prst="rect">
+            <a:avLst/>
+          </a:prstGeom>
+        </p:spPr>
+      </p:pic>
+      <p:pic>
+        <p:nvPicPr>
+          <p:cNvPr id="11" name="Imagen18" hidden="0"/>
+          <p:cNvPicPr/>
+          <p:nvPr isPhoto="0" userDrawn="0"/>
+        </p:nvPicPr>
+        <p:blipFill>
+          <a:blip r:embed="rId8"/>
+          <a:stretch/>
+        </p:blipFill>
+        <p:spPr bwMode="auto">
+          <a:xfrm>
+            <a:off x="6636197" y="3033591"/>
+            <a:ext cx="3409323" cy="1471470"/>
+          </a:xfrm>
+          <a:prstGeom prst="rect">
+            <a:avLst/>
+          </a:prstGeom>
+        </p:spPr>
+      </p:pic>
+      <p:pic>
+        <p:nvPicPr>
+          <p:cNvPr id="12" name="Imagen19" hidden="0"/>
+          <p:cNvPicPr/>
+          <p:nvPr isPhoto="0" userDrawn="0"/>
+        </p:nvPicPr>
+        <p:blipFill>
+          <a:blip r:embed="rId9"/>
+          <a:stretch/>
+        </p:blipFill>
+        <p:spPr bwMode="auto">
+          <a:xfrm>
+            <a:off x="2284114" y="4798088"/>
+            <a:ext cx="2893193" cy="1247305"/>
+          </a:xfrm>
+          <a:prstGeom prst="rect">
+            <a:avLst/>
+          </a:prstGeom>
+        </p:spPr>
+      </p:pic>
+      <p:pic>
+        <p:nvPicPr>
+          <p:cNvPr id="13" name="Picture 2" descr="Resultado de imagen para knex.js" hidden="0"/>
+          <p:cNvPicPr>
+            <a:picLocks noChangeAspect="1" noChangeArrowheads="1"/>
+          </p:cNvPicPr>
+          <p:nvPr isPhoto="0" userDrawn="0"/>
+        </p:nvPicPr>
+        <p:blipFill>
+          <a:blip r:embed="rId10"/>
+          <a:stretch/>
+        </p:blipFill>
+        <p:spPr bwMode="auto">
+          <a:xfrm>
+            <a:off x="5541007" y="4827392"/>
+            <a:ext cx="4208300" cy="1199365"/>
+          </a:xfrm>
+          <a:prstGeom prst="rect">
+            <a:avLst/>
+          </a:prstGeom>
+          <a:noFill/>
+        </p:spPr>
+      </p:pic>
+    </p:spTree>
+  </p:cSld>
+  <p:clrMapOvr>
+    <a:masterClrMapping/>
+  </p:clrMapOvr>
+  <mc:AlternateContent xmlns:mc="http://schemas.openxmlformats.org/markup-compatibility/2006">
+    <mc:Choice xmlns:p14="http://schemas.microsoft.com/office/powerpoint/2010/main" Requires="p14">
+      <p:transition p14:dur="2000" advClick="1"/>
+    </mc:Choice>
+    <mc:Fallback>
+      <p:transition advClick="1"/>
+    </mc:Fallback>
+  </mc:AlternateContent>
+</p:sld>
+</file>
+
+<file path=ppt/slides/slide8.xml><?xml version="1.0" encoding="utf-8"?>
+<p:sld xmlns:a="http://schemas.openxmlformats.org/drawingml/2006/main" xmlns:r="http://schemas.openxmlformats.org/officeDocument/2006/relationships" xmlns:p="http://schemas.openxmlformats.org/presentationml/2006/main" xmlns:m="http://schemas.openxmlformats.org/officeDocument/2006/math" xmlns:w="http://schemas.openxmlformats.org/wordprocessingml/2006/main" showMasterPhAnim="0" show="1">
+  <p:cSld name="">
+    <p:spTree>
+      <p:nvGrpSpPr>
+        <p:cNvPr id="1" name="" hidden="0"/>
+        <p:cNvGrpSpPr/>
+        <p:nvPr isPhoto="0" userDrawn="0"/>
+      </p:nvGrpSpPr>
+      <p:grpSpPr bwMode="auto">
+        <a:xfrm>
+          <a:off x="0" y="0"/>
+          <a:ext cx="0" cy="0"/>
+          <a:chOff x="0" y="0"/>
+          <a:chExt cx="0" cy="0"/>
+        </a:xfrm>
+      </p:grpSpPr>
+      <p:sp>
+        <p:nvSpPr>
+          <p:cNvPr id="4" name="Título 1" hidden="0"/>
+          <p:cNvSpPr>
+            <a:spLocks noAdjustHandles="0" noChangeArrowheads="0"/>
+          </p:cNvSpPr>
+          <p:nvPr isPhoto="0" userDrawn="0"/>
+        </p:nvSpPr>
+        <p:spPr bwMode="auto">
+          <a:xfrm>
+            <a:off x="1686616" y="1497302"/>
+            <a:ext cx="9054363" cy="4092129"/>
+          </a:xfrm>
+          <a:prstGeom prst="rect">
+            <a:avLst/>
+          </a:prstGeom>
+        </p:spPr>
+        <p:txBody>
+          <a:bodyPr vert="horz" lIns="91440" tIns="45720" rIns="91440" bIns="45720" rtlCol="0" anchor="ctr"/>
           <a:lstStyle>
-            <a:lvl1pPr algn="ctr" defTabSz="457200" rtl="0" eaLnBrk="1" latinLnBrk="0" hangingPunct="1">
+            <a:lvl1pPr algn="ctr" defTabSz="457200">
               <a:spcBef>
-                <a:spcPct val="0"/>
+                <a:spcPts val="0"/>
               </a:spcBef>
               <a:buNone/>
-              <a:defRPr sz="4400" kern="1200" cap="none">
+              <a:defRPr sz="4400" cap="none">
                 <a:ln w="3175" cmpd="sng">
                   <a:noFill/>
                 </a:ln>
@@ -6840,62 +7130,61 @@
                     <a:lumOff val="15000"/>
                   </a:schemeClr>
                 </a:solidFill>
-                <a:effectLst/>
                 <a:latin typeface="+mj-lt"/>
                 <a:ea typeface="+mj-ea"/>
                 <a:cs typeface="+mj-cs"/>
               </a:defRPr>
             </a:lvl1pPr>
-            <a:lvl2pPr eaLnBrk="1" hangingPunct="1">
+            <a:lvl2pPr>
               <a:defRPr>
                 <a:solidFill>
                   <a:schemeClr val="tx2"/>
                 </a:solidFill>
               </a:defRPr>
             </a:lvl2pPr>
-            <a:lvl3pPr eaLnBrk="1" hangingPunct="1">
+            <a:lvl3pPr>
               <a:defRPr>
                 <a:solidFill>
                   <a:schemeClr val="tx2"/>
                 </a:solidFill>
               </a:defRPr>
             </a:lvl3pPr>
-            <a:lvl4pPr eaLnBrk="1" hangingPunct="1">
+            <a:lvl4pPr>
               <a:defRPr>
                 <a:solidFill>
                   <a:schemeClr val="tx2"/>
                 </a:solidFill>
               </a:defRPr>
             </a:lvl4pPr>
-            <a:lvl5pPr eaLnBrk="1" hangingPunct="1">
+            <a:lvl5pPr>
               <a:defRPr>
                 <a:solidFill>
                   <a:schemeClr val="tx2"/>
                 </a:solidFill>
               </a:defRPr>
             </a:lvl5pPr>
-            <a:lvl6pPr eaLnBrk="1" hangingPunct="1">
+            <a:lvl6pPr>
               <a:defRPr>
                 <a:solidFill>
                   <a:schemeClr val="tx2"/>
                 </a:solidFill>
               </a:defRPr>
             </a:lvl6pPr>
-            <a:lvl7pPr eaLnBrk="1" hangingPunct="1">
+            <a:lvl7pPr>
               <a:defRPr>
                 <a:solidFill>
                   <a:schemeClr val="tx2"/>
                 </a:solidFill>
               </a:defRPr>
             </a:lvl7pPr>
-            <a:lvl8pPr eaLnBrk="1" hangingPunct="1">
+            <a:lvl8pPr>
               <a:defRPr>
                 <a:solidFill>
                   <a:schemeClr val="tx2"/>
                 </a:solidFill>
               </a:defRPr>
             </a:lvl8pPr>
-            <a:lvl9pPr eaLnBrk="1" hangingPunct="1">
+            <a:lvl9pPr>
               <a:defRPr>
                 <a:solidFill>
                   <a:schemeClr val="tx2"/>
@@ -6904,72 +7193,99 @@
             </a:lvl9pPr>
           </a:lstStyle>
           <a:p>
-            <a:r>
-              <a:rPr lang="es-ES" sz="6000" b="1" dirty="0" smtClean="0">
+            <a:pPr>
+              <a:lnSpc>
+                <a:spcPct val="104999"/>
+              </a:lnSpc>
+              <a:defRPr/>
+            </a:pPr>
+            <a:r>
+              <a:rPr lang="es-ES" sz="5600" b="1">
                 <a:solidFill>
                   <a:schemeClr val="tx1"/>
                 </a:solidFill>
-                <a:latin typeface="Century Schoolbook" panose="02040604050505020304" pitchFamily="18" charset="0"/>
-                <a:cs typeface="Bangla Sangam MN" panose="02000000000000000000" pitchFamily="2" charset="0"/>
+                <a:latin typeface="Century Schoolbook"/>
+                <a:cs typeface="Bangla Sangam MN"/>
               </a:rPr>
               <a:t>A continuación el sistema!!!</a:t>
             </a:r>
-          </a:p>
-          <a:p>
-            <a:endParaRPr lang="es-ES" sz="6000" b="1" dirty="0">
+            <a:endParaRPr sz="4100"/>
+          </a:p>
+          <a:p>
+            <a:pPr>
+              <a:lnSpc>
+                <a:spcPct val="90000"/>
+              </a:lnSpc>
+              <a:defRPr/>
+            </a:pPr>
+            <a:endParaRPr lang="es-ES" sz="5600" b="1">
               <a:solidFill>
                 <a:schemeClr val="tx1"/>
               </a:solidFill>
-              <a:latin typeface="Century Schoolbook" panose="02040604050505020304" pitchFamily="18" charset="0"/>
-              <a:cs typeface="Bangla Sangam MN" panose="02000000000000000000" pitchFamily="2" charset="0"/>
+              <a:latin typeface="Century Schoolbook"/>
+              <a:cs typeface="Bangla Sangam MN"/>
             </a:endParaRPr>
           </a:p>
           <a:p>
-            <a:endParaRPr lang="es-ES" sz="6000" b="1" dirty="0" smtClean="0">
+            <a:pPr>
+              <a:lnSpc>
+                <a:spcPct val="90000"/>
+              </a:lnSpc>
+              <a:defRPr/>
+            </a:pPr>
+            <a:endParaRPr lang="es-ES" sz="5600" b="1">
               <a:solidFill>
                 <a:schemeClr val="tx1"/>
               </a:solidFill>
-              <a:latin typeface="Century Schoolbook" panose="02040604050505020304" pitchFamily="18" charset="0"/>
-              <a:cs typeface="Bangla Sangam MN" panose="02000000000000000000" pitchFamily="2" charset="0"/>
+              <a:latin typeface="Century Schoolbook"/>
+              <a:cs typeface="Bangla Sangam MN"/>
             </a:endParaRPr>
           </a:p>
           <a:p>
-            <a:r>
-              <a:rPr lang="es-ES" sz="6000" b="1" dirty="0" smtClean="0">
+            <a:pPr>
+              <a:lnSpc>
+                <a:spcPct val="90000"/>
+              </a:lnSpc>
+              <a:defRPr/>
+            </a:pPr>
+            <a:r>
+              <a:rPr lang="es-ES" sz="5600" b="1">
                 <a:solidFill>
                   <a:schemeClr val="tx1"/>
                 </a:solidFill>
-                <a:latin typeface="Century Schoolbook" panose="02040604050505020304" pitchFamily="18" charset="0"/>
-                <a:cs typeface="Bangla Sangam MN" panose="02000000000000000000" pitchFamily="2" charset="0"/>
-                <a:sym typeface="Wingdings" panose="05000000000000000000" pitchFamily="2" charset="2"/>
+                <a:latin typeface="Century Schoolbook"/>
+                <a:cs typeface="Bangla Sangam MN"/>
               </a:rPr>
               <a:t></a:t>
             </a:r>
-            <a:endParaRPr lang="es-EC" sz="6000" b="1" dirty="0">
+            <a:endParaRPr lang="es-EC" sz="5600" b="1">
               <a:solidFill>
                 <a:schemeClr val="tx1"/>
               </a:solidFill>
-              <a:latin typeface="Century Schoolbook" panose="02040604050505020304" pitchFamily="18" charset="0"/>
-              <a:cs typeface="Bangla Sangam MN" panose="02000000000000000000" pitchFamily="2" charset="0"/>
+              <a:latin typeface="Century Schoolbook"/>
+              <a:cs typeface="Bangla Sangam MN"/>
             </a:endParaRPr>
           </a:p>
         </p:txBody>
       </p:sp>
     </p:spTree>
-    <p:extLst>
-      <p:ext uri="{BB962C8B-B14F-4D97-AF65-F5344CB8AC3E}">
-        <p14:creationId xmlns:p14="http://schemas.microsoft.com/office/powerpoint/2010/main" val="831859511"/>
-      </p:ext>
-    </p:extLst>
   </p:cSld>
   <p:clrMapOvr>
     <a:masterClrMapping/>
   </p:clrMapOvr>
+  <mc:AlternateContent xmlns:mc="http://schemas.openxmlformats.org/markup-compatibility/2006">
+    <mc:Choice xmlns:p14="http://schemas.microsoft.com/office/powerpoint/2010/main" Requires="p14">
+      <p:transition p14:dur="2000" advClick="1"/>
+    </mc:Choice>
+    <mc:Fallback>
+      <p:transition advClick="1"/>
+    </mc:Fallback>
+  </mc:AlternateContent>
 </p:sld>
 </file>
 
 <file path=ppt/theme/theme1.xml><?xml version="1.0" encoding="utf-8"?>
-<a:theme xmlns:a="http://schemas.openxmlformats.org/drawingml/2006/main" name="Orgánico">
+<a:theme xmlns:a="http://schemas.openxmlformats.org/drawingml/2006/main" xmlns:r="http://schemas.openxmlformats.org/officeDocument/2006/relationships" xmlns:p="http://schemas.openxmlformats.org/presentationml/2006/main" name="Orgánico">
   <a:themeElements>
     <a:clrScheme name="Orgánico">
       <a:dk1>
@@ -7011,74 +7327,14 @@
     </a:clrScheme>
     <a:fontScheme name="Orgánico">
       <a:majorFont>
-        <a:latin typeface="Garamond" panose="02020404030301010803"/>
-        <a:ea typeface=""/>
-        <a:cs typeface=""/>
-        <a:font script="Jpan" typeface="ＭＳ Ｐゴシック"/>
-        <a:font script="Hang" typeface="돋움"/>
-        <a:font script="Hans" typeface="方正舒体"/>
-        <a:font script="Hant" typeface="微軟正黑體"/>
-        <a:font script="Arab" typeface="Arial"/>
-        <a:font script="Hebr" typeface="Arial"/>
-        <a:font script="Thai" typeface="Cordia New"/>
-        <a:font script="Ethi" typeface="Nyala"/>
-        <a:font script="Beng" typeface="Vrinda"/>
-        <a:font script="Gujr" typeface="Shruti"/>
-        <a:font script="Khmr" typeface="DaunPenh"/>
-        <a:font script="Knda" typeface="Tunga"/>
-        <a:font script="Guru" typeface="Raavi"/>
-        <a:font script="Cans" typeface="Euphemia"/>
-        <a:font script="Cher" typeface="Plantagenet Cherokee"/>
-        <a:font script="Yiii" typeface="Microsoft Yi Baiti"/>
-        <a:font script="Tibt" typeface="Microsoft Himalaya"/>
-        <a:font script="Thaa" typeface="MV Boli"/>
-        <a:font script="Deva" typeface="Mangal"/>
-        <a:font script="Telu" typeface="Gautami"/>
-        <a:font script="Taml" typeface="Latha"/>
-        <a:font script="Syrc" typeface="Estrangelo Edessa"/>
-        <a:font script="Orya" typeface="Kalinga"/>
-        <a:font script="Mlym" typeface="Kartika"/>
-        <a:font script="Laoo" typeface="DokChampa"/>
-        <a:font script="Sinh" typeface="Iskoola Pota"/>
-        <a:font script="Mong" typeface="Mongolian Baiti"/>
-        <a:font script="Viet" typeface="Arial"/>
-        <a:font script="Uigh" typeface="Microsoft Uighur"/>
-        <a:font script="Geor" typeface="Sylfaen"/>
+        <a:latin typeface="Garamond"/>
+        <a:ea typeface="Arial"/>
+        <a:cs typeface="Arial"/>
       </a:majorFont>
       <a:minorFont>
-        <a:latin typeface="Garamond" panose="02020404030301010803"/>
-        <a:ea typeface=""/>
-        <a:cs typeface=""/>
-        <a:font script="Jpan" typeface="ＭＳ Ｐ明朝"/>
-        <a:font script="Hang" typeface="바탕"/>
-        <a:font script="Hans" typeface="方正舒体"/>
-        <a:font script="Hant" typeface="新細明體"/>
-        <a:font script="Arab" typeface="Times New Roman"/>
-        <a:font script="Hebr" typeface="Times New Roman"/>
-        <a:font script="Thai" typeface="Angsana New"/>
-        <a:font script="Ethi" typeface="Nyala"/>
-        <a:font script="Beng" typeface="Vrinda"/>
-        <a:font script="Gujr" typeface="Shruti"/>
-        <a:font script="Khmr" typeface="MoolBoran"/>
-        <a:font script="Knda" typeface="Tunga"/>
-        <a:font script="Guru" typeface="Raavi"/>
-        <a:font script="Cans" typeface="Euphemia"/>
-        <a:font script="Cher" typeface="Plantagenet Cherokee"/>
-        <a:font script="Yiii" typeface="Microsoft Yi Baiti"/>
-        <a:font script="Tibt" typeface="Microsoft Himalaya"/>
-        <a:font script="Thaa" typeface="MV Boli"/>
-        <a:font script="Deva" typeface="Mangal"/>
-        <a:font script="Telu" typeface="Gautami"/>
-        <a:font script="Taml" typeface="Latha"/>
-        <a:font script="Syrc" typeface="Estrangelo Edessa"/>
-        <a:font script="Orya" typeface="Kalinga"/>
-        <a:font script="Mlym" typeface="Kartika"/>
-        <a:font script="Laoo" typeface="DokChampa"/>
-        <a:font script="Sinh" typeface="Iskoola Pota"/>
-        <a:font script="Mong" typeface="Mongolian Baiti"/>
-        <a:font script="Viet" typeface="Times New Roman"/>
-        <a:font script="Uigh" typeface="Microsoft Uighur"/>
-        <a:font script="Geor" typeface="Sylfaen"/>
+        <a:latin typeface="Garamond"/>
+        <a:ea typeface="Arial"/>
+        <a:cs typeface="Arial"/>
       </a:minorFont>
     </a:fontScheme>
     <a:fmtScheme name="Orgánico">
@@ -7086,7 +7342,7 @@
         <a:solidFill>
           <a:schemeClr val="phClr"/>
         </a:solidFill>
-        <a:gradFill rotWithShape="1">
+        <a:gradFill>
           <a:gsLst>
             <a:gs pos="0">
               <a:schemeClr val="phClr">
@@ -7103,7 +7359,7 @@
           <a:lin ang="5400000" scaled="0"/>
         </a:gradFill>
         <a:blipFill>
-          <a:blip xmlns:r="http://schemas.openxmlformats.org/officeDocument/2006/relationships" r:embed="rId1">
+          <a:blip r:embed="rId1">
             <a:duotone>
               <a:schemeClr val="phClr">
                 <a:shade val="74000"/>
@@ -7117,7 +7373,7 @@
               </a:schemeClr>
             </a:duotone>
           </a:blip>
-          <a:tile tx="0" ty="0" sx="100000" sy="100000" flip="none" algn="tl"/>
+          <a:tile algn="tl" flip="none" sx="100000" sy="100000" tx="0" ty="0"/>
         </a:blipFill>
       </a:fillStyleLst>
       <a:lnStyleLst>
@@ -7142,22 +7398,28 @@
       </a:lnStyleLst>
       <a:effectStyleLst>
         <a:effectStyle>
-          <a:effectLst/>
-        </a:effectStyle>
-        <a:effectStyle>
           <a:effectLst>
-            <a:innerShdw blurRad="25400" dist="12700" dir="13500000">
+            <a:outerShdw blurRad="40000" dist="20000" dir="5400000" rotWithShape="0">
               <a:srgbClr val="000000">
-                <a:alpha val="45000"/>
+                <a:alpha val="38000"/>
               </a:srgbClr>
-            </a:innerShdw>
+            </a:outerShdw>
           </a:effectLst>
         </a:effectStyle>
         <a:effectStyle>
           <a:effectLst>
-            <a:outerShdw blurRad="38100" dist="25400" dir="5400000" rotWithShape="0">
+            <a:outerShdw blurRad="40000" dist="23000" dir="5400000" rotWithShape="0">
               <a:srgbClr val="000000">
-                <a:alpha val="60000"/>
+                <a:alpha val="35000"/>
+              </a:srgbClr>
+            </a:outerShdw>
+          </a:effectLst>
+        </a:effectStyle>
+        <a:effectStyle>
+          <a:effectLst>
+            <a:outerShdw blurRad="40000" dist="23000" dir="5400000" rotWithShape="0">
+              <a:srgbClr val="000000">
+                <a:alpha val="35000"/>
               </a:srgbClr>
             </a:outerShdw>
           </a:effectLst>
@@ -7167,7 +7429,7 @@
         <a:solidFill>
           <a:schemeClr val="phClr"/>
         </a:solidFill>
-        <a:gradFill rotWithShape="1">
+        <a:gradFill>
           <a:gsLst>
             <a:gs pos="0">
               <a:schemeClr val="phClr">
@@ -7185,18 +7447,12 @@
           <a:lin ang="5400000" scaled="0"/>
         </a:gradFill>
         <a:blipFill>
-          <a:blip xmlns:r="http://schemas.openxmlformats.org/officeDocument/2006/relationships" r:embed="rId2"/>
+          <a:blip r:embed="rId2"/>
           <a:stretch/>
         </a:blipFill>
       </a:bgFillStyleLst>
     </a:fmtScheme>
   </a:themeElements>
   <a:objectDefaults/>
-  <a:extraClrSchemeLst/>
-  <a:extLst>
-    <a:ext uri="{05A4C25C-085E-4340-85A3-A5531E510DB2}">
-      <thm15:themeFamily xmlns:thm15="http://schemas.microsoft.com/office/thememl/2012/main" name="Organic" id="{28CDC826-8792-45C0-861B-85EB3ADEDA33}" vid="{7DAC20F1-423D-49E2-BD0B-50532748BAD0}"/>
-    </a:ext>
-  </a:extLst>
 </a:theme>
 </file>